--- a/03-Clang-AST-and-static-analysis.pptx
+++ b/03-Clang-AST-and-static-analysis.pptx
@@ -43,16 +43,18 @@
     <p:sldId id="288" r:id="rId38"/>
     <p:sldId id="289" r:id="rId39"/>
     <p:sldId id="290" r:id="rId40"/>
+    <p:sldId id="291" r:id="rId41"/>
+    <p:sldId id="292" r:id="rId42"/>
   </p:sldIdLst>
   <p:sldSz cy="6858000" cx="12192000"/>
   <p:notesSz cx="6858000" cy="9144000"/>
   <p:embeddedFontLst>
     <p:embeddedFont>
       <p:font typeface="Helvetica Neue"/>
-      <p:regular r:id="rId41"/>
-      <p:bold r:id="rId42"/>
-      <p:italic r:id="rId43"/>
-      <p:boldItalic r:id="rId44"/>
+      <p:regular r:id="rId43"/>
+      <p:bold r:id="rId44"/>
+      <p:italic r:id="rId45"/>
+      <p:boldItalic r:id="rId46"/>
     </p:embeddedFont>
   </p:embeddedFontLst>
   <p:defaultTextStyle>
@@ -300,7 +302,7 @@
       </p15:sldGuideLst>
     </p:ext>
     <p:ext uri="GoogleSlidesCustomDataVersion2">
-      <go:slidesCustomData xmlns:go="http://customooxmlschemas.google.com/" r:id="rId45" roundtripDataSignature="AMtx7miBi4N9wp2ll9zU8tzObioexqOSYg=="/>
+      <go:slidesCustomData xmlns:go="http://customooxmlschemas.google.com/" r:id="rId47" roundtripDataSignature="AMtx7mglmZSNhNtt8U+yP+I96GB+sqLQ0A=="/>
     </p:ext>
   </p:extLst>
 </p:presentation>
@@ -1023,7 +1025,7 @@
   <p:cSld>
     <p:spTree>
       <p:nvGrpSpPr>
-        <p:cNvPr id="257" name="Shape 257"/>
+        <p:cNvPr id="256" name="Shape 256"/>
         <p:cNvGrpSpPr/>
         <p:nvPr/>
       </p:nvGrpSpPr>
@@ -1037,7 +1039,7 @@
       </p:grpSpPr>
       <p:sp>
         <p:nvSpPr>
-          <p:cNvPr id="258" name="Google Shape;258;g2bb3f83c6aa_0_0:notes"/>
+          <p:cNvPr id="257" name="Google Shape;257;g2bb3f83c6aa_0_0:notes"/>
           <p:cNvSpPr/>
           <p:nvPr>
             <p:ph idx="2" type="sldImg"/>
@@ -1072,7 +1074,7 @@
       </p:sp>
       <p:sp>
         <p:nvSpPr>
-          <p:cNvPr id="259" name="Google Shape;259;g2bb3f83c6aa_0_0:notes"/>
+          <p:cNvPr id="258" name="Google Shape;258;g2bb3f83c6aa_0_0:notes"/>
           <p:cNvSpPr txBox="1"/>
           <p:nvPr>
             <p:ph idx="1" type="body"/>
@@ -1122,7 +1124,7 @@
   <p:cSld>
     <p:spTree>
       <p:nvGrpSpPr>
-        <p:cNvPr id="265" name="Shape 265"/>
+        <p:cNvPr id="264" name="Shape 264"/>
         <p:cNvGrpSpPr/>
         <p:nvPr/>
       </p:nvGrpSpPr>
@@ -1136,7 +1138,7 @@
       </p:grpSpPr>
       <p:sp>
         <p:nvSpPr>
-          <p:cNvPr id="266" name="Google Shape;266;p10:notes"/>
+          <p:cNvPr id="265" name="Google Shape;265;p10:notes"/>
           <p:cNvSpPr txBox="1"/>
           <p:nvPr>
             <p:ph idx="1" type="body"/>
@@ -1175,7 +1177,7 @@
       </p:sp>
       <p:sp>
         <p:nvSpPr>
-          <p:cNvPr id="267" name="Google Shape;267;p10:notes"/>
+          <p:cNvPr id="266" name="Google Shape;266;p10:notes"/>
           <p:cNvSpPr/>
           <p:nvPr>
             <p:ph idx="2" type="sldImg"/>
@@ -1221,7 +1223,7 @@
   <p:cSld>
     <p:spTree>
       <p:nvGrpSpPr>
-        <p:cNvPr id="271" name="Shape 271"/>
+        <p:cNvPr id="270" name="Shape 270"/>
         <p:cNvGrpSpPr/>
         <p:nvPr/>
       </p:nvGrpSpPr>
@@ -1235,7 +1237,7 @@
       </p:grpSpPr>
       <p:sp>
         <p:nvSpPr>
-          <p:cNvPr id="272" name="Google Shape;272;p11:notes"/>
+          <p:cNvPr id="271" name="Google Shape;271;p11:notes"/>
           <p:cNvSpPr txBox="1"/>
           <p:nvPr>
             <p:ph idx="1" type="body"/>
@@ -1274,7 +1276,7 @@
       </p:sp>
       <p:sp>
         <p:nvSpPr>
-          <p:cNvPr id="273" name="Google Shape;273;p11:notes"/>
+          <p:cNvPr id="272" name="Google Shape;272;p11:notes"/>
           <p:cNvSpPr/>
           <p:nvPr>
             <p:ph idx="2" type="sldImg"/>
@@ -1320,7 +1322,7 @@
   <p:cSld>
     <p:spTree>
       <p:nvGrpSpPr>
-        <p:cNvPr id="277" name="Shape 277"/>
+        <p:cNvPr id="276" name="Shape 276"/>
         <p:cNvGrpSpPr/>
         <p:nvPr/>
       </p:nvGrpSpPr>
@@ -1334,7 +1336,7 @@
       </p:grpSpPr>
       <p:sp>
         <p:nvSpPr>
-          <p:cNvPr id="278" name="Google Shape;278;g2bb3f83c6aa_0_19:notes"/>
+          <p:cNvPr id="277" name="Google Shape;277;g2ce4742de60_1_0:notes"/>
           <p:cNvSpPr/>
           <p:nvPr>
             <p:ph idx="2" type="sldImg"/>
@@ -1369,7 +1371,7 @@
       </p:sp>
       <p:sp>
         <p:nvSpPr>
-          <p:cNvPr id="279" name="Google Shape;279;g2bb3f83c6aa_0_19:notes"/>
+          <p:cNvPr id="278" name="Google Shape;278;g2ce4742de60_1_0:notes"/>
           <p:cNvSpPr txBox="1"/>
           <p:nvPr>
             <p:ph idx="1" type="body"/>
@@ -1419,7 +1421,7 @@
   <p:cSld>
     <p:spTree>
       <p:nvGrpSpPr>
-        <p:cNvPr id="284" name="Shape 284"/>
+        <p:cNvPr id="283" name="Shape 283"/>
         <p:cNvGrpSpPr/>
         <p:nvPr/>
       </p:nvGrpSpPr>
@@ -1433,46 +1435,7 @@
       </p:grpSpPr>
       <p:sp>
         <p:nvSpPr>
-          <p:cNvPr id="285" name="Google Shape;285;p12:notes"/>
-          <p:cNvSpPr txBox="1"/>
-          <p:nvPr>
-            <p:ph idx="1" type="body"/>
-          </p:nvPr>
-        </p:nvSpPr>
-        <p:spPr>
-          <a:xfrm>
-            <a:off x="914400" y="4343400"/>
-            <a:ext cx="5029200" cy="4114800"/>
-          </a:xfrm>
-          <a:prstGeom prst="rect">
-            <a:avLst/>
-          </a:prstGeom>
-        </p:spPr>
-        <p:txBody>
-          <a:bodyPr anchorCtr="0" anchor="t" bIns="45700" lIns="91425" spcFirstLastPara="1" rIns="91425" wrap="square" tIns="45700">
-            <a:noAutofit/>
-          </a:bodyPr>
-          <a:lstStyle/>
-          <a:p>
-            <a:pPr indent="0" lvl="0" marL="0" rtl="0" algn="l">
-              <a:spcBef>
-                <a:spcPts val="0"/>
-              </a:spcBef>
-              <a:spcAft>
-                <a:spcPts val="0"/>
-              </a:spcAft>
-              <a:buNone/>
-            </a:pPr>
-            <a:r>
-              <a:t/>
-            </a:r>
-            <a:endParaRPr/>
-          </a:p>
-        </p:txBody>
-      </p:sp>
-      <p:sp>
-        <p:nvSpPr>
-          <p:cNvPr id="286" name="Google Shape;286;p12:notes"/>
+          <p:cNvPr id="284" name="Google Shape;284;g2bb3f83c6aa_0_19:notes"/>
           <p:cNvSpPr/>
           <p:nvPr>
             <p:ph idx="2" type="sldImg"/>
@@ -1504,6 +1467,45 @@
             </a:pathLst>
           </a:custGeom>
         </p:spPr>
+      </p:sp>
+      <p:sp>
+        <p:nvSpPr>
+          <p:cNvPr id="285" name="Google Shape;285;g2bb3f83c6aa_0_19:notes"/>
+          <p:cNvSpPr txBox="1"/>
+          <p:nvPr>
+            <p:ph idx="1" type="body"/>
+          </p:nvPr>
+        </p:nvSpPr>
+        <p:spPr>
+          <a:xfrm>
+            <a:off x="914400" y="4343400"/>
+            <a:ext cx="5029200" cy="4114800"/>
+          </a:xfrm>
+          <a:prstGeom prst="rect">
+            <a:avLst/>
+          </a:prstGeom>
+        </p:spPr>
+        <p:txBody>
+          <a:bodyPr anchorCtr="0" anchor="t" bIns="45700" lIns="91425" spcFirstLastPara="1" rIns="91425" wrap="square" tIns="45700">
+            <a:noAutofit/>
+          </a:bodyPr>
+          <a:lstStyle/>
+          <a:p>
+            <a:pPr indent="0" lvl="0" marL="0" rtl="0" algn="l">
+              <a:spcBef>
+                <a:spcPts val="0"/>
+              </a:spcBef>
+              <a:spcAft>
+                <a:spcPts val="0"/>
+              </a:spcAft>
+              <a:buNone/>
+            </a:pPr>
+            <a:r>
+              <a:t/>
+            </a:r>
+            <a:endParaRPr/>
+          </a:p>
+        </p:txBody>
       </p:sp>
     </p:spTree>
   </p:cSld>
@@ -1532,7 +1534,7 @@
       </p:grpSpPr>
       <p:sp>
         <p:nvSpPr>
-          <p:cNvPr id="291" name="Google Shape;291;p13:notes"/>
+          <p:cNvPr id="291" name="Google Shape;291;p12:notes"/>
           <p:cNvSpPr txBox="1"/>
           <p:nvPr>
             <p:ph idx="1" type="body"/>
@@ -1571,7 +1573,7 @@
       </p:sp>
       <p:sp>
         <p:nvSpPr>
-          <p:cNvPr id="292" name="Google Shape;292;p13:notes"/>
+          <p:cNvPr id="292" name="Google Shape;292;p12:notes"/>
           <p:cNvSpPr/>
           <p:nvPr>
             <p:ph idx="2" type="sldImg"/>
@@ -1631,7 +1633,7 @@
       </p:grpSpPr>
       <p:sp>
         <p:nvSpPr>
-          <p:cNvPr id="297" name="Google Shape;297;p14:notes"/>
+          <p:cNvPr id="297" name="Google Shape;297;p13:notes"/>
           <p:cNvSpPr txBox="1"/>
           <p:nvPr>
             <p:ph idx="1" type="body"/>
@@ -1670,7 +1672,7 @@
       </p:sp>
       <p:sp>
         <p:nvSpPr>
-          <p:cNvPr id="298" name="Google Shape;298;p14:notes"/>
+          <p:cNvPr id="298" name="Google Shape;298;p13:notes"/>
           <p:cNvSpPr/>
           <p:nvPr>
             <p:ph idx="2" type="sldImg"/>
@@ -1716,7 +1718,7 @@
   <p:cSld>
     <p:spTree>
       <p:nvGrpSpPr>
-        <p:cNvPr id="303" name="Shape 303"/>
+        <p:cNvPr id="302" name="Shape 302"/>
         <p:cNvGrpSpPr/>
         <p:nvPr/>
       </p:nvGrpSpPr>
@@ -1730,7 +1732,7 @@
       </p:grpSpPr>
       <p:sp>
         <p:nvSpPr>
-          <p:cNvPr id="304" name="Google Shape;304;p15:notes"/>
+          <p:cNvPr id="303" name="Google Shape;303;p14:notes"/>
           <p:cNvSpPr txBox="1"/>
           <p:nvPr>
             <p:ph idx="1" type="body"/>
@@ -1769,7 +1771,7 @@
       </p:sp>
       <p:sp>
         <p:nvSpPr>
-          <p:cNvPr id="305" name="Google Shape;305;p15:notes"/>
+          <p:cNvPr id="304" name="Google Shape;304;p14:notes"/>
           <p:cNvSpPr/>
           <p:nvPr>
             <p:ph idx="2" type="sldImg"/>
@@ -1829,7 +1831,7 @@
       </p:grpSpPr>
       <p:sp>
         <p:nvSpPr>
-          <p:cNvPr id="310" name="Google Shape;310;p16:notes"/>
+          <p:cNvPr id="310" name="Google Shape;310;p15:notes"/>
           <p:cNvSpPr txBox="1"/>
           <p:nvPr>
             <p:ph idx="1" type="body"/>
@@ -1868,7 +1870,7 @@
       </p:sp>
       <p:sp>
         <p:nvSpPr>
-          <p:cNvPr id="311" name="Google Shape;311;p16:notes"/>
+          <p:cNvPr id="311" name="Google Shape;311;p15:notes"/>
           <p:cNvSpPr/>
           <p:nvPr>
             <p:ph idx="2" type="sldImg"/>
@@ -1914,7 +1916,7 @@
   <p:cSld>
     <p:spTree>
       <p:nvGrpSpPr>
-        <p:cNvPr id="316" name="Shape 316"/>
+        <p:cNvPr id="315" name="Shape 315"/>
         <p:cNvGrpSpPr/>
         <p:nvPr/>
       </p:nvGrpSpPr>
@@ -1928,7 +1930,7 @@
       </p:grpSpPr>
       <p:sp>
         <p:nvSpPr>
-          <p:cNvPr id="317" name="Google Shape;317;p17:notes"/>
+          <p:cNvPr id="316" name="Google Shape;316;p16:notes"/>
           <p:cNvSpPr txBox="1"/>
           <p:nvPr>
             <p:ph idx="1" type="body"/>
@@ -1967,7 +1969,7 @@
       </p:sp>
       <p:sp>
         <p:nvSpPr>
-          <p:cNvPr id="318" name="Google Shape;318;p17:notes"/>
+          <p:cNvPr id="317" name="Google Shape;317;p16:notes"/>
           <p:cNvSpPr/>
           <p:nvPr>
             <p:ph idx="2" type="sldImg"/>
@@ -2013,7 +2015,7 @@
   <p:cSld>
     <p:spTree>
       <p:nvGrpSpPr>
-        <p:cNvPr id="198" name="Shape 198"/>
+        <p:cNvPr id="197" name="Shape 197"/>
         <p:cNvGrpSpPr/>
         <p:nvPr/>
       </p:nvGrpSpPr>
@@ -2027,7 +2029,7 @@
       </p:grpSpPr>
       <p:sp>
         <p:nvSpPr>
-          <p:cNvPr id="199" name="Google Shape;199;p2:notes"/>
+          <p:cNvPr id="198" name="Google Shape;198;p2:notes"/>
           <p:cNvSpPr txBox="1"/>
           <p:nvPr>
             <p:ph idx="1" type="body"/>
@@ -2066,7 +2068,7 @@
       </p:sp>
       <p:sp>
         <p:nvSpPr>
-          <p:cNvPr id="200" name="Google Shape;200;p2:notes"/>
+          <p:cNvPr id="199" name="Google Shape;199;p2:notes"/>
           <p:cNvSpPr/>
           <p:nvPr>
             <p:ph idx="2" type="sldImg"/>
@@ -2112,7 +2114,7 @@
   <p:cSld>
     <p:spTree>
       <p:nvGrpSpPr>
-        <p:cNvPr id="323" name="Shape 323"/>
+        <p:cNvPr id="322" name="Shape 322"/>
         <p:cNvGrpSpPr/>
         <p:nvPr/>
       </p:nvGrpSpPr>
@@ -2126,7 +2128,7 @@
       </p:grpSpPr>
       <p:sp>
         <p:nvSpPr>
-          <p:cNvPr id="324" name="Google Shape;324;p18:notes"/>
+          <p:cNvPr id="323" name="Google Shape;323;p17:notes"/>
           <p:cNvSpPr txBox="1"/>
           <p:nvPr>
             <p:ph idx="1" type="body"/>
@@ -2165,7 +2167,7 @@
       </p:sp>
       <p:sp>
         <p:nvSpPr>
-          <p:cNvPr id="325" name="Google Shape;325;p18:notes"/>
+          <p:cNvPr id="324" name="Google Shape;324;p17:notes"/>
           <p:cNvSpPr/>
           <p:nvPr>
             <p:ph idx="2" type="sldImg"/>
@@ -2211,7 +2213,7 @@
   <p:cSld>
     <p:spTree>
       <p:nvGrpSpPr>
-        <p:cNvPr id="330" name="Shape 330"/>
+        <p:cNvPr id="329" name="Shape 329"/>
         <p:cNvGrpSpPr/>
         <p:nvPr/>
       </p:nvGrpSpPr>
@@ -2225,7 +2227,7 @@
       </p:grpSpPr>
       <p:sp>
         <p:nvSpPr>
-          <p:cNvPr id="331" name="Google Shape;331;p19:notes"/>
+          <p:cNvPr id="330" name="Google Shape;330;p18:notes"/>
           <p:cNvSpPr txBox="1"/>
           <p:nvPr>
             <p:ph idx="1" type="body"/>
@@ -2264,7 +2266,7 @@
       </p:sp>
       <p:sp>
         <p:nvSpPr>
-          <p:cNvPr id="332" name="Google Shape;332;p19:notes"/>
+          <p:cNvPr id="331" name="Google Shape;331;p18:notes"/>
           <p:cNvSpPr/>
           <p:nvPr>
             <p:ph idx="2" type="sldImg"/>
@@ -2310,7 +2312,7 @@
   <p:cSld>
     <p:spTree>
       <p:nvGrpSpPr>
-        <p:cNvPr id="337" name="Shape 337"/>
+        <p:cNvPr id="336" name="Shape 336"/>
         <p:cNvGrpSpPr/>
         <p:nvPr/>
       </p:nvGrpSpPr>
@@ -2324,7 +2326,7 @@
       </p:grpSpPr>
       <p:sp>
         <p:nvSpPr>
-          <p:cNvPr id="338" name="Google Shape;338;p20:notes"/>
+          <p:cNvPr id="337" name="Google Shape;337;p19:notes"/>
           <p:cNvSpPr txBox="1"/>
           <p:nvPr>
             <p:ph idx="1" type="body"/>
@@ -2363,7 +2365,7 @@
       </p:sp>
       <p:sp>
         <p:nvSpPr>
-          <p:cNvPr id="339" name="Google Shape;339;p20:notes"/>
+          <p:cNvPr id="338" name="Google Shape;338;p19:notes"/>
           <p:cNvSpPr/>
           <p:nvPr>
             <p:ph idx="2" type="sldImg"/>
@@ -2409,7 +2411,7 @@
   <p:cSld>
     <p:spTree>
       <p:nvGrpSpPr>
-        <p:cNvPr id="345" name="Shape 345"/>
+        <p:cNvPr id="343" name="Shape 343"/>
         <p:cNvGrpSpPr/>
         <p:nvPr/>
       </p:nvGrpSpPr>
@@ -2423,7 +2425,7 @@
       </p:grpSpPr>
       <p:sp>
         <p:nvSpPr>
-          <p:cNvPr id="346" name="Google Shape;346;p21:notes"/>
+          <p:cNvPr id="344" name="Google Shape;344;p20:notes"/>
           <p:cNvSpPr txBox="1"/>
           <p:nvPr>
             <p:ph idx="1" type="body"/>
@@ -2462,7 +2464,7 @@
       </p:sp>
       <p:sp>
         <p:nvSpPr>
-          <p:cNvPr id="347" name="Google Shape;347;p21:notes"/>
+          <p:cNvPr id="345" name="Google Shape;345;p20:notes"/>
           <p:cNvSpPr/>
           <p:nvPr>
             <p:ph idx="2" type="sldImg"/>
@@ -2522,7 +2524,7 @@
       </p:grpSpPr>
       <p:sp>
         <p:nvSpPr>
-          <p:cNvPr id="352" name="Google Shape;352;p22:notes"/>
+          <p:cNvPr id="352" name="Google Shape;352;p21:notes"/>
           <p:cNvSpPr txBox="1"/>
           <p:nvPr>
             <p:ph idx="1" type="body"/>
@@ -2561,7 +2563,7 @@
       </p:sp>
       <p:sp>
         <p:nvSpPr>
-          <p:cNvPr id="353" name="Google Shape;353;p22:notes"/>
+          <p:cNvPr id="353" name="Google Shape;353;p21:notes"/>
           <p:cNvSpPr/>
           <p:nvPr>
             <p:ph idx="2" type="sldImg"/>
@@ -2607,7 +2609,7 @@
   <p:cSld>
     <p:spTree>
       <p:nvGrpSpPr>
-        <p:cNvPr id="359" name="Shape 359"/>
+        <p:cNvPr id="357" name="Shape 357"/>
         <p:cNvGrpSpPr/>
         <p:nvPr/>
       </p:nvGrpSpPr>
@@ -2621,7 +2623,7 @@
       </p:grpSpPr>
       <p:sp>
         <p:nvSpPr>
-          <p:cNvPr id="360" name="Google Shape;360;p23:notes"/>
+          <p:cNvPr id="358" name="Google Shape;358;p22:notes"/>
           <p:cNvSpPr txBox="1"/>
           <p:nvPr>
             <p:ph idx="1" type="body"/>
@@ -2660,7 +2662,7 @@
       </p:sp>
       <p:sp>
         <p:nvSpPr>
-          <p:cNvPr id="361" name="Google Shape;361;p23:notes"/>
+          <p:cNvPr id="359" name="Google Shape;359;p22:notes"/>
           <p:cNvSpPr/>
           <p:nvPr>
             <p:ph idx="2" type="sldImg"/>
@@ -2706,7 +2708,7 @@
   <p:cSld>
     <p:spTree>
       <p:nvGrpSpPr>
-        <p:cNvPr id="366" name="Shape 366"/>
+        <p:cNvPr id="365" name="Shape 365"/>
         <p:cNvGrpSpPr/>
         <p:nvPr/>
       </p:nvGrpSpPr>
@@ -2720,7 +2722,7 @@
       </p:grpSpPr>
       <p:sp>
         <p:nvSpPr>
-          <p:cNvPr id="367" name="Google Shape;367;p24:notes"/>
+          <p:cNvPr id="366" name="Google Shape;366;p23:notes"/>
           <p:cNvSpPr txBox="1"/>
           <p:nvPr>
             <p:ph idx="1" type="body"/>
@@ -2759,7 +2761,7 @@
       </p:sp>
       <p:sp>
         <p:nvSpPr>
-          <p:cNvPr id="368" name="Google Shape;368;p24:notes"/>
+          <p:cNvPr id="367" name="Google Shape;367;p23:notes"/>
           <p:cNvSpPr/>
           <p:nvPr>
             <p:ph idx="2" type="sldImg"/>
@@ -2819,7 +2821,7 @@
       </p:grpSpPr>
       <p:sp>
         <p:nvSpPr>
-          <p:cNvPr id="373" name="Google Shape;373;p25:notes"/>
+          <p:cNvPr id="373" name="Google Shape;373;p24:notes"/>
           <p:cNvSpPr txBox="1"/>
           <p:nvPr>
             <p:ph idx="1" type="body"/>
@@ -2858,7 +2860,7 @@
       </p:sp>
       <p:sp>
         <p:nvSpPr>
-          <p:cNvPr id="374" name="Google Shape;374;p25:notes"/>
+          <p:cNvPr id="374" name="Google Shape;374;p24:notes"/>
           <p:cNvSpPr/>
           <p:nvPr>
             <p:ph idx="2" type="sldImg"/>
@@ -2904,7 +2906,7 @@
   <p:cSld>
     <p:spTree>
       <p:nvGrpSpPr>
-        <p:cNvPr id="379" name="Shape 379"/>
+        <p:cNvPr id="378" name="Shape 378"/>
         <p:cNvGrpSpPr/>
         <p:nvPr/>
       </p:nvGrpSpPr>
@@ -2918,7 +2920,7 @@
       </p:grpSpPr>
       <p:sp>
         <p:nvSpPr>
-          <p:cNvPr id="380" name="Google Shape;380;p26:notes"/>
+          <p:cNvPr id="379" name="Google Shape;379;p25:notes"/>
           <p:cNvSpPr txBox="1"/>
           <p:nvPr>
             <p:ph idx="1" type="body"/>
@@ -2957,7 +2959,7 @@
       </p:sp>
       <p:sp>
         <p:nvSpPr>
-          <p:cNvPr id="381" name="Google Shape;381;p26:notes"/>
+          <p:cNvPr id="380" name="Google Shape;380;p25:notes"/>
           <p:cNvSpPr/>
           <p:nvPr>
             <p:ph idx="2" type="sldImg"/>
@@ -3017,7 +3019,46 @@
       </p:grpSpPr>
       <p:sp>
         <p:nvSpPr>
-          <p:cNvPr id="386" name="Google Shape;386;g2bb3f83c6aa_0_28:notes"/>
+          <p:cNvPr id="386" name="Google Shape;386;p26:notes"/>
+          <p:cNvSpPr txBox="1"/>
+          <p:nvPr>
+            <p:ph idx="1" type="body"/>
+          </p:nvPr>
+        </p:nvSpPr>
+        <p:spPr>
+          <a:xfrm>
+            <a:off x="914400" y="4343400"/>
+            <a:ext cx="5029200" cy="4114800"/>
+          </a:xfrm>
+          <a:prstGeom prst="rect">
+            <a:avLst/>
+          </a:prstGeom>
+        </p:spPr>
+        <p:txBody>
+          <a:bodyPr anchorCtr="0" anchor="t" bIns="45700" lIns="91425" spcFirstLastPara="1" rIns="91425" wrap="square" tIns="45700">
+            <a:noAutofit/>
+          </a:bodyPr>
+          <a:lstStyle/>
+          <a:p>
+            <a:pPr indent="0" lvl="0" marL="0" rtl="0" algn="l">
+              <a:spcBef>
+                <a:spcPts val="0"/>
+              </a:spcBef>
+              <a:spcAft>
+                <a:spcPts val="0"/>
+              </a:spcAft>
+              <a:buNone/>
+            </a:pPr>
+            <a:r>
+              <a:t/>
+            </a:r>
+            <a:endParaRPr/>
+          </a:p>
+        </p:txBody>
+      </p:sp>
+      <p:sp>
+        <p:nvSpPr>
+          <p:cNvPr id="387" name="Google Shape;387;p26:notes"/>
           <p:cNvSpPr/>
           <p:nvPr>
             <p:ph idx="2" type="sldImg"/>
@@ -3050,45 +3091,6 @@
           </a:custGeom>
         </p:spPr>
       </p:sp>
-      <p:sp>
-        <p:nvSpPr>
-          <p:cNvPr id="387" name="Google Shape;387;g2bb3f83c6aa_0_28:notes"/>
-          <p:cNvSpPr txBox="1"/>
-          <p:nvPr>
-            <p:ph idx="1" type="body"/>
-          </p:nvPr>
-        </p:nvSpPr>
-        <p:spPr>
-          <a:xfrm>
-            <a:off x="914400" y="4343400"/>
-            <a:ext cx="5029200" cy="4114800"/>
-          </a:xfrm>
-          <a:prstGeom prst="rect">
-            <a:avLst/>
-          </a:prstGeom>
-        </p:spPr>
-        <p:txBody>
-          <a:bodyPr anchorCtr="0" anchor="t" bIns="45700" lIns="91425" spcFirstLastPara="1" rIns="91425" wrap="square" tIns="45700">
-            <a:noAutofit/>
-          </a:bodyPr>
-          <a:lstStyle/>
-          <a:p>
-            <a:pPr indent="0" lvl="0" marL="0" rtl="0" algn="l">
-              <a:spcBef>
-                <a:spcPts val="0"/>
-              </a:spcBef>
-              <a:spcAft>
-                <a:spcPts val="0"/>
-              </a:spcAft>
-              <a:buNone/>
-            </a:pPr>
-            <a:r>
-              <a:t/>
-            </a:r>
-            <a:endParaRPr/>
-          </a:p>
-        </p:txBody>
-      </p:sp>
     </p:spTree>
   </p:cSld>
   <p:clrMapOvr>
@@ -3102,7 +3104,7 @@
   <p:cSld>
     <p:spTree>
       <p:nvGrpSpPr>
-        <p:cNvPr id="214" name="Shape 214"/>
+        <p:cNvPr id="213" name="Shape 213"/>
         <p:cNvGrpSpPr/>
         <p:nvPr/>
       </p:nvGrpSpPr>
@@ -3116,7 +3118,7 @@
       </p:grpSpPr>
       <p:sp>
         <p:nvSpPr>
-          <p:cNvPr id="215" name="Google Shape;215;p3:notes"/>
+          <p:cNvPr id="214" name="Google Shape;214;p3:notes"/>
           <p:cNvSpPr txBox="1"/>
           <p:nvPr>
             <p:ph idx="1" type="body"/>
@@ -3155,7 +3157,7 @@
       </p:sp>
       <p:sp>
         <p:nvSpPr>
-          <p:cNvPr id="216" name="Google Shape;216;p3:notes"/>
+          <p:cNvPr id="215" name="Google Shape;215;p3:notes"/>
           <p:cNvSpPr/>
           <p:nvPr>
             <p:ph idx="2" type="sldImg"/>
@@ -3215,7 +3217,7 @@
       </p:grpSpPr>
       <p:sp>
         <p:nvSpPr>
-          <p:cNvPr id="392" name="Google Shape;392;g2bb3f83c6aa_0_33:notes"/>
+          <p:cNvPr id="392" name="Google Shape;392;g2bb3f83c6aa_0_28:notes"/>
           <p:cNvSpPr/>
           <p:nvPr>
             <p:ph idx="2" type="sldImg"/>
@@ -3250,7 +3252,7 @@
       </p:sp>
       <p:sp>
         <p:nvSpPr>
-          <p:cNvPr id="393" name="Google Shape;393;g2bb3f83c6aa_0_33:notes"/>
+          <p:cNvPr id="393" name="Google Shape;393;g2bb3f83c6aa_0_28:notes"/>
           <p:cNvSpPr txBox="1"/>
           <p:nvPr>
             <p:ph idx="1" type="body"/>
@@ -3314,7 +3316,7 @@
       </p:grpSpPr>
       <p:sp>
         <p:nvSpPr>
-          <p:cNvPr id="398" name="Google Shape;398;g2bb3f83c6aa_0_39:notes"/>
+          <p:cNvPr id="398" name="Google Shape;398;g2bb3f83c6aa_0_33:notes"/>
           <p:cNvSpPr/>
           <p:nvPr>
             <p:ph idx="2" type="sldImg"/>
@@ -3349,7 +3351,7 @@
       </p:sp>
       <p:sp>
         <p:nvSpPr>
-          <p:cNvPr id="399" name="Google Shape;399;g2bb3f83c6aa_0_39:notes"/>
+          <p:cNvPr id="399" name="Google Shape;399;g2bb3f83c6aa_0_33:notes"/>
           <p:cNvSpPr txBox="1"/>
           <p:nvPr>
             <p:ph idx="1" type="body"/>
@@ -3413,7 +3415,7 @@
       </p:grpSpPr>
       <p:sp>
         <p:nvSpPr>
-          <p:cNvPr id="404" name="Google Shape;404;g26a25c02a4b_0_1:notes"/>
+          <p:cNvPr id="404" name="Google Shape;404;g2bb3f83c6aa_0_39:notes"/>
           <p:cNvSpPr/>
           <p:nvPr>
             <p:ph idx="2" type="sldImg"/>
@@ -3448,7 +3450,7 @@
       </p:sp>
       <p:sp>
         <p:nvSpPr>
-          <p:cNvPr id="405" name="Google Shape;405;g26a25c02a4b_0_1:notes"/>
+          <p:cNvPr id="405" name="Google Shape;405;g2bb3f83c6aa_0_39:notes"/>
           <p:cNvSpPr txBox="1"/>
           <p:nvPr>
             <p:ph idx="1" type="body"/>
@@ -3498,7 +3500,7 @@
   <p:cSld>
     <p:spTree>
       <p:nvGrpSpPr>
-        <p:cNvPr id="410" name="Shape 410"/>
+        <p:cNvPr id="409" name="Shape 409"/>
         <p:cNvGrpSpPr/>
         <p:nvPr/>
       </p:nvGrpSpPr>
@@ -3512,46 +3514,7 @@
       </p:grpSpPr>
       <p:sp>
         <p:nvSpPr>
-          <p:cNvPr id="411" name="Google Shape;411;p27:notes"/>
-          <p:cNvSpPr txBox="1"/>
-          <p:nvPr>
-            <p:ph idx="1" type="body"/>
-          </p:nvPr>
-        </p:nvSpPr>
-        <p:spPr>
-          <a:xfrm>
-            <a:off x="914400" y="4343400"/>
-            <a:ext cx="5029200" cy="4114800"/>
-          </a:xfrm>
-          <a:prstGeom prst="rect">
-            <a:avLst/>
-          </a:prstGeom>
-        </p:spPr>
-        <p:txBody>
-          <a:bodyPr anchorCtr="0" anchor="t" bIns="45700" lIns="91425" spcFirstLastPara="1" rIns="91425" wrap="square" tIns="45700">
-            <a:noAutofit/>
-          </a:bodyPr>
-          <a:lstStyle/>
-          <a:p>
-            <a:pPr indent="0" lvl="0" marL="0" rtl="0" algn="l">
-              <a:spcBef>
-                <a:spcPts val="0"/>
-              </a:spcBef>
-              <a:spcAft>
-                <a:spcPts val="0"/>
-              </a:spcAft>
-              <a:buNone/>
-            </a:pPr>
-            <a:r>
-              <a:t/>
-            </a:r>
-            <a:endParaRPr/>
-          </a:p>
-        </p:txBody>
-      </p:sp>
-      <p:sp>
-        <p:nvSpPr>
-          <p:cNvPr id="412" name="Google Shape;412;p27:notes"/>
+          <p:cNvPr id="410" name="Google Shape;410;g26a25c02a4b_0_1:notes"/>
           <p:cNvSpPr/>
           <p:nvPr>
             <p:ph idx="2" type="sldImg"/>
@@ -3583,6 +3546,45 @@
             </a:pathLst>
           </a:custGeom>
         </p:spPr>
+      </p:sp>
+      <p:sp>
+        <p:nvSpPr>
+          <p:cNvPr id="411" name="Google Shape;411;g26a25c02a4b_0_1:notes"/>
+          <p:cNvSpPr txBox="1"/>
+          <p:nvPr>
+            <p:ph idx="1" type="body"/>
+          </p:nvPr>
+        </p:nvSpPr>
+        <p:spPr>
+          <a:xfrm>
+            <a:off x="914400" y="4343400"/>
+            <a:ext cx="5029200" cy="4114800"/>
+          </a:xfrm>
+          <a:prstGeom prst="rect">
+            <a:avLst/>
+          </a:prstGeom>
+        </p:spPr>
+        <p:txBody>
+          <a:bodyPr anchorCtr="0" anchor="t" bIns="45700" lIns="91425" spcFirstLastPara="1" rIns="91425" wrap="square" tIns="45700">
+            <a:noAutofit/>
+          </a:bodyPr>
+          <a:lstStyle/>
+          <a:p>
+            <a:pPr indent="0" lvl="0" marL="0" rtl="0" algn="l">
+              <a:spcBef>
+                <a:spcPts val="0"/>
+              </a:spcBef>
+              <a:spcAft>
+                <a:spcPts val="0"/>
+              </a:spcAft>
+              <a:buNone/>
+            </a:pPr>
+            <a:r>
+              <a:t/>
+            </a:r>
+            <a:endParaRPr/>
+          </a:p>
+        </p:txBody>
       </p:sp>
     </p:spTree>
   </p:cSld>
@@ -3611,7 +3613,7 @@
       </p:grpSpPr>
       <p:sp>
         <p:nvSpPr>
-          <p:cNvPr id="417" name="Google Shape;417;p28:notes"/>
+          <p:cNvPr id="417" name="Google Shape;417;p27:notes"/>
           <p:cNvSpPr txBox="1"/>
           <p:nvPr>
             <p:ph idx="1" type="body"/>
@@ -3650,7 +3652,7 @@
       </p:sp>
       <p:sp>
         <p:nvSpPr>
-          <p:cNvPr id="418" name="Google Shape;418;p28:notes"/>
+          <p:cNvPr id="418" name="Google Shape;418;p27:notes"/>
           <p:cNvSpPr/>
           <p:nvPr>
             <p:ph idx="2" type="sldImg"/>
@@ -3710,46 +3712,7 @@
       </p:grpSpPr>
       <p:sp>
         <p:nvSpPr>
-          <p:cNvPr id="423" name="Google Shape;423;p29:notes"/>
-          <p:cNvSpPr txBox="1"/>
-          <p:nvPr>
-            <p:ph idx="1" type="body"/>
-          </p:nvPr>
-        </p:nvSpPr>
-        <p:spPr>
-          <a:xfrm>
-            <a:off x="914400" y="4343400"/>
-            <a:ext cx="5029200" cy="4114800"/>
-          </a:xfrm>
-          <a:prstGeom prst="rect">
-            <a:avLst/>
-          </a:prstGeom>
-        </p:spPr>
-        <p:txBody>
-          <a:bodyPr anchorCtr="0" anchor="t" bIns="45700" lIns="91425" spcFirstLastPara="1" rIns="91425" wrap="square" tIns="45700">
-            <a:noAutofit/>
-          </a:bodyPr>
-          <a:lstStyle/>
-          <a:p>
-            <a:pPr indent="0" lvl="0" marL="0" rtl="0" algn="l">
-              <a:spcBef>
-                <a:spcPts val="0"/>
-              </a:spcBef>
-              <a:spcAft>
-                <a:spcPts val="0"/>
-              </a:spcAft>
-              <a:buNone/>
-            </a:pPr>
-            <a:r>
-              <a:t/>
-            </a:r>
-            <a:endParaRPr/>
-          </a:p>
-        </p:txBody>
-      </p:sp>
-      <p:sp>
-        <p:nvSpPr>
-          <p:cNvPr id="424" name="Google Shape;424;p29:notes"/>
+          <p:cNvPr id="423" name="Google Shape;423;g32fabb4c2d1_0_0:notes"/>
           <p:cNvSpPr/>
           <p:nvPr>
             <p:ph idx="2" type="sldImg"/>
@@ -3782,6 +3745,45 @@
           </a:custGeom>
         </p:spPr>
       </p:sp>
+      <p:sp>
+        <p:nvSpPr>
+          <p:cNvPr id="424" name="Google Shape;424;g32fabb4c2d1_0_0:notes"/>
+          <p:cNvSpPr txBox="1"/>
+          <p:nvPr>
+            <p:ph idx="1" type="body"/>
+          </p:nvPr>
+        </p:nvSpPr>
+        <p:spPr>
+          <a:xfrm>
+            <a:off x="914400" y="4343400"/>
+            <a:ext cx="5029200" cy="4114800"/>
+          </a:xfrm>
+          <a:prstGeom prst="rect">
+            <a:avLst/>
+          </a:prstGeom>
+        </p:spPr>
+        <p:txBody>
+          <a:bodyPr anchorCtr="0" anchor="t" bIns="45700" lIns="91425" spcFirstLastPara="1" rIns="91425" wrap="square" tIns="45700">
+            <a:noAutofit/>
+          </a:bodyPr>
+          <a:lstStyle/>
+          <a:p>
+            <a:pPr indent="0" lvl="0" marL="0" rtl="0" algn="l">
+              <a:spcBef>
+                <a:spcPts val="0"/>
+              </a:spcBef>
+              <a:spcAft>
+                <a:spcPts val="0"/>
+              </a:spcAft>
+              <a:buNone/>
+            </a:pPr>
+            <a:r>
+              <a:t/>
+            </a:r>
+            <a:endParaRPr/>
+          </a:p>
+        </p:txBody>
+      </p:sp>
     </p:spTree>
   </p:cSld>
   <p:clrMapOvr>
@@ -3790,12 +3792,12 @@
 </p:notes>
 </file>
 
-<file path=ppt/notesSlides/notesSlide4.xml><?xml version="1.0" encoding="utf-8"?>
+<file path=ppt/notesSlides/notesSlide36.xml><?xml version="1.0" encoding="utf-8"?>
 <p:notes xmlns:a="http://schemas.openxmlformats.org/drawingml/2006/main" xmlns:r="http://schemas.openxmlformats.org/officeDocument/2006/relationships" xmlns:mc="http://schemas.openxmlformats.org/markup-compatibility/2006" xmlns:mv="urn:schemas-microsoft-com:mac:vml" xmlns:p="http://schemas.openxmlformats.org/presentationml/2006/main" xmlns:c="http://schemas.openxmlformats.org/drawingml/2006/chart" xmlns:dgm="http://schemas.openxmlformats.org/drawingml/2006/diagram" xmlns:o="urn:schemas-microsoft-com:office:office" xmlns:v="urn:schemas-microsoft-com:vml" xmlns:pvml="urn:schemas-microsoft-com:office:powerpoint" xmlns:com="http://schemas.openxmlformats.org/drawingml/2006/compatibility" xmlns:p14="http://schemas.microsoft.com/office/powerpoint/2010/main" xmlns:p15="http://schemas.microsoft.com/office/powerpoint/2012/main" xmlns:ahyp="http://schemas.microsoft.com/office/drawing/2018/hyperlinkcolor" showMasterPhAnim="0" showMasterSp="0">
   <p:cSld>
     <p:spTree>
       <p:nvGrpSpPr>
-        <p:cNvPr id="220" name="Shape 220"/>
+        <p:cNvPr id="431" name="Shape 431"/>
         <p:cNvGrpSpPr/>
         <p:nvPr/>
       </p:nvGrpSpPr>
@@ -3809,7 +3811,7 @@
       </p:grpSpPr>
       <p:sp>
         <p:nvSpPr>
-          <p:cNvPr id="221" name="Google Shape;221;p4:notes"/>
+          <p:cNvPr id="432" name="Google Shape;432;p28:notes"/>
           <p:cNvSpPr txBox="1"/>
           <p:nvPr>
             <p:ph idx="1" type="body"/>
@@ -3848,7 +3850,7 @@
       </p:sp>
       <p:sp>
         <p:nvSpPr>
-          <p:cNvPr id="222" name="Google Shape;222;p4:notes"/>
+          <p:cNvPr id="433" name="Google Shape;433;p28:notes"/>
           <p:cNvSpPr/>
           <p:nvPr>
             <p:ph idx="2" type="sldImg"/>
@@ -3889,12 +3891,12 @@
 </p:notes>
 </file>
 
-<file path=ppt/notesSlides/notesSlide5.xml><?xml version="1.0" encoding="utf-8"?>
+<file path=ppt/notesSlides/notesSlide37.xml><?xml version="1.0" encoding="utf-8"?>
 <p:notes xmlns:a="http://schemas.openxmlformats.org/drawingml/2006/main" xmlns:r="http://schemas.openxmlformats.org/officeDocument/2006/relationships" xmlns:mc="http://schemas.openxmlformats.org/markup-compatibility/2006" xmlns:mv="urn:schemas-microsoft-com:mac:vml" xmlns:p="http://schemas.openxmlformats.org/presentationml/2006/main" xmlns:c="http://schemas.openxmlformats.org/drawingml/2006/chart" xmlns:dgm="http://schemas.openxmlformats.org/drawingml/2006/diagram" xmlns:o="urn:schemas-microsoft-com:office:office" xmlns:v="urn:schemas-microsoft-com:vml" xmlns:pvml="urn:schemas-microsoft-com:office:powerpoint" xmlns:com="http://schemas.openxmlformats.org/drawingml/2006/compatibility" xmlns:p14="http://schemas.microsoft.com/office/powerpoint/2010/main" xmlns:p15="http://schemas.microsoft.com/office/powerpoint/2012/main" xmlns:ahyp="http://schemas.microsoft.com/office/drawing/2018/hyperlinkcolor" showMasterPhAnim="0" showMasterSp="0">
   <p:cSld>
     <p:spTree>
       <p:nvGrpSpPr>
-        <p:cNvPr id="226" name="Shape 226"/>
+        <p:cNvPr id="437" name="Shape 437"/>
         <p:cNvGrpSpPr/>
         <p:nvPr/>
       </p:nvGrpSpPr>
@@ -3908,7 +3910,7 @@
       </p:grpSpPr>
       <p:sp>
         <p:nvSpPr>
-          <p:cNvPr id="227" name="Google Shape;227;p5:notes"/>
+          <p:cNvPr id="438" name="Google Shape;438;p29:notes"/>
           <p:cNvSpPr txBox="1"/>
           <p:nvPr>
             <p:ph idx="1" type="body"/>
@@ -3947,7 +3949,7 @@
       </p:sp>
       <p:sp>
         <p:nvSpPr>
-          <p:cNvPr id="228" name="Google Shape;228;p5:notes"/>
+          <p:cNvPr id="439" name="Google Shape;439;p29:notes"/>
           <p:cNvSpPr/>
           <p:nvPr>
             <p:ph idx="2" type="sldImg"/>
@@ -3988,12 +3990,12 @@
 </p:notes>
 </file>
 
-<file path=ppt/notesSlides/notesSlide6.xml><?xml version="1.0" encoding="utf-8"?>
+<file path=ppt/notesSlides/notesSlide4.xml><?xml version="1.0" encoding="utf-8"?>
 <p:notes xmlns:a="http://schemas.openxmlformats.org/drawingml/2006/main" xmlns:r="http://schemas.openxmlformats.org/officeDocument/2006/relationships" xmlns:mc="http://schemas.openxmlformats.org/markup-compatibility/2006" xmlns:mv="urn:schemas-microsoft-com:mac:vml" xmlns:p="http://schemas.openxmlformats.org/presentationml/2006/main" xmlns:c="http://schemas.openxmlformats.org/drawingml/2006/chart" xmlns:dgm="http://schemas.openxmlformats.org/drawingml/2006/diagram" xmlns:o="urn:schemas-microsoft-com:office:office" xmlns:v="urn:schemas-microsoft-com:vml" xmlns:pvml="urn:schemas-microsoft-com:office:powerpoint" xmlns:com="http://schemas.openxmlformats.org/drawingml/2006/compatibility" xmlns:p14="http://schemas.microsoft.com/office/powerpoint/2010/main" xmlns:p15="http://schemas.microsoft.com/office/powerpoint/2012/main" xmlns:ahyp="http://schemas.microsoft.com/office/drawing/2018/hyperlinkcolor" showMasterPhAnim="0" showMasterSp="0">
   <p:cSld>
     <p:spTree>
       <p:nvGrpSpPr>
-        <p:cNvPr id="232" name="Shape 232"/>
+        <p:cNvPr id="219" name="Shape 219"/>
         <p:cNvGrpSpPr/>
         <p:nvPr/>
       </p:nvGrpSpPr>
@@ -4007,7 +4009,7 @@
       </p:grpSpPr>
       <p:sp>
         <p:nvSpPr>
-          <p:cNvPr id="233" name="Google Shape;233;p6:notes"/>
+          <p:cNvPr id="220" name="Google Shape;220;p4:notes"/>
           <p:cNvSpPr txBox="1"/>
           <p:nvPr>
             <p:ph idx="1" type="body"/>
@@ -4046,7 +4048,7 @@
       </p:sp>
       <p:sp>
         <p:nvSpPr>
-          <p:cNvPr id="234" name="Google Shape;234;p6:notes"/>
+          <p:cNvPr id="221" name="Google Shape;221;p4:notes"/>
           <p:cNvSpPr/>
           <p:nvPr>
             <p:ph idx="2" type="sldImg"/>
@@ -4087,12 +4089,12 @@
 </p:notes>
 </file>
 
-<file path=ppt/notesSlides/notesSlide7.xml><?xml version="1.0" encoding="utf-8"?>
+<file path=ppt/notesSlides/notesSlide5.xml><?xml version="1.0" encoding="utf-8"?>
 <p:notes xmlns:a="http://schemas.openxmlformats.org/drawingml/2006/main" xmlns:r="http://schemas.openxmlformats.org/officeDocument/2006/relationships" xmlns:mc="http://schemas.openxmlformats.org/markup-compatibility/2006" xmlns:mv="urn:schemas-microsoft-com:mac:vml" xmlns:p="http://schemas.openxmlformats.org/presentationml/2006/main" xmlns:c="http://schemas.openxmlformats.org/drawingml/2006/chart" xmlns:dgm="http://schemas.openxmlformats.org/drawingml/2006/diagram" xmlns:o="urn:schemas-microsoft-com:office:office" xmlns:v="urn:schemas-microsoft-com:vml" xmlns:pvml="urn:schemas-microsoft-com:office:powerpoint" xmlns:com="http://schemas.openxmlformats.org/drawingml/2006/compatibility" xmlns:p14="http://schemas.microsoft.com/office/powerpoint/2010/main" xmlns:p15="http://schemas.microsoft.com/office/powerpoint/2012/main" xmlns:ahyp="http://schemas.microsoft.com/office/drawing/2018/hyperlinkcolor" showMasterPhAnim="0" showMasterSp="0">
   <p:cSld>
     <p:spTree>
       <p:nvGrpSpPr>
-        <p:cNvPr id="238" name="Shape 238"/>
+        <p:cNvPr id="225" name="Shape 225"/>
         <p:cNvGrpSpPr/>
         <p:nvPr/>
       </p:nvGrpSpPr>
@@ -4106,7 +4108,7 @@
       </p:grpSpPr>
       <p:sp>
         <p:nvSpPr>
-          <p:cNvPr id="239" name="Google Shape;239;p7:notes"/>
+          <p:cNvPr id="226" name="Google Shape;226;p5:notes"/>
           <p:cNvSpPr txBox="1"/>
           <p:nvPr>
             <p:ph idx="1" type="body"/>
@@ -4145,7 +4147,7 @@
       </p:sp>
       <p:sp>
         <p:nvSpPr>
-          <p:cNvPr id="240" name="Google Shape;240;p7:notes"/>
+          <p:cNvPr id="227" name="Google Shape;227;p5:notes"/>
           <p:cNvSpPr/>
           <p:nvPr>
             <p:ph idx="2" type="sldImg"/>
@@ -4186,12 +4188,12 @@
 </p:notes>
 </file>
 
-<file path=ppt/notesSlides/notesSlide8.xml><?xml version="1.0" encoding="utf-8"?>
+<file path=ppt/notesSlides/notesSlide6.xml><?xml version="1.0" encoding="utf-8"?>
 <p:notes xmlns:a="http://schemas.openxmlformats.org/drawingml/2006/main" xmlns:r="http://schemas.openxmlformats.org/officeDocument/2006/relationships" xmlns:mc="http://schemas.openxmlformats.org/markup-compatibility/2006" xmlns:mv="urn:schemas-microsoft-com:mac:vml" xmlns:p="http://schemas.openxmlformats.org/presentationml/2006/main" xmlns:c="http://schemas.openxmlformats.org/drawingml/2006/chart" xmlns:dgm="http://schemas.openxmlformats.org/drawingml/2006/diagram" xmlns:o="urn:schemas-microsoft-com:office:office" xmlns:v="urn:schemas-microsoft-com:vml" xmlns:pvml="urn:schemas-microsoft-com:office:powerpoint" xmlns:com="http://schemas.openxmlformats.org/drawingml/2006/compatibility" xmlns:p14="http://schemas.microsoft.com/office/powerpoint/2010/main" xmlns:p15="http://schemas.microsoft.com/office/powerpoint/2012/main" xmlns:ahyp="http://schemas.microsoft.com/office/drawing/2018/hyperlinkcolor" showMasterPhAnim="0" showMasterSp="0">
   <p:cSld>
     <p:spTree>
       <p:nvGrpSpPr>
-        <p:cNvPr id="244" name="Shape 244"/>
+        <p:cNvPr id="231" name="Shape 231"/>
         <p:cNvGrpSpPr/>
         <p:nvPr/>
       </p:nvGrpSpPr>
@@ -4205,7 +4207,7 @@
       </p:grpSpPr>
       <p:sp>
         <p:nvSpPr>
-          <p:cNvPr id="245" name="Google Shape;245;p8:notes"/>
+          <p:cNvPr id="232" name="Google Shape;232;p6:notes"/>
           <p:cNvSpPr txBox="1"/>
           <p:nvPr>
             <p:ph idx="1" type="body"/>
@@ -4244,7 +4246,7 @@
       </p:sp>
       <p:sp>
         <p:nvSpPr>
-          <p:cNvPr id="246" name="Google Shape;246;p8:notes"/>
+          <p:cNvPr id="233" name="Google Shape;233;p6:notes"/>
           <p:cNvSpPr/>
           <p:nvPr>
             <p:ph idx="2" type="sldImg"/>
@@ -4285,12 +4287,12 @@
 </p:notes>
 </file>
 
-<file path=ppt/notesSlides/notesSlide9.xml><?xml version="1.0" encoding="utf-8"?>
+<file path=ppt/notesSlides/notesSlide7.xml><?xml version="1.0" encoding="utf-8"?>
 <p:notes xmlns:a="http://schemas.openxmlformats.org/drawingml/2006/main" xmlns:r="http://schemas.openxmlformats.org/officeDocument/2006/relationships" xmlns:mc="http://schemas.openxmlformats.org/markup-compatibility/2006" xmlns:mv="urn:schemas-microsoft-com:mac:vml" xmlns:p="http://schemas.openxmlformats.org/presentationml/2006/main" xmlns:c="http://schemas.openxmlformats.org/drawingml/2006/chart" xmlns:dgm="http://schemas.openxmlformats.org/drawingml/2006/diagram" xmlns:o="urn:schemas-microsoft-com:office:office" xmlns:v="urn:schemas-microsoft-com:vml" xmlns:pvml="urn:schemas-microsoft-com:office:powerpoint" xmlns:com="http://schemas.openxmlformats.org/drawingml/2006/compatibility" xmlns:p14="http://schemas.microsoft.com/office/powerpoint/2010/main" xmlns:p15="http://schemas.microsoft.com/office/powerpoint/2012/main" xmlns:ahyp="http://schemas.microsoft.com/office/drawing/2018/hyperlinkcolor" showMasterPhAnim="0" showMasterSp="0">
   <p:cSld>
     <p:spTree>
       <p:nvGrpSpPr>
-        <p:cNvPr id="250" name="Shape 250"/>
+        <p:cNvPr id="237" name="Shape 237"/>
         <p:cNvGrpSpPr/>
         <p:nvPr/>
       </p:nvGrpSpPr>
@@ -4304,7 +4306,7 @@
       </p:grpSpPr>
       <p:sp>
         <p:nvSpPr>
-          <p:cNvPr id="251" name="Google Shape;251;p9:notes"/>
+          <p:cNvPr id="238" name="Google Shape;238;p7:notes"/>
           <p:cNvSpPr txBox="1"/>
           <p:nvPr>
             <p:ph idx="1" type="body"/>
@@ -4343,7 +4345,205 @@
       </p:sp>
       <p:sp>
         <p:nvSpPr>
-          <p:cNvPr id="252" name="Google Shape;252;p9:notes"/>
+          <p:cNvPr id="239" name="Google Shape;239;p7:notes"/>
+          <p:cNvSpPr/>
+          <p:nvPr>
+            <p:ph idx="2" type="sldImg"/>
+          </p:nvPr>
+        </p:nvSpPr>
+        <p:spPr>
+          <a:xfrm>
+            <a:off x="381000" y="685800"/>
+            <a:ext cx="6096000" cy="3429000"/>
+          </a:xfrm>
+          <a:custGeom>
+            <a:rect b="b" l="l" r="r" t="t"/>
+            <a:pathLst>
+              <a:path extrusionOk="0" h="120000" w="120000">
+                <a:moveTo>
+                  <a:pt x="0" y="0"/>
+                </a:moveTo>
+                <a:lnTo>
+                  <a:pt x="120000" y="0"/>
+                </a:lnTo>
+                <a:lnTo>
+                  <a:pt x="120000" y="120000"/>
+                </a:lnTo>
+                <a:lnTo>
+                  <a:pt x="0" y="120000"/>
+                </a:lnTo>
+                <a:close/>
+              </a:path>
+            </a:pathLst>
+          </a:custGeom>
+        </p:spPr>
+      </p:sp>
+    </p:spTree>
+  </p:cSld>
+  <p:clrMapOvr>
+    <a:masterClrMapping/>
+  </p:clrMapOvr>
+</p:notes>
+</file>
+
+<file path=ppt/notesSlides/notesSlide8.xml><?xml version="1.0" encoding="utf-8"?>
+<p:notes xmlns:a="http://schemas.openxmlformats.org/drawingml/2006/main" xmlns:r="http://schemas.openxmlformats.org/officeDocument/2006/relationships" xmlns:mc="http://schemas.openxmlformats.org/markup-compatibility/2006" xmlns:mv="urn:schemas-microsoft-com:mac:vml" xmlns:p="http://schemas.openxmlformats.org/presentationml/2006/main" xmlns:c="http://schemas.openxmlformats.org/drawingml/2006/chart" xmlns:dgm="http://schemas.openxmlformats.org/drawingml/2006/diagram" xmlns:o="urn:schemas-microsoft-com:office:office" xmlns:v="urn:schemas-microsoft-com:vml" xmlns:pvml="urn:schemas-microsoft-com:office:powerpoint" xmlns:com="http://schemas.openxmlformats.org/drawingml/2006/compatibility" xmlns:p14="http://schemas.microsoft.com/office/powerpoint/2010/main" xmlns:p15="http://schemas.microsoft.com/office/powerpoint/2012/main" xmlns:ahyp="http://schemas.microsoft.com/office/drawing/2018/hyperlinkcolor" showMasterPhAnim="0" showMasterSp="0">
+  <p:cSld>
+    <p:spTree>
+      <p:nvGrpSpPr>
+        <p:cNvPr id="243" name="Shape 243"/>
+        <p:cNvGrpSpPr/>
+        <p:nvPr/>
+      </p:nvGrpSpPr>
+      <p:grpSpPr>
+        <a:xfrm>
+          <a:off x="0" y="0"/>
+          <a:ext cx="0" cy="0"/>
+          <a:chOff x="0" y="0"/>
+          <a:chExt cx="0" cy="0"/>
+        </a:xfrm>
+      </p:grpSpPr>
+      <p:sp>
+        <p:nvSpPr>
+          <p:cNvPr id="244" name="Google Shape;244;p8:notes"/>
+          <p:cNvSpPr txBox="1"/>
+          <p:nvPr>
+            <p:ph idx="1" type="body"/>
+          </p:nvPr>
+        </p:nvSpPr>
+        <p:spPr>
+          <a:xfrm>
+            <a:off x="914400" y="4343400"/>
+            <a:ext cx="5029200" cy="4114800"/>
+          </a:xfrm>
+          <a:prstGeom prst="rect">
+            <a:avLst/>
+          </a:prstGeom>
+        </p:spPr>
+        <p:txBody>
+          <a:bodyPr anchorCtr="0" anchor="t" bIns="45700" lIns="91425" spcFirstLastPara="1" rIns="91425" wrap="square" tIns="45700">
+            <a:noAutofit/>
+          </a:bodyPr>
+          <a:lstStyle/>
+          <a:p>
+            <a:pPr indent="0" lvl="0" marL="0" rtl="0" algn="l">
+              <a:spcBef>
+                <a:spcPts val="0"/>
+              </a:spcBef>
+              <a:spcAft>
+                <a:spcPts val="0"/>
+              </a:spcAft>
+              <a:buNone/>
+            </a:pPr>
+            <a:r>
+              <a:t/>
+            </a:r>
+            <a:endParaRPr/>
+          </a:p>
+        </p:txBody>
+      </p:sp>
+      <p:sp>
+        <p:nvSpPr>
+          <p:cNvPr id="245" name="Google Shape;245;p8:notes"/>
+          <p:cNvSpPr/>
+          <p:nvPr>
+            <p:ph idx="2" type="sldImg"/>
+          </p:nvPr>
+        </p:nvSpPr>
+        <p:spPr>
+          <a:xfrm>
+            <a:off x="381000" y="685800"/>
+            <a:ext cx="6096000" cy="3429000"/>
+          </a:xfrm>
+          <a:custGeom>
+            <a:rect b="b" l="l" r="r" t="t"/>
+            <a:pathLst>
+              <a:path extrusionOk="0" h="120000" w="120000">
+                <a:moveTo>
+                  <a:pt x="0" y="0"/>
+                </a:moveTo>
+                <a:lnTo>
+                  <a:pt x="120000" y="0"/>
+                </a:lnTo>
+                <a:lnTo>
+                  <a:pt x="120000" y="120000"/>
+                </a:lnTo>
+                <a:lnTo>
+                  <a:pt x="0" y="120000"/>
+                </a:lnTo>
+                <a:close/>
+              </a:path>
+            </a:pathLst>
+          </a:custGeom>
+        </p:spPr>
+      </p:sp>
+    </p:spTree>
+  </p:cSld>
+  <p:clrMapOvr>
+    <a:masterClrMapping/>
+  </p:clrMapOvr>
+</p:notes>
+</file>
+
+<file path=ppt/notesSlides/notesSlide9.xml><?xml version="1.0" encoding="utf-8"?>
+<p:notes xmlns:a="http://schemas.openxmlformats.org/drawingml/2006/main" xmlns:r="http://schemas.openxmlformats.org/officeDocument/2006/relationships" xmlns:mc="http://schemas.openxmlformats.org/markup-compatibility/2006" xmlns:mv="urn:schemas-microsoft-com:mac:vml" xmlns:p="http://schemas.openxmlformats.org/presentationml/2006/main" xmlns:c="http://schemas.openxmlformats.org/drawingml/2006/chart" xmlns:dgm="http://schemas.openxmlformats.org/drawingml/2006/diagram" xmlns:o="urn:schemas-microsoft-com:office:office" xmlns:v="urn:schemas-microsoft-com:vml" xmlns:pvml="urn:schemas-microsoft-com:office:powerpoint" xmlns:com="http://schemas.openxmlformats.org/drawingml/2006/compatibility" xmlns:p14="http://schemas.microsoft.com/office/powerpoint/2010/main" xmlns:p15="http://schemas.microsoft.com/office/powerpoint/2012/main" xmlns:ahyp="http://schemas.microsoft.com/office/drawing/2018/hyperlinkcolor" showMasterPhAnim="0" showMasterSp="0">
+  <p:cSld>
+    <p:spTree>
+      <p:nvGrpSpPr>
+        <p:cNvPr id="249" name="Shape 249"/>
+        <p:cNvGrpSpPr/>
+        <p:nvPr/>
+      </p:nvGrpSpPr>
+      <p:grpSpPr>
+        <a:xfrm>
+          <a:off x="0" y="0"/>
+          <a:ext cx="0" cy="0"/>
+          <a:chOff x="0" y="0"/>
+          <a:chExt cx="0" cy="0"/>
+        </a:xfrm>
+      </p:grpSpPr>
+      <p:sp>
+        <p:nvSpPr>
+          <p:cNvPr id="250" name="Google Shape;250;p9:notes"/>
+          <p:cNvSpPr txBox="1"/>
+          <p:nvPr>
+            <p:ph idx="1" type="body"/>
+          </p:nvPr>
+        </p:nvSpPr>
+        <p:spPr>
+          <a:xfrm>
+            <a:off x="914400" y="4343400"/>
+            <a:ext cx="5029200" cy="4114800"/>
+          </a:xfrm>
+          <a:prstGeom prst="rect">
+            <a:avLst/>
+          </a:prstGeom>
+        </p:spPr>
+        <p:txBody>
+          <a:bodyPr anchorCtr="0" anchor="t" bIns="45700" lIns="91425" spcFirstLastPara="1" rIns="91425" wrap="square" tIns="45700">
+            <a:noAutofit/>
+          </a:bodyPr>
+          <a:lstStyle/>
+          <a:p>
+            <a:pPr indent="0" lvl="0" marL="0" rtl="0" algn="l">
+              <a:spcBef>
+                <a:spcPts val="0"/>
+              </a:spcBef>
+              <a:spcAft>
+                <a:spcPts val="0"/>
+              </a:spcAft>
+              <a:buNone/>
+            </a:pPr>
+            <a:r>
+              <a:t/>
+            </a:r>
+            <a:endParaRPr/>
+          </a:p>
+        </p:txBody>
+      </p:sp>
+      <p:sp>
+        <p:nvSpPr>
+          <p:cNvPr id="251" name="Google Shape;251;p9:notes"/>
           <p:cNvSpPr/>
           <p:nvPr>
             <p:ph idx="2" type="sldImg"/>
@@ -23967,8 +24167,8 @@
         </p:nvSpPr>
         <p:spPr>
           <a:xfrm>
-            <a:off x="1908348" y="4778609"/>
-            <a:ext cx="10283651" cy="326776"/>
+            <a:off x="1908350" y="4778594"/>
+            <a:ext cx="10283700" cy="561900"/>
           </a:xfrm>
           <a:prstGeom prst="rect">
             <a:avLst/>
@@ -24002,38 +24202,10 @@
             </a:pPr>
             <a:r>
               <a:rPr lang="en-US"/>
-              <a:t>Working with AST and static analysis</a:t>
+              <a:t>Compiler frontend.</a:t>
             </a:r>
             <a:endParaRPr/>
           </a:p>
-        </p:txBody>
-      </p:sp>
-      <p:sp>
-        <p:nvSpPr>
-          <p:cNvPr id="197" name="Google Shape;197;p1"/>
-          <p:cNvSpPr txBox="1"/>
-          <p:nvPr>
-            <p:ph idx="1" type="body"/>
-          </p:nvPr>
-        </p:nvSpPr>
-        <p:spPr>
-          <a:xfrm>
-            <a:off x="1895475" y="3182315"/>
-            <a:ext cx="10296524" cy="304800"/>
-          </a:xfrm>
-          <a:prstGeom prst="rect">
-            <a:avLst/>
-          </a:prstGeom>
-          <a:noFill/>
-          <a:ln>
-            <a:noFill/>
-          </a:ln>
-        </p:spPr>
-        <p:txBody>
-          <a:bodyPr anchorCtr="0" anchor="t" bIns="0" lIns="0" spcFirstLastPara="1" rIns="0" wrap="square" tIns="0">
-            <a:normAutofit/>
-          </a:bodyPr>
-          <a:lstStyle/>
           <a:p>
             <a:pPr indent="0" lvl="0" marL="0" rtl="0" algn="l">
               <a:lnSpc>
@@ -24046,13 +24218,14 @@
                 <a:spcPts val="0"/>
               </a:spcAft>
               <a:buClr>
-                <a:srgbClr val="00C7FD"/>
-              </a:buClr>
-              <a:buSzPts val="1600"/>
+                <a:schemeClr val="lt1"/>
+              </a:buClr>
+              <a:buSzPts val="1800"/>
               <a:buNone/>
             </a:pPr>
             <a:r>
-              <a:t/>
+              <a:rPr lang="en-US"/>
+              <a:t>Working with AST and static analysis</a:t>
             </a:r>
             <a:endParaRPr/>
           </a:p>
@@ -24083,7 +24256,7 @@
   <p:cSld>
     <p:spTree>
       <p:nvGrpSpPr>
-        <p:cNvPr id="260" name="Shape 260"/>
+        <p:cNvPr id="259" name="Shape 259"/>
         <p:cNvGrpSpPr/>
         <p:nvPr/>
       </p:nvGrpSpPr>
@@ -24097,7 +24270,7 @@
       </p:grpSpPr>
       <p:sp>
         <p:nvSpPr>
-          <p:cNvPr id="261" name="Google Shape;261;g2bb3f83c6aa_0_0"/>
+          <p:cNvPr id="260" name="Google Shape;260;g2bb3f83c6aa_0_0"/>
           <p:cNvSpPr txBox="1"/>
           <p:nvPr>
             <p:ph type="title"/>
@@ -24137,7 +24310,7 @@
       </p:sp>
       <p:pic>
         <p:nvPicPr>
-          <p:cNvPr id="262" name="Google Shape;262;g2bb3f83c6aa_0_0"/>
+          <p:cNvPr id="261" name="Google Shape;261;g2bb3f83c6aa_0_0"/>
           <p:cNvPicPr preferRelativeResize="0"/>
           <p:nvPr/>
         </p:nvPicPr>
@@ -24165,7 +24338,7 @@
       </p:pic>
       <p:pic>
         <p:nvPicPr>
-          <p:cNvPr id="263" name="Google Shape;263;g2bb3f83c6aa_0_0"/>
+          <p:cNvPr id="262" name="Google Shape;262;g2bb3f83c6aa_0_0"/>
           <p:cNvPicPr preferRelativeResize="0"/>
           <p:nvPr/>
         </p:nvPicPr>
@@ -24193,7 +24366,7 @@
       </p:pic>
       <p:sp>
         <p:nvSpPr>
-          <p:cNvPr id="264" name="Google Shape;264;g2bb3f83c6aa_0_0"/>
+          <p:cNvPr id="263" name="Google Shape;263;g2bb3f83c6aa_0_0"/>
           <p:cNvSpPr txBox="1"/>
           <p:nvPr/>
         </p:nvSpPr>
@@ -24246,7 +24419,7 @@
   <p:cSld>
     <p:spTree>
       <p:nvGrpSpPr>
-        <p:cNvPr id="268" name="Shape 268"/>
+        <p:cNvPr id="267" name="Shape 267"/>
         <p:cNvGrpSpPr/>
         <p:nvPr/>
       </p:nvGrpSpPr>
@@ -24260,7 +24433,7 @@
       </p:grpSpPr>
       <p:sp>
         <p:nvSpPr>
-          <p:cNvPr id="269" name="Google Shape;269;p10"/>
+          <p:cNvPr id="268" name="Google Shape;268;p10"/>
           <p:cNvSpPr txBox="1"/>
           <p:nvPr>
             <p:ph type="title"/>
@@ -24312,7 +24485,7 @@
       </p:sp>
       <p:sp>
         <p:nvSpPr>
-          <p:cNvPr id="270" name="Google Shape;270;p10"/>
+          <p:cNvPr id="269" name="Google Shape;269;p10"/>
           <p:cNvSpPr txBox="1"/>
           <p:nvPr>
             <p:ph idx="1" type="body"/>
@@ -24431,7 +24604,7 @@
   <p:cSld>
     <p:spTree>
       <p:nvGrpSpPr>
-        <p:cNvPr id="274" name="Shape 274"/>
+        <p:cNvPr id="273" name="Shape 273"/>
         <p:cNvGrpSpPr/>
         <p:nvPr/>
       </p:nvGrpSpPr>
@@ -24445,7 +24618,7 @@
       </p:grpSpPr>
       <p:sp>
         <p:nvSpPr>
-          <p:cNvPr id="275" name="Google Shape;275;p11"/>
+          <p:cNvPr id="274" name="Google Shape;274;p11"/>
           <p:cNvSpPr txBox="1"/>
           <p:nvPr>
             <p:ph type="title"/>
@@ -24497,7 +24670,7 @@
       </p:sp>
       <p:sp>
         <p:nvSpPr>
-          <p:cNvPr id="276" name="Google Shape;276;p11"/>
+          <p:cNvPr id="275" name="Google Shape;275;p11"/>
           <p:cNvSpPr txBox="1"/>
           <p:nvPr>
             <p:ph idx="1" type="body"/>
@@ -24563,7 +24736,7 @@
             </a:pPr>
             <a:r>
               <a:rPr lang="en-US"/>
-              <a:t> Lengauer-Tarjan  algorithm (O(nlogn))</a:t>
+              <a:t> Lengauer-Tarjan algorithm (O(nlogn))</a:t>
             </a:r>
             <a:endParaRPr/>
           </a:p>
@@ -24596,10 +24769,6 @@
                 <a:hlinkClick r:id="rId3"/>
               </a:rPr>
               <a:t>https://www.llvm.org/devmtg/2017-10/slides/Kuderski-Dominator_Trees.pdf</a:t>
-            </a:r>
-            <a:r>
-              <a:rPr lang="en-US"/>
-              <a:t> </a:t>
             </a:r>
             <a:endParaRPr/>
           </a:p>
@@ -24630,7 +24799,7 @@
   <p:cSld>
     <p:spTree>
       <p:nvGrpSpPr>
-        <p:cNvPr id="280" name="Shape 280"/>
+        <p:cNvPr id="279" name="Shape 279"/>
         <p:cNvGrpSpPr/>
         <p:nvPr/>
       </p:nvGrpSpPr>
@@ -24644,7 +24813,7 @@
       </p:grpSpPr>
       <p:sp>
         <p:nvSpPr>
-          <p:cNvPr id="281" name="Google Shape;281;g2bb3f83c6aa_0_19"/>
+          <p:cNvPr id="280" name="Google Shape;280;g2ce4742de60_1_0"/>
           <p:cNvSpPr txBox="1"/>
           <p:nvPr>
             <p:ph type="title"/>
@@ -24676,7 +24845,7 @@
             </a:pPr>
             <a:r>
               <a:rPr lang="en-US"/>
-              <a:t>Dominator trees (demo)</a:t>
+              <a:t>Dominator tree (example)</a:t>
             </a:r>
             <a:endParaRPr/>
           </a:p>
@@ -24684,7 +24853,7 @@
       </p:sp>
       <p:sp>
         <p:nvSpPr>
-          <p:cNvPr id="282" name="Google Shape;282;g2bb3f83c6aa_0_19"/>
+          <p:cNvPr id="281" name="Google Shape;281;g2ce4742de60_1_0"/>
           <p:cNvSpPr txBox="1"/>
           <p:nvPr>
             <p:ph idx="1" type="body"/>
@@ -24692,8 +24861,8 @@
         </p:nvSpPr>
         <p:spPr>
           <a:xfrm>
-            <a:off x="571373" y="1673450"/>
-            <a:ext cx="5753100" cy="4575000"/>
+            <a:off x="2739313" y="6311275"/>
+            <a:ext cx="6675000" cy="268500"/>
           </a:xfrm>
           <a:prstGeom prst="rect">
             <a:avLst/>
@@ -24715,100 +24884,38 @@
               <a:buNone/>
             </a:pPr>
             <a:r>
-              <a:rPr lang="en-US" sz="1800"/>
-              <a:t>How to build:</a:t>
-            </a:r>
-            <a:endParaRPr sz="1800"/>
-          </a:p>
-          <a:p>
-            <a:pPr indent="0" lvl="0" marL="0" rtl="0" algn="l">
-              <a:spcBef>
-                <a:spcPts val="1200"/>
-              </a:spcBef>
-              <a:spcAft>
-                <a:spcPts val="0"/>
-              </a:spcAft>
-              <a:buNone/>
-            </a:pPr>
-            <a:r>
-              <a:rPr lang="en-US" sz="1400"/>
-              <a:t>clang -S -emit-llvm dominator.cpp -o </a:t>
+              <a:rPr lang="en-US" sz="1200"/>
+              <a:t>S</a:t>
             </a:r>
             <a:r>
-              <a:rPr lang="en-US" sz="1400"/>
-              <a:t>dominator</a:t>
+              <a:rPr lang="en-US" sz="1200"/>
+              <a:t>ource: </a:t>
             </a:r>
             <a:r>
-              <a:rPr lang="en-US" sz="1400"/>
-              <a:t>.ll</a:t>
-            </a:r>
-            <a:endParaRPr sz="1400"/>
-          </a:p>
-          <a:p>
-            <a:pPr indent="0" lvl="0" marL="0" rtl="0" algn="l">
-              <a:spcBef>
-                <a:spcPts val="1200"/>
-              </a:spcBef>
-              <a:spcAft>
-                <a:spcPts val="0"/>
-              </a:spcAft>
-              <a:buNone/>
-            </a:pPr>
-            <a:r>
-              <a:rPr lang="en-US" sz="1400"/>
-              <a:t>opt -passes='dot-cfg' </a:t>
+              <a:rPr lang="en-US" sz="1200" u="sng">
+                <a:solidFill>
+                  <a:schemeClr val="hlink"/>
+                </a:solidFill>
+                <a:hlinkClick r:id="rId3"/>
+              </a:rPr>
+              <a:t>https://www.boost.org/doc/libs/1_85_0/libs/graph/doc/lengauer_tarjan_dominator.htm</a:t>
             </a:r>
             <a:r>
-              <a:rPr lang="en-US" sz="1400"/>
-              <a:t>dominator</a:t>
+              <a:rPr lang="en-US" sz="1200"/>
+              <a:t> </a:t>
             </a:r>
-            <a:r>
-              <a:rPr lang="en-US" sz="1400"/>
-              <a:t>.ll</a:t>
-            </a:r>
-            <a:endParaRPr sz="1400"/>
-          </a:p>
-          <a:p>
-            <a:pPr indent="0" lvl="0" marL="0" rtl="0" algn="l">
-              <a:spcBef>
-                <a:spcPts val="1200"/>
-              </a:spcBef>
-              <a:spcAft>
-                <a:spcPts val="0"/>
-              </a:spcAft>
-              <a:buNone/>
-            </a:pPr>
-            <a:r>
-              <a:rPr lang="en-US" sz="1400"/>
-              <a:t>dot -Tpng .main.dot -o main.png</a:t>
-            </a:r>
-            <a:endParaRPr sz="1400"/>
-          </a:p>
-          <a:p>
-            <a:pPr indent="0" lvl="0" marL="0" rtl="0" algn="l">
-              <a:spcBef>
-                <a:spcPts val="1200"/>
-              </a:spcBef>
-              <a:spcAft>
-                <a:spcPts val="0"/>
-              </a:spcAft>
-              <a:buNone/>
-            </a:pPr>
-            <a:r>
-              <a:t/>
-            </a:r>
-            <a:endParaRPr sz="1400"/>
+            <a:endParaRPr sz="1200"/>
           </a:p>
         </p:txBody>
       </p:sp>
       <p:pic>
         <p:nvPicPr>
-          <p:cNvPr id="283" name="Google Shape;283;g2bb3f83c6aa_0_19"/>
+          <p:cNvPr id="282" name="Google Shape;282;g2ce4742de60_1_0"/>
           <p:cNvPicPr preferRelativeResize="0"/>
           <p:nvPr/>
         </p:nvPicPr>
         <p:blipFill>
-          <a:blip r:embed="rId3">
+          <a:blip r:embed="rId4">
             <a:alphaModFix/>
           </a:blip>
           <a:stretch>
@@ -24817,8 +24924,8 @@
         </p:blipFill>
         <p:spPr>
           <a:xfrm>
-            <a:off x="6324404" y="-40475"/>
-            <a:ext cx="5867593" cy="6858001"/>
+            <a:off x="2500175" y="1364950"/>
+            <a:ext cx="7153275" cy="4724400"/>
           </a:xfrm>
           <a:prstGeom prst="rect">
             <a:avLst/>
@@ -24842,7 +24949,7 @@
   <p:cSld>
     <p:spTree>
       <p:nvGrpSpPr>
-        <p:cNvPr id="287" name="Shape 287"/>
+        <p:cNvPr id="286" name="Shape 286"/>
         <p:cNvGrpSpPr/>
         <p:nvPr/>
       </p:nvGrpSpPr>
@@ -24856,7 +24963,269 @@
       </p:grpSpPr>
       <p:sp>
         <p:nvSpPr>
-          <p:cNvPr id="288" name="Google Shape;288;p12"/>
+          <p:cNvPr id="287" name="Google Shape;287;g2bb3f83c6aa_0_19"/>
+          <p:cNvSpPr txBox="1"/>
+          <p:nvPr>
+            <p:ph type="title"/>
+          </p:nvPr>
+        </p:nvSpPr>
+        <p:spPr>
+          <a:xfrm>
+            <a:off x="571370" y="571500"/>
+            <a:ext cx="11010900" cy="952500"/>
+          </a:xfrm>
+          <a:prstGeom prst="rect">
+            <a:avLst/>
+          </a:prstGeom>
+        </p:spPr>
+        <p:txBody>
+          <a:bodyPr anchorCtr="0" anchor="t" bIns="0" lIns="0" spcFirstLastPara="1" rIns="0" wrap="square" tIns="0">
+            <a:noAutofit/>
+          </a:bodyPr>
+          <a:lstStyle/>
+          <a:p>
+            <a:pPr indent="0" lvl="0" marL="0" rtl="0" algn="l">
+              <a:spcBef>
+                <a:spcPts val="0"/>
+              </a:spcBef>
+              <a:spcAft>
+                <a:spcPts val="0"/>
+              </a:spcAft>
+              <a:buNone/>
+            </a:pPr>
+            <a:r>
+              <a:rPr lang="en-US"/>
+              <a:t>Dominator trees (demo)</a:t>
+            </a:r>
+            <a:endParaRPr/>
+          </a:p>
+        </p:txBody>
+      </p:sp>
+      <p:sp>
+        <p:nvSpPr>
+          <p:cNvPr id="288" name="Google Shape;288;g2bb3f83c6aa_0_19"/>
+          <p:cNvSpPr txBox="1"/>
+          <p:nvPr>
+            <p:ph idx="1" type="body"/>
+          </p:nvPr>
+        </p:nvSpPr>
+        <p:spPr>
+          <a:xfrm>
+            <a:off x="571373" y="1673450"/>
+            <a:ext cx="5753100" cy="4575000"/>
+          </a:xfrm>
+          <a:prstGeom prst="rect">
+            <a:avLst/>
+          </a:prstGeom>
+        </p:spPr>
+        <p:txBody>
+          <a:bodyPr anchorCtr="0" anchor="t" bIns="0" lIns="0" spcFirstLastPara="1" rIns="0" wrap="square" tIns="0">
+            <a:normAutofit/>
+          </a:bodyPr>
+          <a:lstStyle/>
+          <a:p>
+            <a:pPr indent="0" lvl="0" marL="0" rtl="0" algn="l">
+              <a:spcBef>
+                <a:spcPts val="1200"/>
+              </a:spcBef>
+              <a:spcAft>
+                <a:spcPts val="0"/>
+              </a:spcAft>
+              <a:buNone/>
+            </a:pPr>
+            <a:r>
+              <a:rPr lang="en-US" sz="1800"/>
+              <a:t>How to build:</a:t>
+            </a:r>
+            <a:endParaRPr sz="1800"/>
+          </a:p>
+          <a:p>
+            <a:pPr indent="0" lvl="0" marL="0" rtl="0" algn="l">
+              <a:spcBef>
+                <a:spcPts val="1200"/>
+              </a:spcBef>
+              <a:spcAft>
+                <a:spcPts val="0"/>
+              </a:spcAft>
+              <a:buNone/>
+            </a:pPr>
+            <a:r>
+              <a:t/>
+            </a:r>
+            <a:endParaRPr sz="1800"/>
+          </a:p>
+          <a:p>
+            <a:pPr indent="0" lvl="0" marL="0" rtl="0" algn="l">
+              <a:spcBef>
+                <a:spcPts val="0"/>
+              </a:spcBef>
+              <a:spcAft>
+                <a:spcPts val="0"/>
+              </a:spcAft>
+              <a:buNone/>
+            </a:pPr>
+            <a:r>
+              <a:rPr lang="en-US" sz="1400">
+                <a:latin typeface="Consolas"/>
+                <a:ea typeface="Consolas"/>
+                <a:cs typeface="Consolas"/>
+                <a:sym typeface="Consolas"/>
+              </a:rPr>
+              <a:t>clang -S -emit-llvm dominator.cpp -o </a:t>
+            </a:r>
+            <a:r>
+              <a:rPr lang="en-US" sz="1400">
+                <a:latin typeface="Consolas"/>
+                <a:ea typeface="Consolas"/>
+                <a:cs typeface="Consolas"/>
+                <a:sym typeface="Consolas"/>
+              </a:rPr>
+              <a:t>dominator</a:t>
+            </a:r>
+            <a:r>
+              <a:rPr lang="en-US" sz="1400">
+                <a:latin typeface="Consolas"/>
+                <a:ea typeface="Consolas"/>
+                <a:cs typeface="Consolas"/>
+                <a:sym typeface="Consolas"/>
+              </a:rPr>
+              <a:t>.ll</a:t>
+            </a:r>
+            <a:endParaRPr sz="1400">
+              <a:latin typeface="Consolas"/>
+              <a:ea typeface="Consolas"/>
+              <a:cs typeface="Consolas"/>
+              <a:sym typeface="Consolas"/>
+            </a:endParaRPr>
+          </a:p>
+          <a:p>
+            <a:pPr indent="0" lvl="0" marL="0" rtl="0" algn="l">
+              <a:spcBef>
+                <a:spcPts val="0"/>
+              </a:spcBef>
+              <a:spcAft>
+                <a:spcPts val="0"/>
+              </a:spcAft>
+              <a:buNone/>
+            </a:pPr>
+            <a:r>
+              <a:rPr lang="en-US" sz="1400">
+                <a:latin typeface="Consolas"/>
+                <a:ea typeface="Consolas"/>
+                <a:cs typeface="Consolas"/>
+                <a:sym typeface="Consolas"/>
+              </a:rPr>
+              <a:t>opt -passes='dot-cfg' </a:t>
+            </a:r>
+            <a:r>
+              <a:rPr lang="en-US" sz="1400">
+                <a:latin typeface="Consolas"/>
+                <a:ea typeface="Consolas"/>
+                <a:cs typeface="Consolas"/>
+                <a:sym typeface="Consolas"/>
+              </a:rPr>
+              <a:t>dominator</a:t>
+            </a:r>
+            <a:r>
+              <a:rPr lang="en-US" sz="1400">
+                <a:latin typeface="Consolas"/>
+                <a:ea typeface="Consolas"/>
+                <a:cs typeface="Consolas"/>
+                <a:sym typeface="Consolas"/>
+              </a:rPr>
+              <a:t>.ll</a:t>
+            </a:r>
+            <a:endParaRPr sz="1400">
+              <a:latin typeface="Consolas"/>
+              <a:ea typeface="Consolas"/>
+              <a:cs typeface="Consolas"/>
+              <a:sym typeface="Consolas"/>
+            </a:endParaRPr>
+          </a:p>
+          <a:p>
+            <a:pPr indent="0" lvl="0" marL="0" rtl="0" algn="l">
+              <a:spcBef>
+                <a:spcPts val="0"/>
+              </a:spcBef>
+              <a:spcAft>
+                <a:spcPts val="0"/>
+              </a:spcAft>
+              <a:buNone/>
+            </a:pPr>
+            <a:r>
+              <a:rPr lang="en-US" sz="1400">
+                <a:latin typeface="Consolas"/>
+                <a:ea typeface="Consolas"/>
+                <a:cs typeface="Consolas"/>
+                <a:sym typeface="Consolas"/>
+              </a:rPr>
+              <a:t>dot -Tpng .main.dot -o main.png</a:t>
+            </a:r>
+            <a:endParaRPr sz="1400">
+              <a:latin typeface="Consolas"/>
+              <a:ea typeface="Consolas"/>
+              <a:cs typeface="Consolas"/>
+              <a:sym typeface="Consolas"/>
+            </a:endParaRPr>
+          </a:p>
+        </p:txBody>
+      </p:sp>
+      <p:pic>
+        <p:nvPicPr>
+          <p:cNvPr id="289" name="Google Shape;289;g2bb3f83c6aa_0_19"/>
+          <p:cNvPicPr preferRelativeResize="0"/>
+          <p:nvPr/>
+        </p:nvPicPr>
+        <p:blipFill>
+          <a:blip r:embed="rId3">
+            <a:alphaModFix/>
+          </a:blip>
+          <a:stretch>
+            <a:fillRect/>
+          </a:stretch>
+        </p:blipFill>
+        <p:spPr>
+          <a:xfrm>
+            <a:off x="6254875" y="-40475"/>
+            <a:ext cx="5937125" cy="6939275"/>
+          </a:xfrm>
+          <a:prstGeom prst="rect">
+            <a:avLst/>
+          </a:prstGeom>
+          <a:noFill/>
+          <a:ln>
+            <a:noFill/>
+          </a:ln>
+        </p:spPr>
+      </p:pic>
+    </p:spTree>
+  </p:cSld>
+  <p:clrMapOvr>
+    <a:masterClrMapping/>
+  </p:clrMapOvr>
+</p:sld>
+</file>
+
+<file path=ppt/slides/slide15.xml><?xml version="1.0" encoding="utf-8"?>
+<p:sld xmlns:a="http://schemas.openxmlformats.org/drawingml/2006/main" xmlns:r="http://schemas.openxmlformats.org/officeDocument/2006/relationships" xmlns:mc="http://schemas.openxmlformats.org/markup-compatibility/2006" xmlns:mv="urn:schemas-microsoft-com:mac:vml" xmlns:p="http://schemas.openxmlformats.org/presentationml/2006/main" xmlns:c="http://schemas.openxmlformats.org/drawingml/2006/chart" xmlns:dgm="http://schemas.openxmlformats.org/drawingml/2006/diagram" xmlns:o="urn:schemas-microsoft-com:office:office" xmlns:v="urn:schemas-microsoft-com:vml" xmlns:pvml="urn:schemas-microsoft-com:office:powerpoint" xmlns:com="http://schemas.openxmlformats.org/drawingml/2006/compatibility" xmlns:p14="http://schemas.microsoft.com/office/powerpoint/2010/main" xmlns:p15="http://schemas.microsoft.com/office/powerpoint/2012/main" xmlns:ahyp="http://schemas.microsoft.com/office/drawing/2018/hyperlinkcolor">
+  <p:cSld>
+    <p:spTree>
+      <p:nvGrpSpPr>
+        <p:cNvPr id="293" name="Shape 293"/>
+        <p:cNvGrpSpPr/>
+        <p:nvPr/>
+      </p:nvGrpSpPr>
+      <p:grpSpPr>
+        <a:xfrm>
+          <a:off x="0" y="0"/>
+          <a:ext cx="0" cy="0"/>
+          <a:chOff x="0" y="0"/>
+          <a:chExt cx="0" cy="0"/>
+        </a:xfrm>
+      </p:grpSpPr>
+      <p:sp>
+        <p:nvSpPr>
+          <p:cNvPr id="294" name="Google Shape;294;p12"/>
           <p:cNvSpPr txBox="1"/>
           <p:nvPr>
             <p:ph type="title"/>
@@ -24908,7 +25277,7 @@
       </p:sp>
       <p:sp>
         <p:nvSpPr>
-          <p:cNvPr id="289" name="Google Shape;289;p12"/>
+          <p:cNvPr id="295" name="Google Shape;295;p12"/>
           <p:cNvSpPr txBox="1"/>
           <p:nvPr>
             <p:ph idx="1" type="body"/>
@@ -25082,12 +25451,12 @@
 </p:sld>
 </file>
 
-<file path=ppt/slides/slide15.xml><?xml version="1.0" encoding="utf-8"?>
+<file path=ppt/slides/slide16.xml><?xml version="1.0" encoding="utf-8"?>
 <p:sld xmlns:a="http://schemas.openxmlformats.org/drawingml/2006/main" xmlns:r="http://schemas.openxmlformats.org/officeDocument/2006/relationships" xmlns:mc="http://schemas.openxmlformats.org/markup-compatibility/2006" xmlns:mv="urn:schemas-microsoft-com:mac:vml" xmlns:p="http://schemas.openxmlformats.org/presentationml/2006/main" xmlns:c="http://schemas.openxmlformats.org/drawingml/2006/chart" xmlns:dgm="http://schemas.openxmlformats.org/drawingml/2006/diagram" xmlns:o="urn:schemas-microsoft-com:office:office" xmlns:v="urn:schemas-microsoft-com:vml" xmlns:pvml="urn:schemas-microsoft-com:office:powerpoint" xmlns:com="http://schemas.openxmlformats.org/drawingml/2006/compatibility" xmlns:p14="http://schemas.microsoft.com/office/powerpoint/2010/main" xmlns:p15="http://schemas.microsoft.com/office/powerpoint/2012/main" xmlns:ahyp="http://schemas.microsoft.com/office/drawing/2018/hyperlinkcolor">
   <p:cSld>
     <p:spTree>
       <p:nvGrpSpPr>
-        <p:cNvPr id="293" name="Shape 293"/>
+        <p:cNvPr id="299" name="Shape 299"/>
         <p:cNvGrpSpPr/>
         <p:nvPr/>
       </p:nvGrpSpPr>
@@ -25101,7 +25470,7 @@
       </p:grpSpPr>
       <p:sp>
         <p:nvSpPr>
-          <p:cNvPr id="294" name="Google Shape;294;p13"/>
+          <p:cNvPr id="300" name="Google Shape;300;p13"/>
           <p:cNvSpPr txBox="1"/>
           <p:nvPr>
             <p:ph type="title"/>
@@ -25153,7 +25522,7 @@
       </p:sp>
       <p:sp>
         <p:nvSpPr>
-          <p:cNvPr id="295" name="Google Shape;295;p13"/>
+          <p:cNvPr id="301" name="Google Shape;301;p13"/>
           <p:cNvSpPr txBox="1"/>
           <p:nvPr>
             <p:ph idx="1" type="body"/>
@@ -25369,12 +25738,12 @@
 </p:sld>
 </file>
 
-<file path=ppt/slides/slide16.xml><?xml version="1.0" encoding="utf-8"?>
+<file path=ppt/slides/slide17.xml><?xml version="1.0" encoding="utf-8"?>
 <p:sld xmlns:a="http://schemas.openxmlformats.org/drawingml/2006/main" xmlns:r="http://schemas.openxmlformats.org/officeDocument/2006/relationships" xmlns:mc="http://schemas.openxmlformats.org/markup-compatibility/2006" xmlns:mv="urn:schemas-microsoft-com:mac:vml" xmlns:p="http://schemas.openxmlformats.org/presentationml/2006/main" xmlns:c="http://schemas.openxmlformats.org/drawingml/2006/chart" xmlns:dgm="http://schemas.openxmlformats.org/drawingml/2006/diagram" xmlns:o="urn:schemas-microsoft-com:office:office" xmlns:v="urn:schemas-microsoft-com:vml" xmlns:pvml="urn:schemas-microsoft-com:office:powerpoint" xmlns:com="http://schemas.openxmlformats.org/drawingml/2006/compatibility" xmlns:p14="http://schemas.microsoft.com/office/powerpoint/2010/main" xmlns:p15="http://schemas.microsoft.com/office/powerpoint/2012/main" xmlns:ahyp="http://schemas.microsoft.com/office/drawing/2018/hyperlinkcolor">
   <p:cSld>
     <p:spTree>
       <p:nvGrpSpPr>
-        <p:cNvPr id="299" name="Shape 299"/>
+        <p:cNvPr id="305" name="Shape 305"/>
         <p:cNvGrpSpPr/>
         <p:nvPr/>
       </p:nvGrpSpPr>
@@ -25388,7 +25757,7 @@
       </p:grpSpPr>
       <p:sp>
         <p:nvSpPr>
-          <p:cNvPr id="300" name="Google Shape;300;p14"/>
+          <p:cNvPr id="306" name="Google Shape;306;p14"/>
           <p:cNvSpPr txBox="1"/>
           <p:nvPr>
             <p:ph type="title"/>
@@ -25440,7 +25809,7 @@
       </p:sp>
       <p:sp>
         <p:nvSpPr>
-          <p:cNvPr id="301" name="Google Shape;301;p14"/>
+          <p:cNvPr id="307" name="Google Shape;307;p14"/>
           <p:cNvSpPr txBox="1"/>
           <p:nvPr>
             <p:ph idx="1" type="body"/>
@@ -25537,7 +25906,7 @@
       </p:sp>
       <p:pic>
         <p:nvPicPr>
-          <p:cNvPr id="302" name="Google Shape;302;p14"/>
+          <p:cNvPr id="308" name="Google Shape;308;p14"/>
           <p:cNvPicPr preferRelativeResize="0"/>
           <p:nvPr>
             <p:ph idx="2" type="body"/>
@@ -25564,260 +25933,6 @@
           </a:ln>
         </p:spPr>
       </p:pic>
-    </p:spTree>
-  </p:cSld>
-  <p:clrMapOvr>
-    <a:masterClrMapping/>
-  </p:clrMapOvr>
-  <mc:AlternateContent>
-    <mc:Choice Requires="p14">
-      <p:transition spd="slow" p14:dur="700">
-        <p:fade/>
-      </p:transition>
-    </mc:Choice>
-    <mc:Fallback>
-      <p:transition spd="slow">
-        <p:fade/>
-      </p:transition>
-    </mc:Fallback>
-  </mc:AlternateContent>
-</p:sld>
-</file>
-
-<file path=ppt/slides/slide17.xml><?xml version="1.0" encoding="utf-8"?>
-<p:sld xmlns:a="http://schemas.openxmlformats.org/drawingml/2006/main" xmlns:r="http://schemas.openxmlformats.org/officeDocument/2006/relationships" xmlns:mc="http://schemas.openxmlformats.org/markup-compatibility/2006" xmlns:mv="urn:schemas-microsoft-com:mac:vml" xmlns:p="http://schemas.openxmlformats.org/presentationml/2006/main" xmlns:c="http://schemas.openxmlformats.org/drawingml/2006/chart" xmlns:dgm="http://schemas.openxmlformats.org/drawingml/2006/diagram" xmlns:o="urn:schemas-microsoft-com:office:office" xmlns:v="urn:schemas-microsoft-com:vml" xmlns:pvml="urn:schemas-microsoft-com:office:powerpoint" xmlns:com="http://schemas.openxmlformats.org/drawingml/2006/compatibility" xmlns:p14="http://schemas.microsoft.com/office/powerpoint/2010/main" xmlns:p15="http://schemas.microsoft.com/office/powerpoint/2012/main" xmlns:ahyp="http://schemas.microsoft.com/office/drawing/2018/hyperlinkcolor">
-  <p:cSld>
-    <p:spTree>
-      <p:nvGrpSpPr>
-        <p:cNvPr id="306" name="Shape 306"/>
-        <p:cNvGrpSpPr/>
-        <p:nvPr/>
-      </p:nvGrpSpPr>
-      <p:grpSpPr>
-        <a:xfrm>
-          <a:off x="0" y="0"/>
-          <a:ext cx="0" cy="0"/>
-          <a:chOff x="0" y="0"/>
-          <a:chExt cx="0" cy="0"/>
-        </a:xfrm>
-      </p:grpSpPr>
-      <p:sp>
-        <p:nvSpPr>
-          <p:cNvPr id="307" name="Google Shape;307;p15"/>
-          <p:cNvSpPr txBox="1"/>
-          <p:nvPr>
-            <p:ph type="title"/>
-          </p:nvPr>
-        </p:nvSpPr>
-        <p:spPr>
-          <a:xfrm>
-            <a:off x="571500" y="571501"/>
-            <a:ext cx="11010901" cy="952500"/>
-          </a:xfrm>
-          <a:prstGeom prst="rect">
-            <a:avLst/>
-          </a:prstGeom>
-          <a:noFill/>
-          <a:ln>
-            <a:noFill/>
-          </a:ln>
-        </p:spPr>
-        <p:txBody>
-          <a:bodyPr anchorCtr="0" anchor="t" bIns="0" lIns="0" spcFirstLastPara="1" rIns="0" wrap="square" tIns="0">
-            <a:noAutofit/>
-          </a:bodyPr>
-          <a:lstStyle/>
-          <a:p>
-            <a:pPr indent="0" lvl="0" marL="0" rtl="0" algn="l">
-              <a:lnSpc>
-                <a:spcPct val="90000"/>
-              </a:lnSpc>
-              <a:spcBef>
-                <a:spcPts val="0"/>
-              </a:spcBef>
-              <a:spcAft>
-                <a:spcPts val="0"/>
-              </a:spcAft>
-              <a:buClr>
-                <a:srgbClr val="525252"/>
-              </a:buClr>
-              <a:buSzPts val="4000"/>
-              <a:buFont typeface="Arial"/>
-              <a:buNone/>
-            </a:pPr>
-            <a:r>
-              <a:rPr lang="en-US"/>
-              <a:t>LLVM IR generation</a:t>
-            </a:r>
-            <a:endParaRPr/>
-          </a:p>
-        </p:txBody>
-      </p:sp>
-      <p:sp>
-        <p:nvSpPr>
-          <p:cNvPr id="308" name="Google Shape;308;p15"/>
-          <p:cNvSpPr txBox="1"/>
-          <p:nvPr>
-            <p:ph idx="1" type="body"/>
-          </p:nvPr>
-        </p:nvSpPr>
-        <p:spPr>
-          <a:xfrm>
-            <a:off x="571500" y="1673402"/>
-            <a:ext cx="10745545" cy="5028612"/>
-          </a:xfrm>
-          <a:prstGeom prst="rect">
-            <a:avLst/>
-          </a:prstGeom>
-          <a:noFill/>
-          <a:ln>
-            <a:noFill/>
-          </a:ln>
-        </p:spPr>
-        <p:txBody>
-          <a:bodyPr anchorCtr="0" anchor="t" bIns="0" lIns="0" spcFirstLastPara="1" rIns="0" wrap="square" tIns="0">
-            <a:normAutofit lnSpcReduction="10000"/>
-          </a:bodyPr>
-          <a:lstStyle/>
-          <a:p>
-            <a:pPr indent="0" lvl="0" marL="0" rtl="0" algn="l">
-              <a:lnSpc>
-                <a:spcPct val="100000"/>
-              </a:lnSpc>
-              <a:spcBef>
-                <a:spcPts val="0"/>
-              </a:spcBef>
-              <a:spcAft>
-                <a:spcPts val="0"/>
-              </a:spcAft>
-              <a:buClr>
-                <a:schemeClr val="lt2"/>
-              </a:buClr>
-              <a:buSzPts val="2800"/>
-              <a:buNone/>
-            </a:pPr>
-            <a:r>
-              <a:rPr lang="en-US"/>
-              <a:t>Typical use case for AST node visitors. Also can be referred as CodeGen, but do not confuse with LLVM CodeGen</a:t>
-            </a:r>
-            <a:endParaRPr/>
-          </a:p>
-          <a:p>
-            <a:pPr indent="-228600" lvl="0" marL="228600" rtl="0" algn="l">
-              <a:lnSpc>
-                <a:spcPct val="100000"/>
-              </a:lnSpc>
-              <a:spcBef>
-                <a:spcPts val="1200"/>
-              </a:spcBef>
-              <a:spcAft>
-                <a:spcPts val="0"/>
-              </a:spcAft>
-              <a:buClr>
-                <a:schemeClr val="lt2"/>
-              </a:buClr>
-              <a:buSzPts val="2800"/>
-              <a:buChar char="▪"/>
-            </a:pPr>
-            <a:r>
-              <a:rPr lang="en-US"/>
-              <a:t>Uses AST visitors, IRBuilder, and TargetInfo classes</a:t>
-            </a:r>
-            <a:endParaRPr/>
-          </a:p>
-          <a:p>
-            <a:pPr indent="-228600" lvl="0" marL="228600" rtl="0" algn="l">
-              <a:lnSpc>
-                <a:spcPct val="100000"/>
-              </a:lnSpc>
-              <a:spcBef>
-                <a:spcPts val="1200"/>
-              </a:spcBef>
-              <a:spcAft>
-                <a:spcPts val="0"/>
-              </a:spcAft>
-              <a:buClr>
-                <a:schemeClr val="lt2"/>
-              </a:buClr>
-              <a:buSzPts val="2800"/>
-              <a:buChar char="▪"/>
-            </a:pPr>
-            <a:r>
-              <a:rPr lang="en-US"/>
-              <a:t>CodeGenModule class keeps global state, e.g. LLVM type cache. Emits global and some shared entities.</a:t>
-            </a:r>
-            <a:endParaRPr/>
-          </a:p>
-          <a:p>
-            <a:pPr indent="-228600" lvl="0" marL="228600" rtl="0" algn="l">
-              <a:lnSpc>
-                <a:spcPct val="100000"/>
-              </a:lnSpc>
-              <a:spcBef>
-                <a:spcPts val="1200"/>
-              </a:spcBef>
-              <a:spcAft>
-                <a:spcPts val="0"/>
-              </a:spcAft>
-              <a:buClr>
-                <a:schemeClr val="lt2"/>
-              </a:buClr>
-              <a:buSzPts val="2800"/>
-              <a:buChar char="▪"/>
-            </a:pPr>
-            <a:r>
-              <a:rPr lang="en-US"/>
-              <a:t>CodeGenFunction class keeps per function state. Emits LLVM IR for function body statements.</a:t>
-            </a:r>
-            <a:endParaRPr/>
-          </a:p>
-          <a:p>
-            <a:pPr indent="-50800" lvl="0" marL="228600" rtl="0" algn="l">
-              <a:lnSpc>
-                <a:spcPct val="100000"/>
-              </a:lnSpc>
-              <a:spcBef>
-                <a:spcPts val="1200"/>
-              </a:spcBef>
-              <a:spcAft>
-                <a:spcPts val="0"/>
-              </a:spcAft>
-              <a:buClr>
-                <a:schemeClr val="lt2"/>
-              </a:buClr>
-              <a:buSzPts val="2800"/>
-              <a:buNone/>
-            </a:pPr>
-            <a:r>
-              <a:t/>
-            </a:r>
-            <a:endParaRPr/>
-          </a:p>
-          <a:p>
-            <a:pPr indent="-228600" lvl="0" marL="228600" rtl="0" algn="l">
-              <a:lnSpc>
-                <a:spcPct val="100000"/>
-              </a:lnSpc>
-              <a:spcBef>
-                <a:spcPts val="1200"/>
-              </a:spcBef>
-              <a:spcAft>
-                <a:spcPts val="0"/>
-              </a:spcAft>
-              <a:buClr>
-                <a:schemeClr val="lt2"/>
-              </a:buClr>
-              <a:buSzPts val="2000"/>
-              <a:buChar char="▪"/>
-            </a:pPr>
-            <a:r>
-              <a:rPr lang="en-US" sz="2000"/>
-              <a:t>The output can be inspected using the -emit-llvm (to force -S for textual representation) option to clang. You can also use -emit-llvm-bc to write an LLVM bitcode file which can be processed by the suite of LLVM tools like llvm-dis, llvm-nm, etc.</a:t>
-            </a:r>
-            <a:endParaRPr sz="2000"/>
-          </a:p>
-        </p:txBody>
-      </p:sp>
     </p:spTree>
   </p:cSld>
   <p:clrMapOvr>
@@ -25857,7 +25972,7 @@
       </p:grpSpPr>
       <p:sp>
         <p:nvSpPr>
-          <p:cNvPr id="313" name="Google Shape;313;p16"/>
+          <p:cNvPr id="313" name="Google Shape;313;p15"/>
           <p:cNvSpPr txBox="1"/>
           <p:nvPr>
             <p:ph type="title"/>
@@ -25901,7 +26016,7 @@
             </a:pPr>
             <a:r>
               <a:rPr lang="en-US"/>
-              <a:t>ASTConsumer</a:t>
+              <a:t>LLVM IR generation</a:t>
             </a:r>
             <a:endParaRPr/>
           </a:p>
@@ -25909,7 +26024,7 @@
       </p:sp>
       <p:sp>
         <p:nvSpPr>
-          <p:cNvPr id="314" name="Google Shape;314;p16"/>
+          <p:cNvPr id="314" name="Google Shape;314;p15"/>
           <p:cNvSpPr txBox="1"/>
           <p:nvPr>
             <p:ph idx="1" type="body"/>
@@ -25918,7 +26033,7 @@
         <p:spPr>
           <a:xfrm>
             <a:off x="571500" y="1673402"/>
-            <a:ext cx="5288525" cy="4584830"/>
+            <a:ext cx="10745545" cy="5028612"/>
           </a:xfrm>
           <a:prstGeom prst="rect">
             <a:avLst/>
@@ -25930,16 +26045,39 @@
         </p:spPr>
         <p:txBody>
           <a:bodyPr anchorCtr="0" anchor="t" bIns="0" lIns="0" spcFirstLastPara="1" rIns="0" wrap="square" tIns="0">
-            <a:normAutofit/>
+            <a:normAutofit lnSpcReduction="10000"/>
           </a:bodyPr>
           <a:lstStyle/>
           <a:p>
+            <a:pPr indent="0" lvl="0" marL="0" rtl="0" algn="l">
+              <a:lnSpc>
+                <a:spcPct val="100000"/>
+              </a:lnSpc>
+              <a:spcBef>
+                <a:spcPts val="0"/>
+              </a:spcBef>
+              <a:spcAft>
+                <a:spcPts val="0"/>
+              </a:spcAft>
+              <a:buClr>
+                <a:schemeClr val="lt2"/>
+              </a:buClr>
+              <a:buSzPts val="2800"/>
+              <a:buNone/>
+            </a:pPr>
+            <a:r>
+              <a:rPr lang="en-US"/>
+              <a:t>Typical use case for AST node visitors. Also can be referred as CodeGen, but do not confuse with LLVM CodeGen</a:t>
+            </a:r>
+            <a:endParaRPr/>
+          </a:p>
+          <a:p>
             <a:pPr indent="-228600" lvl="0" marL="228600" rtl="0" algn="l">
               <a:lnSpc>
                 <a:spcPct val="100000"/>
               </a:lnSpc>
               <a:spcBef>
-                <a:spcPts val="0"/>
+                <a:spcPts val="1200"/>
               </a:spcBef>
               <a:spcAft>
                 <a:spcPts val="0"/>
@@ -25952,7 +26090,7 @@
             </a:pPr>
             <a:r>
               <a:rPr lang="en-US"/>
-              <a:t>An interface used to write generic actions on AST</a:t>
+              <a:t>Uses AST visitors, IRBuilder, and TargetInfo classes</a:t>
             </a:r>
             <a:endParaRPr/>
           </a:p>
@@ -25975,41 +26113,80 @@
             </a:pPr>
             <a:r>
               <a:rPr lang="en-US"/>
-              <a:t>Provides many different entry points</a:t>
+              <a:t>CodeGenModule class keeps global state, e.g. LLVM type cache. Emits global and some shared entities.</a:t>
             </a:r>
             <a:endParaRPr/>
           </a:p>
+          <a:p>
+            <a:pPr indent="-228600" lvl="0" marL="228600" rtl="0" algn="l">
+              <a:lnSpc>
+                <a:spcPct val="100000"/>
+              </a:lnSpc>
+              <a:spcBef>
+                <a:spcPts val="1200"/>
+              </a:spcBef>
+              <a:spcAft>
+                <a:spcPts val="0"/>
+              </a:spcAft>
+              <a:buClr>
+                <a:schemeClr val="lt2"/>
+              </a:buClr>
+              <a:buSzPts val="2800"/>
+              <a:buChar char="▪"/>
+            </a:pPr>
+            <a:r>
+              <a:rPr lang="en-US"/>
+              <a:t>CodeGenFunction class keeps per function state. Emits LLVM IR for function body statements.</a:t>
+            </a:r>
+            <a:endParaRPr/>
+          </a:p>
+          <a:p>
+            <a:pPr indent="-50800" lvl="0" marL="228600" rtl="0" algn="l">
+              <a:lnSpc>
+                <a:spcPct val="100000"/>
+              </a:lnSpc>
+              <a:spcBef>
+                <a:spcPts val="1200"/>
+              </a:spcBef>
+              <a:spcAft>
+                <a:spcPts val="0"/>
+              </a:spcAft>
+              <a:buClr>
+                <a:schemeClr val="lt2"/>
+              </a:buClr>
+              <a:buSzPts val="2800"/>
+              <a:buNone/>
+            </a:pPr>
+            <a:r>
+              <a:t/>
+            </a:r>
+            <a:endParaRPr/>
+          </a:p>
+          <a:p>
+            <a:pPr indent="-228600" lvl="0" marL="228600" rtl="0" algn="l">
+              <a:lnSpc>
+                <a:spcPct val="100000"/>
+              </a:lnSpc>
+              <a:spcBef>
+                <a:spcPts val="1200"/>
+              </a:spcBef>
+              <a:spcAft>
+                <a:spcPts val="0"/>
+              </a:spcAft>
+              <a:buClr>
+                <a:schemeClr val="lt2"/>
+              </a:buClr>
+              <a:buSzPts val="2000"/>
+              <a:buChar char="▪"/>
+            </a:pPr>
+            <a:r>
+              <a:rPr lang="en-US" sz="2000"/>
+              <a:t>The output can be inspected using the -emit-llvm (to force -S for textual representation) option to clang. You can also use -emit-llvm-bc to write an LLVM bitcode file which can be processed by the suite of LLVM tools like llvm-dis, llvm-nm, etc.</a:t>
+            </a:r>
+            <a:endParaRPr sz="2000"/>
+          </a:p>
         </p:txBody>
       </p:sp>
-      <p:pic>
-        <p:nvPicPr>
-          <p:cNvPr id="315" name="Google Shape;315;p16"/>
-          <p:cNvPicPr preferRelativeResize="0"/>
-          <p:nvPr>
-            <p:ph idx="2" type="body"/>
-          </p:nvPr>
-        </p:nvPicPr>
-        <p:blipFill rotWithShape="1">
-          <a:blip r:embed="rId3">
-            <a:alphaModFix/>
-          </a:blip>
-          <a:srcRect b="0" l="0" r="0" t="0"/>
-          <a:stretch/>
-        </p:blipFill>
-        <p:spPr>
-          <a:xfrm>
-            <a:off x="6294438" y="2456324"/>
-            <a:ext cx="5287963" cy="1945352"/>
-          </a:xfrm>
-          <a:prstGeom prst="rect">
-            <a:avLst/>
-          </a:prstGeom>
-          <a:noFill/>
-          <a:ln>
-            <a:noFill/>
-          </a:ln>
-        </p:spPr>
-      </p:pic>
     </p:spTree>
   </p:cSld>
   <p:clrMapOvr>
@@ -26035,7 +26212,7 @@
   <p:cSld>
     <p:spTree>
       <p:nvGrpSpPr>
-        <p:cNvPr id="319" name="Shape 319"/>
+        <p:cNvPr id="318" name="Shape 318"/>
         <p:cNvGrpSpPr/>
         <p:nvPr/>
       </p:nvGrpSpPr>
@@ -26049,7 +26226,7 @@
       </p:grpSpPr>
       <p:sp>
         <p:nvSpPr>
-          <p:cNvPr id="320" name="Google Shape;320;p17"/>
+          <p:cNvPr id="319" name="Google Shape;319;p16"/>
           <p:cNvSpPr txBox="1"/>
           <p:nvPr>
             <p:ph type="title"/>
@@ -26093,7 +26270,7 @@
             </a:pPr>
             <a:r>
               <a:rPr lang="en-US"/>
-              <a:t>FrontendAction</a:t>
+              <a:t>ASTConsumer</a:t>
             </a:r>
             <a:endParaRPr/>
           </a:p>
@@ -26101,7 +26278,7 @@
       </p:sp>
       <p:sp>
         <p:nvSpPr>
-          <p:cNvPr id="321" name="Google Shape;321;p17"/>
+          <p:cNvPr id="320" name="Google Shape;320;p16"/>
           <p:cNvSpPr txBox="1"/>
           <p:nvPr>
             <p:ph idx="1" type="body"/>
@@ -26144,7 +26321,30 @@
             </a:pPr>
             <a:r>
               <a:rPr lang="en-US"/>
-              <a:t>FrontendActions are entry points for Clang-based tools (including Clang compiler)</a:t>
+              <a:t>An interface used to write generic actions on AST</a:t>
+            </a:r>
+            <a:endParaRPr/>
+          </a:p>
+          <a:p>
+            <a:pPr indent="-228600" lvl="0" marL="228600" rtl="0" algn="l">
+              <a:lnSpc>
+                <a:spcPct val="100000"/>
+              </a:lnSpc>
+              <a:spcBef>
+                <a:spcPts val="1200"/>
+              </a:spcBef>
+              <a:spcAft>
+                <a:spcPts val="0"/>
+              </a:spcAft>
+              <a:buClr>
+                <a:schemeClr val="lt2"/>
+              </a:buClr>
+              <a:buSzPts val="2800"/>
+              <a:buChar char="▪"/>
+            </a:pPr>
+            <a:r>
+              <a:rPr lang="en-US"/>
+              <a:t>Provides many different entry points</a:t>
             </a:r>
             <a:endParaRPr/>
           </a:p>
@@ -26152,7 +26352,7 @@
       </p:sp>
       <p:pic>
         <p:nvPicPr>
-          <p:cNvPr id="322" name="Google Shape;322;p17"/>
+          <p:cNvPr id="321" name="Google Shape;321;p16"/>
           <p:cNvPicPr preferRelativeResize="0"/>
           <p:nvPr>
             <p:ph idx="2" type="body"/>
@@ -26167,8 +26367,8 @@
         </p:blipFill>
         <p:spPr>
           <a:xfrm>
-            <a:off x="6331977" y="3416889"/>
-            <a:ext cx="5287963" cy="1097372"/>
+            <a:off x="6294438" y="2456324"/>
+            <a:ext cx="5287963" cy="1945352"/>
           </a:xfrm>
           <a:prstGeom prst="rect">
             <a:avLst/>
@@ -26204,7 +26404,7 @@
   <p:cSld>
     <p:spTree>
       <p:nvGrpSpPr>
-        <p:cNvPr id="201" name="Shape 201"/>
+        <p:cNvPr id="200" name="Shape 200"/>
         <p:cNvGrpSpPr/>
         <p:nvPr/>
       </p:nvGrpSpPr>
@@ -26218,7 +26418,7 @@
       </p:grpSpPr>
       <p:sp>
         <p:nvSpPr>
-          <p:cNvPr id="202" name="Google Shape;202;p2"/>
+          <p:cNvPr id="201" name="Google Shape;201;p2"/>
           <p:cNvSpPr txBox="1"/>
           <p:nvPr>
             <p:ph type="title"/>
@@ -26270,7 +26470,7 @@
       </p:sp>
       <p:sp>
         <p:nvSpPr>
-          <p:cNvPr id="203" name="Google Shape;203;p2"/>
+          <p:cNvPr id="202" name="Google Shape;202;p2"/>
           <p:cNvSpPr/>
           <p:nvPr/>
         </p:nvSpPr>
@@ -26338,7 +26538,7 @@
       </p:sp>
       <p:sp>
         <p:nvSpPr>
-          <p:cNvPr id="204" name="Google Shape;204;p2"/>
+          <p:cNvPr id="203" name="Google Shape;203;p2"/>
           <p:cNvSpPr/>
           <p:nvPr/>
         </p:nvSpPr>
@@ -26406,7 +26606,7 @@
       </p:sp>
       <p:sp>
         <p:nvSpPr>
-          <p:cNvPr id="205" name="Google Shape;205;p2"/>
+          <p:cNvPr id="204" name="Google Shape;204;p2"/>
           <p:cNvSpPr/>
           <p:nvPr/>
         </p:nvSpPr>
@@ -26474,7 +26674,7 @@
       </p:sp>
       <p:sp>
         <p:nvSpPr>
-          <p:cNvPr id="206" name="Google Shape;206;p2"/>
+          <p:cNvPr id="205" name="Google Shape;205;p2"/>
           <p:cNvSpPr/>
           <p:nvPr/>
         </p:nvSpPr>
@@ -26542,7 +26742,7 @@
       </p:sp>
       <p:sp>
         <p:nvSpPr>
-          <p:cNvPr id="207" name="Google Shape;207;p2"/>
+          <p:cNvPr id="206" name="Google Shape;206;p2"/>
           <p:cNvSpPr/>
           <p:nvPr/>
         </p:nvSpPr>
@@ -26610,7 +26810,7 @@
       </p:sp>
       <p:sp>
         <p:nvSpPr>
-          <p:cNvPr id="208" name="Google Shape;208;p2"/>
+          <p:cNvPr id="207" name="Google Shape;207;p2"/>
           <p:cNvSpPr/>
           <p:nvPr/>
         </p:nvSpPr>
@@ -26684,14 +26884,14 @@
       </p:sp>
       <p:sp>
         <p:nvSpPr>
-          <p:cNvPr id="209" name="Google Shape;209;p2"/>
+          <p:cNvPr id="208" name="Google Shape;208;p2"/>
           <p:cNvSpPr/>
           <p:nvPr/>
         </p:nvSpPr>
         <p:spPr>
           <a:xfrm>
-            <a:off x="855400" y="4889622"/>
-            <a:ext cx="2861187" cy="471924"/>
+            <a:off x="855450" y="5545447"/>
+            <a:ext cx="2861100" cy="471900"/>
           </a:xfrm>
           <a:prstGeom prst="rect">
             <a:avLst/>
@@ -26758,14 +26958,14 @@
       </p:sp>
       <p:sp>
         <p:nvSpPr>
-          <p:cNvPr id="210" name="Google Shape;210;p2"/>
+          <p:cNvPr id="209" name="Google Shape;209;p2"/>
           <p:cNvSpPr/>
           <p:nvPr/>
         </p:nvSpPr>
         <p:spPr>
           <a:xfrm>
-            <a:off x="855399" y="5443178"/>
-            <a:ext cx="2861187" cy="471924"/>
+            <a:off x="855449" y="4940766"/>
+            <a:ext cx="2861100" cy="471900"/>
           </a:xfrm>
           <a:prstGeom prst="rect">
             <a:avLst/>
@@ -26832,7 +27032,7 @@
       </p:sp>
       <p:sp>
         <p:nvSpPr>
-          <p:cNvPr id="211" name="Google Shape;211;p2"/>
+          <p:cNvPr id="210" name="Google Shape;210;p2"/>
           <p:cNvSpPr/>
           <p:nvPr/>
         </p:nvSpPr>
@@ -26892,7 +27092,7 @@
       </p:sp>
       <p:sp>
         <p:nvSpPr>
-          <p:cNvPr id="212" name="Google Shape;212;p2"/>
+          <p:cNvPr id="211" name="Google Shape;211;p2"/>
           <p:cNvSpPr/>
           <p:nvPr/>
         </p:nvSpPr>
@@ -26958,7 +27158,7 @@
       </p:sp>
       <p:sp>
         <p:nvSpPr>
-          <p:cNvPr id="213" name="Google Shape;213;p2"/>
+          <p:cNvPr id="212" name="Google Shape;212;p2"/>
           <p:cNvSpPr/>
           <p:nvPr/>
         </p:nvSpPr>
@@ -27047,7 +27247,7 @@
   <p:cSld>
     <p:spTree>
       <p:nvGrpSpPr>
-        <p:cNvPr id="326" name="Shape 326"/>
+        <p:cNvPr id="325" name="Shape 325"/>
         <p:cNvGrpSpPr/>
         <p:nvPr/>
       </p:nvGrpSpPr>
@@ -27061,7 +27261,176 @@
       </p:grpSpPr>
       <p:sp>
         <p:nvSpPr>
-          <p:cNvPr id="327" name="Google Shape;327;p18"/>
+          <p:cNvPr id="326" name="Google Shape;326;p17"/>
+          <p:cNvSpPr txBox="1"/>
+          <p:nvPr>
+            <p:ph type="title"/>
+          </p:nvPr>
+        </p:nvSpPr>
+        <p:spPr>
+          <a:xfrm>
+            <a:off x="571500" y="571501"/>
+            <a:ext cx="11010901" cy="952500"/>
+          </a:xfrm>
+          <a:prstGeom prst="rect">
+            <a:avLst/>
+          </a:prstGeom>
+          <a:noFill/>
+          <a:ln>
+            <a:noFill/>
+          </a:ln>
+        </p:spPr>
+        <p:txBody>
+          <a:bodyPr anchorCtr="0" anchor="t" bIns="0" lIns="0" spcFirstLastPara="1" rIns="0" wrap="square" tIns="0">
+            <a:noAutofit/>
+          </a:bodyPr>
+          <a:lstStyle/>
+          <a:p>
+            <a:pPr indent="0" lvl="0" marL="0" rtl="0" algn="l">
+              <a:lnSpc>
+                <a:spcPct val="90000"/>
+              </a:lnSpc>
+              <a:spcBef>
+                <a:spcPts val="0"/>
+              </a:spcBef>
+              <a:spcAft>
+                <a:spcPts val="0"/>
+              </a:spcAft>
+              <a:buClr>
+                <a:srgbClr val="525252"/>
+              </a:buClr>
+              <a:buSzPts val="4000"/>
+              <a:buFont typeface="Arial"/>
+              <a:buNone/>
+            </a:pPr>
+            <a:r>
+              <a:rPr lang="en-US"/>
+              <a:t>FrontendAction</a:t>
+            </a:r>
+            <a:endParaRPr/>
+          </a:p>
+        </p:txBody>
+      </p:sp>
+      <p:sp>
+        <p:nvSpPr>
+          <p:cNvPr id="327" name="Google Shape;327;p17"/>
+          <p:cNvSpPr txBox="1"/>
+          <p:nvPr>
+            <p:ph idx="1" type="body"/>
+          </p:nvPr>
+        </p:nvSpPr>
+        <p:spPr>
+          <a:xfrm>
+            <a:off x="571500" y="1673402"/>
+            <a:ext cx="5288525" cy="4584830"/>
+          </a:xfrm>
+          <a:prstGeom prst="rect">
+            <a:avLst/>
+          </a:prstGeom>
+          <a:noFill/>
+          <a:ln>
+            <a:noFill/>
+          </a:ln>
+        </p:spPr>
+        <p:txBody>
+          <a:bodyPr anchorCtr="0" anchor="t" bIns="0" lIns="0" spcFirstLastPara="1" rIns="0" wrap="square" tIns="0">
+            <a:normAutofit/>
+          </a:bodyPr>
+          <a:lstStyle/>
+          <a:p>
+            <a:pPr indent="-228600" lvl="0" marL="228600" rtl="0" algn="l">
+              <a:lnSpc>
+                <a:spcPct val="100000"/>
+              </a:lnSpc>
+              <a:spcBef>
+                <a:spcPts val="0"/>
+              </a:spcBef>
+              <a:spcAft>
+                <a:spcPts val="0"/>
+              </a:spcAft>
+              <a:buClr>
+                <a:schemeClr val="lt2"/>
+              </a:buClr>
+              <a:buSzPts val="2800"/>
+              <a:buChar char="▪"/>
+            </a:pPr>
+            <a:r>
+              <a:rPr lang="en-US"/>
+              <a:t>FrontendActions are entry points for Clang-based tools (including Clang compiler)</a:t>
+            </a:r>
+            <a:endParaRPr/>
+          </a:p>
+        </p:txBody>
+      </p:sp>
+      <p:pic>
+        <p:nvPicPr>
+          <p:cNvPr id="328" name="Google Shape;328;p17"/>
+          <p:cNvPicPr preferRelativeResize="0"/>
+          <p:nvPr>
+            <p:ph idx="2" type="body"/>
+          </p:nvPr>
+        </p:nvPicPr>
+        <p:blipFill rotWithShape="1">
+          <a:blip r:embed="rId3">
+            <a:alphaModFix/>
+          </a:blip>
+          <a:srcRect b="0" l="0" r="0" t="0"/>
+          <a:stretch/>
+        </p:blipFill>
+        <p:spPr>
+          <a:xfrm>
+            <a:off x="847035" y="3592011"/>
+            <a:ext cx="10675800" cy="2215500"/>
+          </a:xfrm>
+          <a:prstGeom prst="rect">
+            <a:avLst/>
+          </a:prstGeom>
+          <a:noFill/>
+          <a:ln>
+            <a:noFill/>
+          </a:ln>
+        </p:spPr>
+      </p:pic>
+    </p:spTree>
+  </p:cSld>
+  <p:clrMapOvr>
+    <a:masterClrMapping/>
+  </p:clrMapOvr>
+  <mc:AlternateContent>
+    <mc:Choice Requires="p14">
+      <p:transition spd="slow" p14:dur="700">
+        <p:fade/>
+      </p:transition>
+    </mc:Choice>
+    <mc:Fallback>
+      <p:transition spd="slow">
+        <p:fade/>
+      </p:transition>
+    </mc:Fallback>
+  </mc:AlternateContent>
+</p:sld>
+</file>
+
+<file path=ppt/slides/slide21.xml><?xml version="1.0" encoding="utf-8"?>
+<p:sld xmlns:a="http://schemas.openxmlformats.org/drawingml/2006/main" xmlns:r="http://schemas.openxmlformats.org/officeDocument/2006/relationships" xmlns:mc="http://schemas.openxmlformats.org/markup-compatibility/2006" xmlns:mv="urn:schemas-microsoft-com:mac:vml" xmlns:p="http://schemas.openxmlformats.org/presentationml/2006/main" xmlns:c="http://schemas.openxmlformats.org/drawingml/2006/chart" xmlns:dgm="http://schemas.openxmlformats.org/drawingml/2006/diagram" xmlns:o="urn:schemas-microsoft-com:office:office" xmlns:v="urn:schemas-microsoft-com:vml" xmlns:pvml="urn:schemas-microsoft-com:office:powerpoint" xmlns:com="http://schemas.openxmlformats.org/drawingml/2006/compatibility" xmlns:p14="http://schemas.microsoft.com/office/powerpoint/2010/main" xmlns:p15="http://schemas.microsoft.com/office/powerpoint/2012/main" xmlns:ahyp="http://schemas.microsoft.com/office/drawing/2018/hyperlinkcolor">
+  <p:cSld>
+    <p:spTree>
+      <p:nvGrpSpPr>
+        <p:cNvPr id="332" name="Shape 332"/>
+        <p:cNvGrpSpPr/>
+        <p:nvPr/>
+      </p:nvGrpSpPr>
+      <p:grpSpPr>
+        <a:xfrm>
+          <a:off x="0" y="0"/>
+          <a:ext cx="0" cy="0"/>
+          <a:chOff x="0" y="0"/>
+          <a:chExt cx="0" cy="0"/>
+        </a:xfrm>
+      </p:grpSpPr>
+      <p:sp>
+        <p:nvSpPr>
+          <p:cNvPr id="333" name="Google Shape;333;p18"/>
           <p:cNvSpPr txBox="1"/>
           <p:nvPr>
             <p:ph type="title"/>
@@ -27113,7 +27482,7 @@
       </p:sp>
       <p:sp>
         <p:nvSpPr>
-          <p:cNvPr id="328" name="Google Shape;328;p18"/>
+          <p:cNvPr id="334" name="Google Shape;334;p18"/>
           <p:cNvSpPr txBox="1"/>
           <p:nvPr>
             <p:ph idx="1" type="body"/>
@@ -27328,7 +27697,7 @@
       </p:sp>
       <p:pic>
         <p:nvPicPr>
-          <p:cNvPr id="329" name="Google Shape;329;p18"/>
+          <p:cNvPr id="335" name="Google Shape;335;p18"/>
           <p:cNvPicPr preferRelativeResize="0"/>
           <p:nvPr/>
         </p:nvPicPr>
@@ -27373,12 +27742,12 @@
 </p:sld>
 </file>
 
-<file path=ppt/slides/slide21.xml><?xml version="1.0" encoding="utf-8"?>
+<file path=ppt/slides/slide22.xml><?xml version="1.0" encoding="utf-8"?>
 <p:sld xmlns:a="http://schemas.openxmlformats.org/drawingml/2006/main" xmlns:r="http://schemas.openxmlformats.org/officeDocument/2006/relationships" xmlns:mc="http://schemas.openxmlformats.org/markup-compatibility/2006" xmlns:mv="urn:schemas-microsoft-com:mac:vml" xmlns:p="http://schemas.openxmlformats.org/presentationml/2006/main" xmlns:c="http://schemas.openxmlformats.org/drawingml/2006/chart" xmlns:dgm="http://schemas.openxmlformats.org/drawingml/2006/diagram" xmlns:o="urn:schemas-microsoft-com:office:office" xmlns:v="urn:schemas-microsoft-com:vml" xmlns:pvml="urn:schemas-microsoft-com:office:powerpoint" xmlns:com="http://schemas.openxmlformats.org/drawingml/2006/compatibility" xmlns:p14="http://schemas.microsoft.com/office/powerpoint/2010/main" xmlns:p15="http://schemas.microsoft.com/office/powerpoint/2012/main" xmlns:ahyp="http://schemas.microsoft.com/office/drawing/2018/hyperlinkcolor">
   <p:cSld>
     <p:spTree>
       <p:nvGrpSpPr>
-        <p:cNvPr id="333" name="Shape 333"/>
+        <p:cNvPr id="339" name="Shape 339"/>
         <p:cNvGrpSpPr/>
         <p:nvPr/>
       </p:nvGrpSpPr>
@@ -27392,7 +27761,7 @@
       </p:grpSpPr>
       <p:sp>
         <p:nvSpPr>
-          <p:cNvPr id="334" name="Google Shape;334;p19"/>
+          <p:cNvPr id="340" name="Google Shape;340;p19"/>
           <p:cNvSpPr txBox="1"/>
           <p:nvPr>
             <p:ph type="title"/>
@@ -27444,7 +27813,7 @@
       </p:sp>
       <p:sp>
         <p:nvSpPr>
-          <p:cNvPr id="335" name="Google Shape;335;p19"/>
+          <p:cNvPr id="341" name="Google Shape;341;p19"/>
           <p:cNvSpPr txBox="1"/>
           <p:nvPr>
             <p:ph idx="1" type="body"/>
@@ -27623,7 +27992,7 @@
       </p:sp>
       <p:pic>
         <p:nvPicPr>
-          <p:cNvPr id="336" name="Google Shape;336;p19"/>
+          <p:cNvPr id="342" name="Google Shape;342;p19"/>
           <p:cNvPicPr preferRelativeResize="0"/>
           <p:nvPr/>
         </p:nvPicPr>
@@ -27639,268 +28008,6 @@
           <a:xfrm>
             <a:off x="3905125" y="4784425"/>
             <a:ext cx="6961802" cy="2073575"/>
-          </a:xfrm>
-          <a:prstGeom prst="rect">
-            <a:avLst/>
-          </a:prstGeom>
-          <a:noFill/>
-          <a:ln>
-            <a:noFill/>
-          </a:ln>
-        </p:spPr>
-      </p:pic>
-    </p:spTree>
-  </p:cSld>
-  <p:clrMapOvr>
-    <a:masterClrMapping/>
-  </p:clrMapOvr>
-  <mc:AlternateContent>
-    <mc:Choice Requires="p14">
-      <p:transition spd="slow" p14:dur="700">
-        <p:fade/>
-      </p:transition>
-    </mc:Choice>
-    <mc:Fallback>
-      <p:transition spd="slow">
-        <p:fade/>
-      </p:transition>
-    </mc:Fallback>
-  </mc:AlternateContent>
-</p:sld>
-</file>
-
-<file path=ppt/slides/slide22.xml><?xml version="1.0" encoding="utf-8"?>
-<p:sld xmlns:a="http://schemas.openxmlformats.org/drawingml/2006/main" xmlns:r="http://schemas.openxmlformats.org/officeDocument/2006/relationships" xmlns:mc="http://schemas.openxmlformats.org/markup-compatibility/2006" xmlns:mv="urn:schemas-microsoft-com:mac:vml" xmlns:p="http://schemas.openxmlformats.org/presentationml/2006/main" xmlns:c="http://schemas.openxmlformats.org/drawingml/2006/chart" xmlns:dgm="http://schemas.openxmlformats.org/drawingml/2006/diagram" xmlns:o="urn:schemas-microsoft-com:office:office" xmlns:v="urn:schemas-microsoft-com:vml" xmlns:pvml="urn:schemas-microsoft-com:office:powerpoint" xmlns:com="http://schemas.openxmlformats.org/drawingml/2006/compatibility" xmlns:p14="http://schemas.microsoft.com/office/powerpoint/2010/main" xmlns:p15="http://schemas.microsoft.com/office/powerpoint/2012/main" xmlns:ahyp="http://schemas.microsoft.com/office/drawing/2018/hyperlinkcolor">
-  <p:cSld>
-    <p:spTree>
-      <p:nvGrpSpPr>
-        <p:cNvPr id="340" name="Shape 340"/>
-        <p:cNvGrpSpPr/>
-        <p:nvPr/>
-      </p:nvGrpSpPr>
-      <p:grpSpPr>
-        <a:xfrm>
-          <a:off x="0" y="0"/>
-          <a:ext cx="0" cy="0"/>
-          <a:chOff x="0" y="0"/>
-          <a:chExt cx="0" cy="0"/>
-        </a:xfrm>
-      </p:grpSpPr>
-      <p:sp>
-        <p:nvSpPr>
-          <p:cNvPr id="341" name="Google Shape;341;p20"/>
-          <p:cNvSpPr txBox="1"/>
-          <p:nvPr>
-            <p:ph type="title"/>
-          </p:nvPr>
-        </p:nvSpPr>
-        <p:spPr>
-          <a:xfrm>
-            <a:off x="571370" y="571500"/>
-            <a:ext cx="11010816" cy="952499"/>
-          </a:xfrm>
-          <a:prstGeom prst="rect">
-            <a:avLst/>
-          </a:prstGeom>
-          <a:noFill/>
-          <a:ln>
-            <a:noFill/>
-          </a:ln>
-        </p:spPr>
-        <p:txBody>
-          <a:bodyPr anchorCtr="0" anchor="t" bIns="0" lIns="0" spcFirstLastPara="1" rIns="0" wrap="square" tIns="0">
-            <a:noAutofit/>
-          </a:bodyPr>
-          <a:lstStyle/>
-          <a:p>
-            <a:pPr indent="0" lvl="0" marL="0" rtl="0" algn="l">
-              <a:lnSpc>
-                <a:spcPct val="90000"/>
-              </a:lnSpc>
-              <a:spcBef>
-                <a:spcPts val="0"/>
-              </a:spcBef>
-              <a:spcAft>
-                <a:spcPts val="0"/>
-              </a:spcAft>
-              <a:buClr>
-                <a:srgbClr val="525252"/>
-              </a:buClr>
-              <a:buSzPts val="4000"/>
-              <a:buFont typeface="Arial"/>
-              <a:buNone/>
-            </a:pPr>
-            <a:r>
-              <a:rPr lang="en-US"/>
-              <a:t>Clang Transformer</a:t>
-            </a:r>
-            <a:endParaRPr/>
-          </a:p>
-        </p:txBody>
-      </p:sp>
-      <p:sp>
-        <p:nvSpPr>
-          <p:cNvPr id="342" name="Google Shape;342;p20"/>
-          <p:cNvSpPr txBox="1"/>
-          <p:nvPr>
-            <p:ph idx="1" type="body"/>
-          </p:nvPr>
-        </p:nvSpPr>
-        <p:spPr>
-          <a:xfrm>
-            <a:off x="571370" y="1673455"/>
-            <a:ext cx="11010900" cy="1755546"/>
-          </a:xfrm>
-          <a:prstGeom prst="rect">
-            <a:avLst/>
-          </a:prstGeom>
-          <a:noFill/>
-          <a:ln>
-            <a:noFill/>
-          </a:ln>
-        </p:spPr>
-        <p:txBody>
-          <a:bodyPr anchorCtr="0" anchor="t" bIns="0" lIns="0" spcFirstLastPara="1" rIns="0" wrap="square" tIns="0">
-            <a:normAutofit/>
-          </a:bodyPr>
-          <a:lstStyle/>
-          <a:p>
-            <a:pPr indent="-228600" lvl="0" marL="228600" rtl="0" algn="l">
-              <a:lnSpc>
-                <a:spcPct val="100000"/>
-              </a:lnSpc>
-              <a:spcBef>
-                <a:spcPts val="0"/>
-              </a:spcBef>
-              <a:spcAft>
-                <a:spcPts val="0"/>
-              </a:spcAft>
-              <a:buClr>
-                <a:schemeClr val="lt2"/>
-              </a:buClr>
-              <a:buSzPts val="2800"/>
-              <a:buChar char="▪"/>
-            </a:pPr>
-            <a:r>
-              <a:rPr lang="en-US"/>
-              <a:t>Framework for writing C++ diagnostics and source transformations</a:t>
-            </a:r>
-            <a:endParaRPr/>
-          </a:p>
-          <a:p>
-            <a:pPr indent="-228600" lvl="0" marL="228600" rtl="0" algn="l">
-              <a:lnSpc>
-                <a:spcPct val="100000"/>
-              </a:lnSpc>
-              <a:spcBef>
-                <a:spcPts val="1200"/>
-              </a:spcBef>
-              <a:spcAft>
-                <a:spcPts val="0"/>
-              </a:spcAft>
-              <a:buClr>
-                <a:schemeClr val="lt2"/>
-              </a:buClr>
-              <a:buSzPts val="2800"/>
-              <a:buChar char="▪"/>
-            </a:pPr>
-            <a:r>
-              <a:rPr lang="en-US"/>
-              <a:t>Built on Matchers interface and LibTooling</a:t>
-            </a:r>
-            <a:endParaRPr/>
-          </a:p>
-          <a:p>
-            <a:pPr indent="-228600" lvl="0" marL="228600" rtl="0" algn="l">
-              <a:lnSpc>
-                <a:spcPct val="100000"/>
-              </a:lnSpc>
-              <a:spcBef>
-                <a:spcPts val="1200"/>
-              </a:spcBef>
-              <a:spcAft>
-                <a:spcPts val="0"/>
-              </a:spcAft>
-              <a:buClr>
-                <a:schemeClr val="lt2"/>
-              </a:buClr>
-              <a:buSzPts val="2800"/>
-              <a:buChar char="▪"/>
-            </a:pPr>
-            <a:r>
-              <a:rPr lang="en-US"/>
-              <a:t>Rule examples:</a:t>
-            </a:r>
-            <a:endParaRPr/>
-          </a:p>
-          <a:p>
-            <a:pPr indent="-50800" lvl="0" marL="228600" rtl="0" algn="l">
-              <a:lnSpc>
-                <a:spcPct val="100000"/>
-              </a:lnSpc>
-              <a:spcBef>
-                <a:spcPts val="1200"/>
-              </a:spcBef>
-              <a:spcAft>
-                <a:spcPts val="0"/>
-              </a:spcAft>
-              <a:buClr>
-                <a:schemeClr val="lt2"/>
-              </a:buClr>
-              <a:buSzPts val="2800"/>
-              <a:buNone/>
-            </a:pPr>
-            <a:r>
-              <a:t/>
-            </a:r>
-            <a:endParaRPr/>
-          </a:p>
-        </p:txBody>
-      </p:sp>
-      <p:pic>
-        <p:nvPicPr>
-          <p:cNvPr id="343" name="Google Shape;343;p20"/>
-          <p:cNvPicPr preferRelativeResize="0"/>
-          <p:nvPr/>
-        </p:nvPicPr>
-        <p:blipFill rotWithShape="1">
-          <a:blip r:embed="rId3">
-            <a:alphaModFix/>
-          </a:blip>
-          <a:srcRect b="0" l="0" r="0" t="0"/>
-          <a:stretch/>
-        </p:blipFill>
-        <p:spPr>
-          <a:xfrm>
-            <a:off x="856445" y="3429001"/>
-            <a:ext cx="10479110" cy="1066933"/>
-          </a:xfrm>
-          <a:prstGeom prst="rect">
-            <a:avLst/>
-          </a:prstGeom>
-          <a:noFill/>
-          <a:ln>
-            <a:noFill/>
-          </a:ln>
-        </p:spPr>
-      </p:pic>
-      <p:pic>
-        <p:nvPicPr>
-          <p:cNvPr id="344" name="Google Shape;344;p20"/>
-          <p:cNvPicPr preferRelativeResize="0"/>
-          <p:nvPr/>
-        </p:nvPicPr>
-        <p:blipFill rotWithShape="1">
-          <a:blip r:embed="rId4">
-            <a:alphaModFix/>
-          </a:blip>
-          <a:srcRect b="0" l="0" r="0" t="0"/>
-          <a:stretch/>
-        </p:blipFill>
-        <p:spPr>
-          <a:xfrm>
-            <a:off x="2301213" y="4745155"/>
-            <a:ext cx="7589574" cy="982579"/>
           </a:xfrm>
           <a:prstGeom prst="rect">
             <a:avLst/>
@@ -27936,7 +28043,7 @@
   <p:cSld>
     <p:spTree>
       <p:nvGrpSpPr>
-        <p:cNvPr id="348" name="Shape 348"/>
+        <p:cNvPr id="346" name="Shape 346"/>
         <p:cNvGrpSpPr/>
         <p:nvPr/>
       </p:nvGrpSpPr>
@@ -27950,7 +28057,7 @@
       </p:grpSpPr>
       <p:sp>
         <p:nvSpPr>
-          <p:cNvPr id="349" name="Google Shape;349;p21"/>
+          <p:cNvPr id="347" name="Google Shape;347;p20"/>
           <p:cNvSpPr txBox="1"/>
           <p:nvPr>
             <p:ph type="title"/>
@@ -27994,7 +28101,7 @@
             </a:pPr>
             <a:r>
               <a:rPr lang="en-US"/>
-              <a:t>clang-tidy</a:t>
+              <a:t>Clang Transformer</a:t>
             </a:r>
             <a:endParaRPr/>
           </a:p>
@@ -28002,7 +28109,7 @@
       </p:sp>
       <p:sp>
         <p:nvSpPr>
-          <p:cNvPr id="350" name="Google Shape;350;p21"/>
+          <p:cNvPr id="348" name="Google Shape;348;p20"/>
           <p:cNvSpPr txBox="1"/>
           <p:nvPr>
             <p:ph idx="1" type="body"/>
@@ -28010,8 +28117,8 @@
         </p:nvSpPr>
         <p:spPr>
           <a:xfrm>
-            <a:off x="571370" y="1673454"/>
-            <a:ext cx="11010900" cy="4574947"/>
+            <a:off x="571370" y="1673455"/>
+            <a:ext cx="11010900" cy="1755546"/>
           </a:xfrm>
           <a:prstGeom prst="rect">
             <a:avLst/>
@@ -28045,7 +28152,7 @@
             </a:pPr>
             <a:r>
               <a:rPr lang="en-US"/>
-              <a:t>Clang-based linter tool</a:t>
+              <a:t>Framework for writing C++ diagnostics and source transformations</a:t>
             </a:r>
             <a:endParaRPr/>
           </a:p>
@@ -28068,12 +28175,12 @@
             </a:pPr>
             <a:r>
               <a:rPr lang="en-US"/>
-              <a:t>Provides rules for many standards, including:</a:t>
+              <a:t>Built on Matchers interface and LibTooling</a:t>
             </a:r>
             <a:endParaRPr/>
           </a:p>
           <a:p>
-            <a:pPr indent="-203200" lvl="1" marL="431800" rtl="0" algn="l">
+            <a:pPr indent="-228600" lvl="0" marL="228600" rtl="0" algn="l">
               <a:lnSpc>
                 <a:spcPct val="100000"/>
               </a:lnSpc>
@@ -28086,17 +28193,17 @@
               <a:buClr>
                 <a:schemeClr val="lt2"/>
               </a:buClr>
-              <a:buSzPts val="2400"/>
-              <a:buChar char="•"/>
+              <a:buSzPts val="2800"/>
+              <a:buChar char="▪"/>
             </a:pPr>
             <a:r>
               <a:rPr lang="en-US"/>
-              <a:t>C++ core guidelines</a:t>
+              <a:t>Rule examples:</a:t>
             </a:r>
             <a:endParaRPr/>
           </a:p>
           <a:p>
-            <a:pPr indent="-203200" lvl="1" marL="431800" rtl="0" algn="l">
+            <a:pPr indent="-50800" lvl="0" marL="228600" rtl="0" algn="l">
               <a:lnSpc>
                 <a:spcPct val="100000"/>
               </a:lnSpc>
@@ -28109,109 +28216,70 @@
               <a:buClr>
                 <a:schemeClr val="lt2"/>
               </a:buClr>
-              <a:buSzPts val="2400"/>
-              <a:buChar char="•"/>
+              <a:buSzPts val="2800"/>
+              <a:buNone/>
             </a:pPr>
             <a:r>
-              <a:rPr lang="en-US"/>
-              <a:t>Abseil</a:t>
-            </a:r>
-            <a:endParaRPr/>
-          </a:p>
-          <a:p>
-            <a:pPr indent="-203200" lvl="1" marL="431800" rtl="0" algn="l">
-              <a:lnSpc>
-                <a:spcPct val="100000"/>
-              </a:lnSpc>
-              <a:spcBef>
-                <a:spcPts val="1200"/>
-              </a:spcBef>
-              <a:spcAft>
-                <a:spcPts val="0"/>
-              </a:spcAft>
-              <a:buClr>
-                <a:schemeClr val="lt2"/>
-              </a:buClr>
-              <a:buSzPts val="2400"/>
-              <a:buChar char="•"/>
-            </a:pPr>
-            <a:r>
-              <a:rPr lang="en-US"/>
-              <a:t>Google</a:t>
-            </a:r>
-            <a:endParaRPr/>
-          </a:p>
-          <a:p>
-            <a:pPr indent="-203200" lvl="1" marL="431800" rtl="0" algn="l">
-              <a:lnSpc>
-                <a:spcPct val="100000"/>
-              </a:lnSpc>
-              <a:spcBef>
-                <a:spcPts val="1200"/>
-              </a:spcBef>
-              <a:spcAft>
-                <a:spcPts val="0"/>
-              </a:spcAft>
-              <a:buClr>
-                <a:schemeClr val="lt2"/>
-              </a:buClr>
-              <a:buSzPts val="2400"/>
-              <a:buChar char="•"/>
-            </a:pPr>
-            <a:r>
-              <a:rPr lang="en-US"/>
-              <a:t>CERT</a:t>
-            </a:r>
-            <a:endParaRPr/>
-          </a:p>
-          <a:p>
-            <a:pPr indent="-203200" lvl="1" marL="431800" rtl="0" algn="l">
-              <a:lnSpc>
-                <a:spcPct val="100000"/>
-              </a:lnSpc>
-              <a:spcBef>
-                <a:spcPts val="1200"/>
-              </a:spcBef>
-              <a:spcAft>
-                <a:spcPts val="0"/>
-              </a:spcAft>
-              <a:buClr>
-                <a:schemeClr val="lt2"/>
-              </a:buClr>
-              <a:buSzPts val="2400"/>
-              <a:buChar char="•"/>
-            </a:pPr>
-            <a:r>
-              <a:rPr lang="en-US"/>
-              <a:t>Linux Kernel</a:t>
-            </a:r>
-            <a:endParaRPr/>
-          </a:p>
-          <a:p>
-            <a:pPr indent="-203200" lvl="1" marL="431800" rtl="0" algn="l">
-              <a:lnSpc>
-                <a:spcPct val="100000"/>
-              </a:lnSpc>
-              <a:spcBef>
-                <a:spcPts val="1200"/>
-              </a:spcBef>
-              <a:spcAft>
-                <a:spcPts val="0"/>
-              </a:spcAft>
-              <a:buClr>
-                <a:schemeClr val="lt2"/>
-              </a:buClr>
-              <a:buSzPts val="2400"/>
-              <a:buChar char="•"/>
-            </a:pPr>
-            <a:r>
-              <a:rPr lang="en-US"/>
-              <a:t>LLVM</a:t>
+              <a:t/>
             </a:r>
             <a:endParaRPr/>
           </a:p>
         </p:txBody>
       </p:sp>
+      <p:pic>
+        <p:nvPicPr>
+          <p:cNvPr id="349" name="Google Shape;349;p20"/>
+          <p:cNvPicPr preferRelativeResize="0"/>
+          <p:nvPr/>
+        </p:nvPicPr>
+        <p:blipFill rotWithShape="1">
+          <a:blip r:embed="rId3">
+            <a:alphaModFix/>
+          </a:blip>
+          <a:srcRect b="0" l="0" r="0" t="0"/>
+          <a:stretch/>
+        </p:blipFill>
+        <p:spPr>
+          <a:xfrm>
+            <a:off x="856445" y="3429001"/>
+            <a:ext cx="10479110" cy="1066933"/>
+          </a:xfrm>
+          <a:prstGeom prst="rect">
+            <a:avLst/>
+          </a:prstGeom>
+          <a:noFill/>
+          <a:ln>
+            <a:noFill/>
+          </a:ln>
+        </p:spPr>
+      </p:pic>
+      <p:pic>
+        <p:nvPicPr>
+          <p:cNvPr id="350" name="Google Shape;350;p20"/>
+          <p:cNvPicPr preferRelativeResize="0"/>
+          <p:nvPr/>
+        </p:nvPicPr>
+        <p:blipFill rotWithShape="1">
+          <a:blip r:embed="rId4">
+            <a:alphaModFix/>
+          </a:blip>
+          <a:srcRect b="0" l="0" r="0" t="0"/>
+          <a:stretch/>
+        </p:blipFill>
+        <p:spPr>
+          <a:xfrm>
+            <a:off x="2301213" y="4745155"/>
+            <a:ext cx="7589574" cy="982579"/>
+          </a:xfrm>
+          <a:prstGeom prst="rect">
+            <a:avLst/>
+          </a:prstGeom>
+          <a:noFill/>
+          <a:ln>
+            <a:noFill/>
+          </a:ln>
+        </p:spPr>
+      </p:pic>
     </p:spTree>
   </p:cSld>
   <p:clrMapOvr>
@@ -28251,7 +28319,308 @@
       </p:grpSpPr>
       <p:sp>
         <p:nvSpPr>
-          <p:cNvPr id="355" name="Google Shape;355;p22"/>
+          <p:cNvPr id="355" name="Google Shape;355;p21"/>
+          <p:cNvSpPr txBox="1"/>
+          <p:nvPr>
+            <p:ph type="title"/>
+          </p:nvPr>
+        </p:nvSpPr>
+        <p:spPr>
+          <a:xfrm>
+            <a:off x="571370" y="571500"/>
+            <a:ext cx="11010816" cy="952499"/>
+          </a:xfrm>
+          <a:prstGeom prst="rect">
+            <a:avLst/>
+          </a:prstGeom>
+          <a:noFill/>
+          <a:ln>
+            <a:noFill/>
+          </a:ln>
+        </p:spPr>
+        <p:txBody>
+          <a:bodyPr anchorCtr="0" anchor="t" bIns="0" lIns="0" spcFirstLastPara="1" rIns="0" wrap="square" tIns="0">
+            <a:noAutofit/>
+          </a:bodyPr>
+          <a:lstStyle/>
+          <a:p>
+            <a:pPr indent="0" lvl="0" marL="0" rtl="0" algn="l">
+              <a:lnSpc>
+                <a:spcPct val="90000"/>
+              </a:lnSpc>
+              <a:spcBef>
+                <a:spcPts val="0"/>
+              </a:spcBef>
+              <a:spcAft>
+                <a:spcPts val="0"/>
+              </a:spcAft>
+              <a:buClr>
+                <a:srgbClr val="525252"/>
+              </a:buClr>
+              <a:buSzPts val="4000"/>
+              <a:buFont typeface="Arial"/>
+              <a:buNone/>
+            </a:pPr>
+            <a:r>
+              <a:rPr lang="en-US"/>
+              <a:t>clang-tidy</a:t>
+            </a:r>
+            <a:endParaRPr/>
+          </a:p>
+        </p:txBody>
+      </p:sp>
+      <p:sp>
+        <p:nvSpPr>
+          <p:cNvPr id="356" name="Google Shape;356;p21"/>
+          <p:cNvSpPr txBox="1"/>
+          <p:nvPr>
+            <p:ph idx="1" type="body"/>
+          </p:nvPr>
+        </p:nvSpPr>
+        <p:spPr>
+          <a:xfrm>
+            <a:off x="571370" y="1673454"/>
+            <a:ext cx="11010900" cy="4574947"/>
+          </a:xfrm>
+          <a:prstGeom prst="rect">
+            <a:avLst/>
+          </a:prstGeom>
+          <a:noFill/>
+          <a:ln>
+            <a:noFill/>
+          </a:ln>
+        </p:spPr>
+        <p:txBody>
+          <a:bodyPr anchorCtr="0" anchor="t" bIns="0" lIns="0" spcFirstLastPara="1" rIns="0" wrap="square" tIns="0">
+            <a:normAutofit/>
+          </a:bodyPr>
+          <a:lstStyle/>
+          <a:p>
+            <a:pPr indent="-228600" lvl="0" marL="228600" rtl="0" algn="l">
+              <a:lnSpc>
+                <a:spcPct val="100000"/>
+              </a:lnSpc>
+              <a:spcBef>
+                <a:spcPts val="0"/>
+              </a:spcBef>
+              <a:spcAft>
+                <a:spcPts val="0"/>
+              </a:spcAft>
+              <a:buClr>
+                <a:schemeClr val="lt2"/>
+              </a:buClr>
+              <a:buSzPts val="2800"/>
+              <a:buChar char="▪"/>
+            </a:pPr>
+            <a:r>
+              <a:rPr lang="en-US"/>
+              <a:t>Clang-based linter tool</a:t>
+            </a:r>
+            <a:endParaRPr/>
+          </a:p>
+          <a:p>
+            <a:pPr indent="-228600" lvl="0" marL="228600" rtl="0" algn="l">
+              <a:lnSpc>
+                <a:spcPct val="100000"/>
+              </a:lnSpc>
+              <a:spcBef>
+                <a:spcPts val="1200"/>
+              </a:spcBef>
+              <a:spcAft>
+                <a:spcPts val="0"/>
+              </a:spcAft>
+              <a:buClr>
+                <a:schemeClr val="lt2"/>
+              </a:buClr>
+              <a:buSzPts val="2800"/>
+              <a:buChar char="▪"/>
+            </a:pPr>
+            <a:r>
+              <a:rPr lang="en-US"/>
+              <a:t>Provides rules for many standards, including:</a:t>
+            </a:r>
+            <a:endParaRPr/>
+          </a:p>
+          <a:p>
+            <a:pPr indent="-203200" lvl="1" marL="431800" rtl="0" algn="l">
+              <a:lnSpc>
+                <a:spcPct val="100000"/>
+              </a:lnSpc>
+              <a:spcBef>
+                <a:spcPts val="1200"/>
+              </a:spcBef>
+              <a:spcAft>
+                <a:spcPts val="0"/>
+              </a:spcAft>
+              <a:buClr>
+                <a:schemeClr val="lt2"/>
+              </a:buClr>
+              <a:buSzPts val="2400"/>
+              <a:buChar char="•"/>
+            </a:pPr>
+            <a:r>
+              <a:rPr lang="en-US"/>
+              <a:t>C++ core guidelines</a:t>
+            </a:r>
+            <a:endParaRPr/>
+          </a:p>
+          <a:p>
+            <a:pPr indent="-203200" lvl="1" marL="431800" rtl="0" algn="l">
+              <a:lnSpc>
+                <a:spcPct val="100000"/>
+              </a:lnSpc>
+              <a:spcBef>
+                <a:spcPts val="1200"/>
+              </a:spcBef>
+              <a:spcAft>
+                <a:spcPts val="0"/>
+              </a:spcAft>
+              <a:buClr>
+                <a:schemeClr val="lt2"/>
+              </a:buClr>
+              <a:buSzPts val="2400"/>
+              <a:buChar char="•"/>
+            </a:pPr>
+            <a:r>
+              <a:rPr lang="en-US"/>
+              <a:t>Abseil</a:t>
+            </a:r>
+            <a:endParaRPr/>
+          </a:p>
+          <a:p>
+            <a:pPr indent="-203200" lvl="1" marL="431800" rtl="0" algn="l">
+              <a:lnSpc>
+                <a:spcPct val="100000"/>
+              </a:lnSpc>
+              <a:spcBef>
+                <a:spcPts val="1200"/>
+              </a:spcBef>
+              <a:spcAft>
+                <a:spcPts val="0"/>
+              </a:spcAft>
+              <a:buClr>
+                <a:schemeClr val="lt2"/>
+              </a:buClr>
+              <a:buSzPts val="2400"/>
+              <a:buChar char="•"/>
+            </a:pPr>
+            <a:r>
+              <a:rPr lang="en-US"/>
+              <a:t>Google</a:t>
+            </a:r>
+            <a:endParaRPr/>
+          </a:p>
+          <a:p>
+            <a:pPr indent="-203200" lvl="1" marL="431800" rtl="0" algn="l">
+              <a:lnSpc>
+                <a:spcPct val="100000"/>
+              </a:lnSpc>
+              <a:spcBef>
+                <a:spcPts val="1200"/>
+              </a:spcBef>
+              <a:spcAft>
+                <a:spcPts val="0"/>
+              </a:spcAft>
+              <a:buClr>
+                <a:schemeClr val="lt2"/>
+              </a:buClr>
+              <a:buSzPts val="2400"/>
+              <a:buChar char="•"/>
+            </a:pPr>
+            <a:r>
+              <a:rPr lang="en-US"/>
+              <a:t>CERT</a:t>
+            </a:r>
+            <a:endParaRPr/>
+          </a:p>
+          <a:p>
+            <a:pPr indent="-203200" lvl="1" marL="431800" rtl="0" algn="l">
+              <a:lnSpc>
+                <a:spcPct val="100000"/>
+              </a:lnSpc>
+              <a:spcBef>
+                <a:spcPts val="1200"/>
+              </a:spcBef>
+              <a:spcAft>
+                <a:spcPts val="0"/>
+              </a:spcAft>
+              <a:buClr>
+                <a:schemeClr val="lt2"/>
+              </a:buClr>
+              <a:buSzPts val="2400"/>
+              <a:buChar char="•"/>
+            </a:pPr>
+            <a:r>
+              <a:rPr lang="en-US"/>
+              <a:t>Linux Kernel</a:t>
+            </a:r>
+            <a:endParaRPr/>
+          </a:p>
+          <a:p>
+            <a:pPr indent="-203200" lvl="1" marL="431800" rtl="0" algn="l">
+              <a:lnSpc>
+                <a:spcPct val="100000"/>
+              </a:lnSpc>
+              <a:spcBef>
+                <a:spcPts val="1200"/>
+              </a:spcBef>
+              <a:spcAft>
+                <a:spcPts val="0"/>
+              </a:spcAft>
+              <a:buClr>
+                <a:schemeClr val="lt2"/>
+              </a:buClr>
+              <a:buSzPts val="2400"/>
+              <a:buChar char="•"/>
+            </a:pPr>
+            <a:r>
+              <a:rPr lang="en-US"/>
+              <a:t>LLVM</a:t>
+            </a:r>
+            <a:endParaRPr/>
+          </a:p>
+        </p:txBody>
+      </p:sp>
+    </p:spTree>
+  </p:cSld>
+  <p:clrMapOvr>
+    <a:masterClrMapping/>
+  </p:clrMapOvr>
+  <mc:AlternateContent>
+    <mc:Choice Requires="p14">
+      <p:transition spd="slow" p14:dur="700">
+        <p:fade/>
+      </p:transition>
+    </mc:Choice>
+    <mc:Fallback>
+      <p:transition spd="slow">
+        <p:fade/>
+      </p:transition>
+    </mc:Fallback>
+  </mc:AlternateContent>
+</p:sld>
+</file>
+
+<file path=ppt/slides/slide25.xml><?xml version="1.0" encoding="utf-8"?>
+<p:sld xmlns:a="http://schemas.openxmlformats.org/drawingml/2006/main" xmlns:r="http://schemas.openxmlformats.org/officeDocument/2006/relationships" xmlns:mc="http://schemas.openxmlformats.org/markup-compatibility/2006" xmlns:mv="urn:schemas-microsoft-com:mac:vml" xmlns:p="http://schemas.openxmlformats.org/presentationml/2006/main" xmlns:c="http://schemas.openxmlformats.org/drawingml/2006/chart" xmlns:dgm="http://schemas.openxmlformats.org/drawingml/2006/diagram" xmlns:o="urn:schemas-microsoft-com:office:office" xmlns:v="urn:schemas-microsoft-com:vml" xmlns:pvml="urn:schemas-microsoft-com:office:powerpoint" xmlns:com="http://schemas.openxmlformats.org/drawingml/2006/compatibility" xmlns:p14="http://schemas.microsoft.com/office/powerpoint/2010/main" xmlns:p15="http://schemas.microsoft.com/office/powerpoint/2012/main" xmlns:ahyp="http://schemas.microsoft.com/office/drawing/2018/hyperlinkcolor">
+  <p:cSld>
+    <p:spTree>
+      <p:nvGrpSpPr>
+        <p:cNvPr id="360" name="Shape 360"/>
+        <p:cNvGrpSpPr/>
+        <p:nvPr/>
+      </p:nvGrpSpPr>
+      <p:grpSpPr>
+        <a:xfrm>
+          <a:off x="0" y="0"/>
+          <a:ext cx="0" cy="0"/>
+          <a:chOff x="0" y="0"/>
+          <a:chExt cx="0" cy="0"/>
+        </a:xfrm>
+      </p:grpSpPr>
+      <p:sp>
+        <p:nvSpPr>
+          <p:cNvPr id="361" name="Google Shape;361;p22"/>
           <p:cNvSpPr txBox="1"/>
           <p:nvPr>
             <p:ph type="title"/>
@@ -28303,7 +28672,7 @@
       </p:sp>
       <p:sp>
         <p:nvSpPr>
-          <p:cNvPr id="356" name="Google Shape;356;p22"/>
+          <p:cNvPr id="362" name="Google Shape;362;p22"/>
           <p:cNvSpPr txBox="1"/>
           <p:nvPr>
             <p:ph idx="1" type="body"/>
@@ -28390,7 +28759,7 @@
       </p:sp>
       <p:pic>
         <p:nvPicPr>
-          <p:cNvPr id="357" name="Google Shape;357;p22"/>
+          <p:cNvPr id="363" name="Google Shape;363;p22"/>
           <p:cNvPicPr preferRelativeResize="0"/>
           <p:nvPr/>
         </p:nvPicPr>
@@ -28417,7 +28786,7 @@
       </p:pic>
       <p:pic>
         <p:nvPicPr>
-          <p:cNvPr id="358" name="Google Shape;358;p22"/>
+          <p:cNvPr id="364" name="Google Shape;364;p22"/>
           <p:cNvPicPr preferRelativeResize="0"/>
           <p:nvPr/>
         </p:nvPicPr>
@@ -28462,12 +28831,12 @@
 </p:sld>
 </file>
 
-<file path=ppt/slides/slide25.xml><?xml version="1.0" encoding="utf-8"?>
+<file path=ppt/slides/slide26.xml><?xml version="1.0" encoding="utf-8"?>
 <p:sld xmlns:a="http://schemas.openxmlformats.org/drawingml/2006/main" xmlns:r="http://schemas.openxmlformats.org/officeDocument/2006/relationships" xmlns:mc="http://schemas.openxmlformats.org/markup-compatibility/2006" xmlns:mv="urn:schemas-microsoft-com:mac:vml" xmlns:p="http://schemas.openxmlformats.org/presentationml/2006/main" xmlns:c="http://schemas.openxmlformats.org/drawingml/2006/chart" xmlns:dgm="http://schemas.openxmlformats.org/drawingml/2006/diagram" xmlns:o="urn:schemas-microsoft-com:office:office" xmlns:v="urn:schemas-microsoft-com:vml" xmlns:pvml="urn:schemas-microsoft-com:office:powerpoint" xmlns:com="http://schemas.openxmlformats.org/drawingml/2006/compatibility" xmlns:p14="http://schemas.microsoft.com/office/powerpoint/2010/main" xmlns:p15="http://schemas.microsoft.com/office/powerpoint/2012/main" xmlns:ahyp="http://schemas.microsoft.com/office/drawing/2018/hyperlinkcolor">
   <p:cSld>
     <p:spTree>
       <p:nvGrpSpPr>
-        <p:cNvPr id="362" name="Shape 362"/>
+        <p:cNvPr id="368" name="Shape 368"/>
         <p:cNvGrpSpPr/>
         <p:nvPr/>
       </p:nvGrpSpPr>
@@ -28481,7 +28850,7 @@
       </p:grpSpPr>
       <p:sp>
         <p:nvSpPr>
-          <p:cNvPr id="363" name="Google Shape;363;p23"/>
+          <p:cNvPr id="369" name="Google Shape;369;p23"/>
           <p:cNvSpPr txBox="1"/>
           <p:nvPr>
             <p:ph type="title"/>
@@ -28533,7 +28902,7 @@
       </p:sp>
       <p:sp>
         <p:nvSpPr>
-          <p:cNvPr id="364" name="Google Shape;364;p23"/>
+          <p:cNvPr id="370" name="Google Shape;370;p23"/>
           <p:cNvSpPr txBox="1"/>
           <p:nvPr>
             <p:ph idx="1" type="body"/>
@@ -28597,7 +28966,7 @@
       </p:sp>
       <p:pic>
         <p:nvPicPr>
-          <p:cNvPr id="365" name="Google Shape;365;p23"/>
+          <p:cNvPr id="371" name="Google Shape;371;p23"/>
           <p:cNvPicPr preferRelativeResize="0"/>
           <p:nvPr/>
         </p:nvPicPr>
@@ -28642,12 +29011,12 @@
 </p:sld>
 </file>
 
-<file path=ppt/slides/slide26.xml><?xml version="1.0" encoding="utf-8"?>
+<file path=ppt/slides/slide27.xml><?xml version="1.0" encoding="utf-8"?>
 <p:sld xmlns:a="http://schemas.openxmlformats.org/drawingml/2006/main" xmlns:r="http://schemas.openxmlformats.org/officeDocument/2006/relationships" xmlns:mc="http://schemas.openxmlformats.org/markup-compatibility/2006" xmlns:mv="urn:schemas-microsoft-com:mac:vml" xmlns:p="http://schemas.openxmlformats.org/presentationml/2006/main" xmlns:c="http://schemas.openxmlformats.org/drawingml/2006/chart" xmlns:dgm="http://schemas.openxmlformats.org/drawingml/2006/diagram" xmlns:o="urn:schemas-microsoft-com:office:office" xmlns:v="urn:schemas-microsoft-com:vml" xmlns:pvml="urn:schemas-microsoft-com:office:powerpoint" xmlns:com="http://schemas.openxmlformats.org/drawingml/2006/compatibility" xmlns:p14="http://schemas.microsoft.com/office/powerpoint/2010/main" xmlns:p15="http://schemas.microsoft.com/office/powerpoint/2012/main" xmlns:ahyp="http://schemas.microsoft.com/office/drawing/2018/hyperlinkcolor">
   <p:cSld>
     <p:spTree>
       <p:nvGrpSpPr>
-        <p:cNvPr id="369" name="Shape 369"/>
+        <p:cNvPr id="375" name="Shape 375"/>
         <p:cNvGrpSpPr/>
         <p:nvPr/>
       </p:nvGrpSpPr>
@@ -28661,7 +29030,7 @@
       </p:grpSpPr>
       <p:sp>
         <p:nvSpPr>
-          <p:cNvPr id="370" name="Google Shape;370;p24"/>
+          <p:cNvPr id="376" name="Google Shape;376;p24"/>
           <p:cNvSpPr txBox="1"/>
           <p:nvPr>
             <p:ph type="title"/>
@@ -28713,7 +29082,7 @@
       </p:sp>
       <p:sp>
         <p:nvSpPr>
-          <p:cNvPr id="371" name="Google Shape;371;p24"/>
+          <p:cNvPr id="377" name="Google Shape;377;p24"/>
           <p:cNvSpPr txBox="1"/>
           <p:nvPr>
             <p:ph idx="1" type="body"/>
@@ -28893,12 +29262,12 @@
 </p:sld>
 </file>
 
-<file path=ppt/slides/slide27.xml><?xml version="1.0" encoding="utf-8"?>
+<file path=ppt/slides/slide28.xml><?xml version="1.0" encoding="utf-8"?>
 <p:sld xmlns:a="http://schemas.openxmlformats.org/drawingml/2006/main" xmlns:r="http://schemas.openxmlformats.org/officeDocument/2006/relationships" xmlns:mc="http://schemas.openxmlformats.org/markup-compatibility/2006" xmlns:mv="urn:schemas-microsoft-com:mac:vml" xmlns:p="http://schemas.openxmlformats.org/presentationml/2006/main" xmlns:c="http://schemas.openxmlformats.org/drawingml/2006/chart" xmlns:dgm="http://schemas.openxmlformats.org/drawingml/2006/diagram" xmlns:o="urn:schemas-microsoft-com:office:office" xmlns:v="urn:schemas-microsoft-com:vml" xmlns:pvml="urn:schemas-microsoft-com:office:powerpoint" xmlns:com="http://schemas.openxmlformats.org/drawingml/2006/compatibility" xmlns:p14="http://schemas.microsoft.com/office/powerpoint/2010/main" xmlns:p15="http://schemas.microsoft.com/office/powerpoint/2012/main" xmlns:ahyp="http://schemas.microsoft.com/office/drawing/2018/hyperlinkcolor">
   <p:cSld>
     <p:spTree>
       <p:nvGrpSpPr>
-        <p:cNvPr id="375" name="Shape 375"/>
+        <p:cNvPr id="381" name="Shape 381"/>
         <p:cNvGrpSpPr/>
         <p:nvPr/>
       </p:nvGrpSpPr>
@@ -28912,7 +29281,7 @@
       </p:grpSpPr>
       <p:sp>
         <p:nvSpPr>
-          <p:cNvPr id="376" name="Google Shape;376;p25"/>
+          <p:cNvPr id="382" name="Google Shape;382;p25"/>
           <p:cNvSpPr txBox="1"/>
           <p:nvPr>
             <p:ph type="title"/>
@@ -28964,14 +29333,14 @@
       </p:sp>
       <p:sp>
         <p:nvSpPr>
-          <p:cNvPr id="377" name="Google Shape;377;p25"/>
+          <p:cNvPr id="383" name="Google Shape;383;p25"/>
           <p:cNvSpPr txBox="1"/>
           <p:nvPr/>
         </p:nvSpPr>
         <p:spPr>
           <a:xfrm>
-            <a:off x="6121750" y="637275"/>
-            <a:ext cx="5462100" cy="446400"/>
+            <a:off x="5568075" y="637275"/>
+            <a:ext cx="6015900" cy="446400"/>
           </a:xfrm>
           <a:prstGeom prst="rect">
             <a:avLst/>
@@ -29003,7 +29372,11 @@
                 </a:solidFill>
                 <a:hlinkClick r:id="rId3"/>
               </a:rPr>
-              <a:t>https://github.com/NN-complr-tech/llvm-nnsu-2024</a:t>
+              <a:t>https://github.com/NN-complr-tech/compiler-course-2025</a:t>
+            </a:r>
+            <a:r>
+              <a:rPr lang="en-US" sz="1700"/>
+              <a:t> </a:t>
             </a:r>
             <a:endParaRPr sz="1700"/>
           </a:p>
@@ -29011,7 +29384,7 @@
       </p:sp>
       <p:pic>
         <p:nvPicPr>
-          <p:cNvPr id="378" name="Google Shape;378;p25"/>
+          <p:cNvPr id="384" name="Google Shape;384;p25"/>
           <p:cNvPicPr preferRelativeResize="0"/>
           <p:nvPr/>
         </p:nvPicPr>
@@ -29037,354 +29410,6 @@
           </a:ln>
         </p:spPr>
       </p:pic>
-    </p:spTree>
-  </p:cSld>
-  <p:clrMapOvr>
-    <a:masterClrMapping/>
-  </p:clrMapOvr>
-  <mc:AlternateContent>
-    <mc:Choice Requires="p14">
-      <p:transition spd="slow" p14:dur="700">
-        <p:fade/>
-      </p:transition>
-    </mc:Choice>
-    <mc:Fallback>
-      <p:transition spd="slow">
-        <p:fade/>
-      </p:transition>
-    </mc:Fallback>
-  </mc:AlternateContent>
-</p:sld>
-</file>
-
-<file path=ppt/slides/slide28.xml><?xml version="1.0" encoding="utf-8"?>
-<p:sld xmlns:a="http://schemas.openxmlformats.org/drawingml/2006/main" xmlns:r="http://schemas.openxmlformats.org/officeDocument/2006/relationships" xmlns:mc="http://schemas.openxmlformats.org/markup-compatibility/2006" xmlns:mv="urn:schemas-microsoft-com:mac:vml" xmlns:p="http://schemas.openxmlformats.org/presentationml/2006/main" xmlns:c="http://schemas.openxmlformats.org/drawingml/2006/chart" xmlns:dgm="http://schemas.openxmlformats.org/drawingml/2006/diagram" xmlns:o="urn:schemas-microsoft-com:office:office" xmlns:v="urn:schemas-microsoft-com:vml" xmlns:pvml="urn:schemas-microsoft-com:office:powerpoint" xmlns:com="http://schemas.openxmlformats.org/drawingml/2006/compatibility" xmlns:p14="http://schemas.microsoft.com/office/powerpoint/2010/main" xmlns:p15="http://schemas.microsoft.com/office/powerpoint/2012/main" xmlns:ahyp="http://schemas.microsoft.com/office/drawing/2018/hyperlinkcolor">
-  <p:cSld>
-    <p:spTree>
-      <p:nvGrpSpPr>
-        <p:cNvPr id="382" name="Shape 382"/>
-        <p:cNvGrpSpPr/>
-        <p:nvPr/>
-      </p:nvGrpSpPr>
-      <p:grpSpPr>
-        <a:xfrm>
-          <a:off x="0" y="0"/>
-          <a:ext cx="0" cy="0"/>
-          <a:chOff x="0" y="0"/>
-          <a:chExt cx="0" cy="0"/>
-        </a:xfrm>
-      </p:grpSpPr>
-      <p:sp>
-        <p:nvSpPr>
-          <p:cNvPr id="383" name="Google Shape;383;p26"/>
-          <p:cNvSpPr txBox="1"/>
-          <p:nvPr>
-            <p:ph type="title"/>
-          </p:nvPr>
-        </p:nvSpPr>
-        <p:spPr>
-          <a:xfrm>
-            <a:off x="571370" y="571500"/>
-            <a:ext cx="11010816" cy="952499"/>
-          </a:xfrm>
-          <a:prstGeom prst="rect">
-            <a:avLst/>
-          </a:prstGeom>
-          <a:noFill/>
-          <a:ln>
-            <a:noFill/>
-          </a:ln>
-        </p:spPr>
-        <p:txBody>
-          <a:bodyPr anchorCtr="0" anchor="t" bIns="0" lIns="0" spcFirstLastPara="1" rIns="0" wrap="square" tIns="0">
-            <a:noAutofit/>
-          </a:bodyPr>
-          <a:lstStyle/>
-          <a:p>
-            <a:pPr indent="0" lvl="0" marL="0" rtl="0" algn="l">
-              <a:lnSpc>
-                <a:spcPct val="90000"/>
-              </a:lnSpc>
-              <a:spcBef>
-                <a:spcPts val="0"/>
-              </a:spcBef>
-              <a:spcAft>
-                <a:spcPts val="0"/>
-              </a:spcAft>
-              <a:buClr>
-                <a:srgbClr val="525252"/>
-              </a:buClr>
-              <a:buSzPts val="4000"/>
-              <a:buFont typeface="Arial"/>
-              <a:buNone/>
-            </a:pPr>
-            <a:r>
-              <a:rPr lang="en-US"/>
-              <a:t>Lab assignment #1</a:t>
-            </a:r>
-            <a:endParaRPr/>
-          </a:p>
-        </p:txBody>
-      </p:sp>
-      <p:sp>
-        <p:nvSpPr>
-          <p:cNvPr id="384" name="Google Shape;384;p26"/>
-          <p:cNvSpPr txBox="1"/>
-          <p:nvPr>
-            <p:ph idx="1" type="body"/>
-          </p:nvPr>
-        </p:nvSpPr>
-        <p:spPr>
-          <a:xfrm>
-            <a:off x="571375" y="1316900"/>
-            <a:ext cx="11010900" cy="5430000"/>
-          </a:xfrm>
-          <a:prstGeom prst="rect">
-            <a:avLst/>
-          </a:prstGeom>
-          <a:noFill/>
-          <a:ln>
-            <a:noFill/>
-          </a:ln>
-        </p:spPr>
-        <p:txBody>
-          <a:bodyPr anchorCtr="0" anchor="t" bIns="0" lIns="0" spcFirstLastPara="1" rIns="0" wrap="square" tIns="0">
-            <a:normAutofit/>
-          </a:bodyPr>
-          <a:lstStyle/>
-          <a:p>
-            <a:pPr indent="-228600" lvl="0" marL="228600" rtl="0" algn="l">
-              <a:lnSpc>
-                <a:spcPct val="100000"/>
-              </a:lnSpc>
-              <a:spcBef>
-                <a:spcPts val="0"/>
-              </a:spcBef>
-              <a:spcAft>
-                <a:spcPts val="0"/>
-              </a:spcAft>
-              <a:buClr>
-                <a:schemeClr val="lt2"/>
-              </a:buClr>
-              <a:buSzPts val="2800"/>
-              <a:buChar char="▪"/>
-            </a:pPr>
-            <a:r>
-              <a:rPr lang="en-US"/>
-              <a:t>Write </a:t>
-            </a:r>
-            <a:r>
-              <a:rPr lang="en-US"/>
-              <a:t>a</a:t>
-            </a:r>
-            <a:r>
-              <a:rPr lang="en-US"/>
-              <a:t> simple Clang AST plugin</a:t>
-            </a:r>
-            <a:endParaRPr/>
-          </a:p>
-          <a:p>
-            <a:pPr indent="-228600" lvl="0" marL="228600" rtl="0" algn="l">
-              <a:lnSpc>
-                <a:spcPct val="100000"/>
-              </a:lnSpc>
-              <a:spcBef>
-                <a:spcPts val="1200"/>
-              </a:spcBef>
-              <a:spcAft>
-                <a:spcPts val="0"/>
-              </a:spcAft>
-              <a:buClr>
-                <a:schemeClr val="lt2"/>
-              </a:buClr>
-              <a:buSzPts val="2800"/>
-              <a:buChar char="▪"/>
-            </a:pPr>
-            <a:r>
-              <a:rPr lang="en-US"/>
-              <a:t>Task list</a:t>
-            </a:r>
-            <a:r>
-              <a:rPr lang="en-US"/>
-              <a:t> in Google Docs</a:t>
-            </a:r>
-            <a:endParaRPr/>
-          </a:p>
-          <a:p>
-            <a:pPr indent="-228600" lvl="0" marL="228600" rtl="0" algn="l">
-              <a:lnSpc>
-                <a:spcPct val="100000"/>
-              </a:lnSpc>
-              <a:spcBef>
-                <a:spcPts val="1200"/>
-              </a:spcBef>
-              <a:spcAft>
-                <a:spcPts val="0"/>
-              </a:spcAft>
-              <a:buClr>
-                <a:schemeClr val="lt2"/>
-              </a:buClr>
-              <a:buSzPts val="2800"/>
-              <a:buChar char="▪"/>
-            </a:pPr>
-            <a:r>
-              <a:rPr lang="en-US"/>
-              <a:t>Deadline: March, 19</a:t>
-            </a:r>
-            <a:endParaRPr/>
-          </a:p>
-          <a:p>
-            <a:pPr indent="-228600" lvl="0" marL="228600" rtl="0" algn="l">
-              <a:lnSpc>
-                <a:spcPct val="100000"/>
-              </a:lnSpc>
-              <a:spcBef>
-                <a:spcPts val="1200"/>
-              </a:spcBef>
-              <a:spcAft>
-                <a:spcPts val="0"/>
-              </a:spcAft>
-              <a:buClr>
-                <a:schemeClr val="lt2"/>
-              </a:buClr>
-              <a:buSzPts val="2800"/>
-              <a:buChar char="▪"/>
-            </a:pPr>
-            <a:r>
-              <a:rPr lang="en-US"/>
-              <a:t>Where to seek help</a:t>
-            </a:r>
-            <a:endParaRPr/>
-          </a:p>
-          <a:p>
-            <a:pPr indent="-203200" lvl="1" marL="431800" rtl="0" algn="l">
-              <a:lnSpc>
-                <a:spcPct val="100000"/>
-              </a:lnSpc>
-              <a:spcBef>
-                <a:spcPts val="1200"/>
-              </a:spcBef>
-              <a:spcAft>
-                <a:spcPts val="0"/>
-              </a:spcAft>
-              <a:buClr>
-                <a:schemeClr val="lt2"/>
-              </a:buClr>
-              <a:buSzPts val="2400"/>
-              <a:buChar char="•"/>
-            </a:pPr>
-            <a:r>
-              <a:rPr lang="en-US" u="sng">
-                <a:solidFill>
-                  <a:schemeClr val="hlink"/>
-                </a:solidFill>
-                <a:hlinkClick r:id="rId3"/>
-              </a:rPr>
-              <a:t>https://clang.llvm.org/docs/ClangPlugins.html</a:t>
-            </a:r>
-            <a:r>
-              <a:rPr lang="en-US"/>
-              <a:t> </a:t>
-            </a:r>
-            <a:endParaRPr/>
-          </a:p>
-          <a:p>
-            <a:pPr indent="-203200" lvl="1" marL="431800" rtl="0" algn="l">
-              <a:lnSpc>
-                <a:spcPct val="100000"/>
-              </a:lnSpc>
-              <a:spcBef>
-                <a:spcPts val="1200"/>
-              </a:spcBef>
-              <a:spcAft>
-                <a:spcPts val="0"/>
-              </a:spcAft>
-              <a:buClr>
-                <a:schemeClr val="lt2"/>
-              </a:buClr>
-              <a:buSzPts val="2400"/>
-              <a:buChar char="•"/>
-            </a:pPr>
-            <a:r>
-              <a:rPr lang="en-US" u="sng">
-                <a:solidFill>
-                  <a:schemeClr val="hlink"/>
-                </a:solidFill>
-                <a:hlinkClick r:id="rId4"/>
-              </a:rPr>
-              <a:t>https://github.com/llvm/llvm-project/tree/main/clang/examples/PrintFunctionNames</a:t>
-            </a:r>
-            <a:r>
-              <a:rPr lang="en-US"/>
-              <a:t> </a:t>
-            </a:r>
-            <a:endParaRPr/>
-          </a:p>
-          <a:p>
-            <a:pPr indent="-203200" lvl="1" marL="431800" rtl="0" algn="l">
-              <a:lnSpc>
-                <a:spcPct val="100000"/>
-              </a:lnSpc>
-              <a:spcBef>
-                <a:spcPts val="1200"/>
-              </a:spcBef>
-              <a:spcAft>
-                <a:spcPts val="0"/>
-              </a:spcAft>
-              <a:buClr>
-                <a:schemeClr val="lt2"/>
-              </a:buClr>
-              <a:buSzPts val="2400"/>
-              <a:buChar char="•"/>
-            </a:pPr>
-            <a:r>
-              <a:rPr lang="en-US"/>
-              <a:t>Contact teachers</a:t>
-            </a:r>
-            <a:endParaRPr/>
-          </a:p>
-          <a:p>
-            <a:pPr indent="-228600" lvl="0" marL="228600" rtl="0" algn="l">
-              <a:lnSpc>
-                <a:spcPct val="100000"/>
-              </a:lnSpc>
-              <a:spcBef>
-                <a:spcPts val="1200"/>
-              </a:spcBef>
-              <a:spcAft>
-                <a:spcPts val="0"/>
-              </a:spcAft>
-              <a:buSzPts val="1800"/>
-              <a:buChar char="▪"/>
-            </a:pPr>
-            <a:r>
-              <a:rPr lang="en-US"/>
-              <a:t>Submit your tests to </a:t>
-            </a:r>
-            <a:endParaRPr/>
-          </a:p>
-          <a:p>
-            <a:pPr indent="-203200" lvl="1" marL="431800" rtl="0" algn="l">
-              <a:lnSpc>
-                <a:spcPct val="100000"/>
-              </a:lnSpc>
-              <a:spcBef>
-                <a:spcPts val="1200"/>
-              </a:spcBef>
-              <a:spcAft>
-                <a:spcPts val="0"/>
-              </a:spcAft>
-              <a:buSzPts val="1800"/>
-              <a:buChar char="•"/>
-            </a:pPr>
-            <a:r>
-              <a:rPr lang="en-US"/>
-              <a:t>clang/test/lab1/&lt;surname&gt;_&lt;name&gt;/…</a:t>
-            </a:r>
-            <a:endParaRPr/>
-          </a:p>
-        </p:txBody>
-      </p:sp>
     </p:spTree>
   </p:cSld>
   <p:clrMapOvr>
@@ -29424,7 +29449,7 @@
       </p:grpSpPr>
       <p:sp>
         <p:nvSpPr>
-          <p:cNvPr id="389" name="Google Shape;389;g2bb3f83c6aa_0_28"/>
+          <p:cNvPr id="389" name="Google Shape;389;p26"/>
           <p:cNvSpPr txBox="1"/>
           <p:nvPr>
             <p:ph type="title"/>
@@ -29433,11 +29458,15 @@
         <p:spPr>
           <a:xfrm>
             <a:off x="571370" y="571500"/>
-            <a:ext cx="11010900" cy="952500"/>
+            <a:ext cx="11010816" cy="952499"/>
           </a:xfrm>
           <a:prstGeom prst="rect">
             <a:avLst/>
           </a:prstGeom>
+          <a:noFill/>
+          <a:ln>
+            <a:noFill/>
+          </a:ln>
         </p:spPr>
         <p:txBody>
           <a:bodyPr anchorCtr="0" anchor="t" bIns="0" lIns="0" spcFirstLastPara="1" rIns="0" wrap="square" tIns="0">
@@ -29446,17 +29475,25 @@
           <a:lstStyle/>
           <a:p>
             <a:pPr indent="0" lvl="0" marL="0" rtl="0" algn="l">
-              <a:spcBef>
-                <a:spcPts val="0"/>
-              </a:spcBef>
-              <a:spcAft>
-                <a:spcPts val="0"/>
-              </a:spcAft>
+              <a:lnSpc>
+                <a:spcPct val="90000"/>
+              </a:lnSpc>
+              <a:spcBef>
+                <a:spcPts val="0"/>
+              </a:spcBef>
+              <a:spcAft>
+                <a:spcPts val="0"/>
+              </a:spcAft>
+              <a:buClr>
+                <a:srgbClr val="525252"/>
+              </a:buClr>
+              <a:buSzPts val="4000"/>
+              <a:buFont typeface="Arial"/>
               <a:buNone/>
             </a:pPr>
             <a:r>
               <a:rPr lang="en-US"/>
-              <a:t>Acceptance criterias</a:t>
+              <a:t>Lab assignment #1</a:t>
             </a:r>
             <a:endParaRPr/>
           </a:p>
@@ -29464,7 +29501,7 @@
       </p:sp>
       <p:sp>
         <p:nvSpPr>
-          <p:cNvPr id="390" name="Google Shape;390;g2bb3f83c6aa_0_28"/>
+          <p:cNvPr id="390" name="Google Shape;390;p26"/>
           <p:cNvSpPr txBox="1"/>
           <p:nvPr>
             <p:ph idx="1" type="body"/>
@@ -29472,12 +29509,16 @@
         </p:nvSpPr>
         <p:spPr>
           <a:xfrm>
-            <a:off x="571370" y="1673454"/>
-            <a:ext cx="11010900" cy="4575000"/>
+            <a:off x="571375" y="1316900"/>
+            <a:ext cx="11010900" cy="5430000"/>
           </a:xfrm>
           <a:prstGeom prst="rect">
             <a:avLst/>
           </a:prstGeom>
+          <a:noFill/>
+          <a:ln>
+            <a:noFill/>
+          </a:ln>
         </p:spPr>
         <p:txBody>
           <a:bodyPr anchorCtr="0" anchor="t" bIns="0" lIns="0" spcFirstLastPara="1" rIns="0" wrap="square" tIns="0">
@@ -29485,53 +29526,211 @@
           </a:bodyPr>
           <a:lstStyle/>
           <a:p>
-            <a:pPr indent="-342900" lvl="0" marL="457200" rtl="0" algn="l">
-              <a:spcBef>
-                <a:spcPts val="1200"/>
-              </a:spcBef>
-              <a:spcAft>
-                <a:spcPts val="0"/>
-              </a:spcAft>
-              <a:buSzPts val="1800"/>
+            <a:pPr indent="-228600" lvl="0" marL="228600" rtl="0" algn="l">
+              <a:lnSpc>
+                <a:spcPct val="100000"/>
+              </a:lnSpc>
+              <a:spcBef>
+                <a:spcPts val="0"/>
+              </a:spcBef>
+              <a:spcAft>
+                <a:spcPts val="0"/>
+              </a:spcAft>
+              <a:buClr>
+                <a:schemeClr val="lt2"/>
+              </a:buClr>
+              <a:buSzPts val="2800"/>
               <a:buChar char="▪"/>
             </a:pPr>
             <a:r>
               <a:rPr lang="en-US"/>
-              <a:t>The code base with implementation passes clang-format/clang-tidy checks on CI</a:t>
+              <a:t>Write </a:t>
+            </a:r>
+            <a:r>
+              <a:rPr lang="en-US"/>
+              <a:t>a</a:t>
+            </a:r>
+            <a:r>
+              <a:rPr lang="en-US"/>
+              <a:t> simple Clang AST plugin</a:t>
             </a:r>
             <a:endParaRPr/>
           </a:p>
           <a:p>
-            <a:pPr indent="-342900" lvl="0" marL="457200" rtl="0" algn="l">
-              <a:spcBef>
-                <a:spcPts val="0"/>
-              </a:spcBef>
-              <a:spcAft>
-                <a:spcPts val="0"/>
-              </a:spcAft>
-              <a:buSzPts val="1800"/>
+            <a:pPr indent="0" lvl="0" marL="0" rtl="0" algn="l">
+              <a:lnSpc>
+                <a:spcPct val="100000"/>
+              </a:lnSpc>
+              <a:spcBef>
+                <a:spcPts val="1200"/>
+              </a:spcBef>
+              <a:spcAft>
+                <a:spcPts val="0"/>
+              </a:spcAft>
+              <a:buNone/>
+            </a:pPr>
+            <a:r>
+              <a:t/>
+            </a:r>
+            <a:endParaRPr/>
+          </a:p>
+          <a:p>
+            <a:pPr indent="-228600" lvl="0" marL="228600" rtl="0" algn="l">
+              <a:lnSpc>
+                <a:spcPct val="100000"/>
+              </a:lnSpc>
+              <a:spcBef>
+                <a:spcPts val="1200"/>
+              </a:spcBef>
+              <a:spcAft>
+                <a:spcPts val="0"/>
+              </a:spcAft>
+              <a:buClr>
+                <a:schemeClr val="lt2"/>
+              </a:buClr>
+              <a:buSzPts val="2800"/>
               <a:buChar char="▪"/>
             </a:pPr>
             <a:r>
               <a:rPr lang="en-US"/>
-              <a:t>The code base with implementation passes build and test stage on CI</a:t>
+              <a:t>Task list</a:t>
+            </a:r>
+            <a:r>
+              <a:rPr lang="en-US"/>
+              <a:t> in Google Docs</a:t>
             </a:r>
             <a:endParaRPr/>
           </a:p>
           <a:p>
-            <a:pPr indent="-342900" lvl="0" marL="457200" rtl="0" algn="l">
-              <a:spcBef>
-                <a:spcPts val="0"/>
-              </a:spcBef>
-              <a:spcAft>
-                <a:spcPts val="0"/>
-              </a:spcAft>
-              <a:buSzPts val="1800"/>
+            <a:pPr indent="-228600" lvl="0" marL="228600" rtl="0" algn="l">
+              <a:lnSpc>
+                <a:spcPct val="100000"/>
+              </a:lnSpc>
+              <a:spcBef>
+                <a:spcPts val="1200"/>
+              </a:spcBef>
+              <a:spcAft>
+                <a:spcPts val="0"/>
+              </a:spcAft>
+              <a:buClr>
+                <a:schemeClr val="lt2"/>
+              </a:buClr>
+              <a:buSzPts val="2800"/>
               <a:buChar char="▪"/>
             </a:pPr>
             <a:r>
               <a:rPr lang="en-US"/>
-              <a:t>LIT tests are added and passed on CI</a:t>
+              <a:t>Deadline: March, 19</a:t>
+            </a:r>
+            <a:endParaRPr/>
+          </a:p>
+          <a:p>
+            <a:pPr indent="-228600" lvl="0" marL="228600" rtl="0" algn="l">
+              <a:lnSpc>
+                <a:spcPct val="100000"/>
+              </a:lnSpc>
+              <a:spcBef>
+                <a:spcPts val="1200"/>
+              </a:spcBef>
+              <a:spcAft>
+                <a:spcPts val="0"/>
+              </a:spcAft>
+              <a:buClr>
+                <a:schemeClr val="lt2"/>
+              </a:buClr>
+              <a:buSzPts val="2800"/>
+              <a:buChar char="▪"/>
+            </a:pPr>
+            <a:r>
+              <a:rPr lang="en-US"/>
+              <a:t>Where to seek help</a:t>
+            </a:r>
+            <a:endParaRPr/>
+          </a:p>
+          <a:p>
+            <a:pPr indent="-203200" lvl="1" marL="431800" rtl="0" algn="l">
+              <a:lnSpc>
+                <a:spcPct val="100000"/>
+              </a:lnSpc>
+              <a:spcBef>
+                <a:spcPts val="1200"/>
+              </a:spcBef>
+              <a:spcAft>
+                <a:spcPts val="0"/>
+              </a:spcAft>
+              <a:buClr>
+                <a:schemeClr val="lt2"/>
+              </a:buClr>
+              <a:buSzPts val="2400"/>
+              <a:buChar char="•"/>
+            </a:pPr>
+            <a:r>
+              <a:rPr lang="en-US" u="sng">
+                <a:solidFill>
+                  <a:schemeClr val="hlink"/>
+                </a:solidFill>
+                <a:hlinkClick r:id="rId3"/>
+              </a:rPr>
+              <a:t>https://clang.llvm.org/docs/ClangPlugins.html</a:t>
+            </a:r>
+            <a:r>
+              <a:rPr lang="en-US"/>
+              <a:t> </a:t>
+            </a:r>
+            <a:endParaRPr/>
+          </a:p>
+          <a:p>
+            <a:pPr indent="-203200" lvl="1" marL="431800" rtl="0" algn="l">
+              <a:lnSpc>
+                <a:spcPct val="100000"/>
+              </a:lnSpc>
+              <a:spcBef>
+                <a:spcPts val="1200"/>
+              </a:spcBef>
+              <a:spcAft>
+                <a:spcPts val="0"/>
+              </a:spcAft>
+              <a:buClr>
+                <a:schemeClr val="lt2"/>
+              </a:buClr>
+              <a:buSzPts val="2400"/>
+              <a:buChar char="•"/>
+            </a:pPr>
+            <a:r>
+              <a:rPr lang="en-US" u="sng">
+                <a:solidFill>
+                  <a:schemeClr val="hlink"/>
+                </a:solidFill>
+                <a:hlinkClick r:id="rId4"/>
+              </a:rPr>
+              <a:t>https://github.com/llvm/llvm-project/tree/main/clang/examples/PrintFunctionNames</a:t>
+            </a:r>
+            <a:r>
+              <a:rPr lang="en-US"/>
+              <a:t> </a:t>
+            </a:r>
+            <a:endParaRPr/>
+          </a:p>
+          <a:p>
+            <a:pPr indent="-203200" lvl="1" marL="431800" rtl="0" algn="l">
+              <a:lnSpc>
+                <a:spcPct val="100000"/>
+              </a:lnSpc>
+              <a:spcBef>
+                <a:spcPts val="1200"/>
+              </a:spcBef>
+              <a:spcAft>
+                <a:spcPts val="0"/>
+              </a:spcAft>
+              <a:buClr>
+                <a:schemeClr val="lt2"/>
+              </a:buClr>
+              <a:buSzPts val="2400"/>
+              <a:buChar char="•"/>
+            </a:pPr>
+            <a:r>
+              <a:rPr lang="en-US"/>
+              <a:t>Contact teachers</a:t>
             </a:r>
             <a:endParaRPr/>
           </a:p>
@@ -29542,6 +29741,18 @@
   <p:clrMapOvr>
     <a:masterClrMapping/>
   </p:clrMapOvr>
+  <mc:AlternateContent>
+    <mc:Choice Requires="p14">
+      <p:transition spd="slow" p14:dur="700">
+        <p:fade/>
+      </p:transition>
+    </mc:Choice>
+    <mc:Fallback>
+      <p:transition spd="slow">
+        <p:fade/>
+      </p:transition>
+    </mc:Fallback>
+  </mc:AlternateContent>
 </p:sld>
 </file>
 
@@ -29550,7 +29761,7 @@
   <p:cSld>
     <p:spTree>
       <p:nvGrpSpPr>
-        <p:cNvPr id="217" name="Shape 217"/>
+        <p:cNvPr id="216" name="Shape 216"/>
         <p:cNvGrpSpPr/>
         <p:nvPr/>
       </p:nvGrpSpPr>
@@ -29564,7 +29775,7 @@
       </p:grpSpPr>
       <p:sp>
         <p:nvSpPr>
-          <p:cNvPr id="218" name="Google Shape;218;p3"/>
+          <p:cNvPr id="217" name="Google Shape;217;p3"/>
           <p:cNvSpPr txBox="1"/>
           <p:nvPr>
             <p:ph type="title"/>
@@ -29616,7 +29827,7 @@
       </p:sp>
       <p:sp>
         <p:nvSpPr>
-          <p:cNvPr id="219" name="Google Shape;219;p3"/>
+          <p:cNvPr id="218" name="Google Shape;218;p3"/>
           <p:cNvSpPr txBox="1"/>
           <p:nvPr>
             <p:ph idx="1" type="body"/>
@@ -29750,7 +29961,7 @@
       </p:grpSpPr>
       <p:sp>
         <p:nvSpPr>
-          <p:cNvPr id="395" name="Google Shape;395;g2bb3f83c6aa_0_33"/>
+          <p:cNvPr id="395" name="Google Shape;395;g2bb3f83c6aa_0_28"/>
           <p:cNvSpPr txBox="1"/>
           <p:nvPr>
             <p:ph type="title"/>
@@ -29782,7 +29993,7 @@
             </a:pPr>
             <a:r>
               <a:rPr lang="en-US"/>
-              <a:t>FileCheck</a:t>
+              <a:t>Acceptance criterias</a:t>
             </a:r>
             <a:endParaRPr/>
           </a:p>
@@ -29790,7 +30001,7 @@
       </p:sp>
       <p:sp>
         <p:nvSpPr>
-          <p:cNvPr id="396" name="Google Shape;396;g2bb3f83c6aa_0_33"/>
+          <p:cNvPr id="396" name="Google Shape;396;g2bb3f83c6aa_0_28"/>
           <p:cNvSpPr txBox="1"/>
           <p:nvPr>
             <p:ph idx="1" type="body"/>
@@ -29798,8 +30009,8 @@
         </p:nvSpPr>
         <p:spPr>
           <a:xfrm>
-            <a:off x="571375" y="1366075"/>
-            <a:ext cx="11010900" cy="4882500"/>
+            <a:off x="571370" y="1673454"/>
+            <a:ext cx="11010900" cy="4575000"/>
           </a:xfrm>
           <a:prstGeom prst="rect">
             <a:avLst/>
@@ -29823,7 +30034,7 @@
             </a:pPr>
             <a:r>
               <a:rPr lang="en-US"/>
-              <a:t>Tool from clang toolchain</a:t>
+              <a:t>The code base with implementation passes clang-format/clang-tidy checks on CI</a:t>
             </a:r>
             <a:endParaRPr/>
           </a:p>
@@ -29840,29 +30051,14 @@
             </a:pPr>
             <a:r>
               <a:rPr lang="en-US"/>
-              <a:t>It is widely used for testing in LLVM framework</a:t>
-            </a:r>
-            <a:endParaRPr/>
-          </a:p>
-          <a:p>
-            <a:pPr indent="0" lvl="0" marL="0" rtl="0" algn="l">
-              <a:spcBef>
-                <a:spcPts val="1200"/>
-              </a:spcBef>
-              <a:spcAft>
-                <a:spcPts val="0"/>
-              </a:spcAft>
-              <a:buNone/>
-            </a:pPr>
-            <a:r>
-              <a:t/>
+              <a:t>The code base with implementation passes build and test stage on CI</a:t>
             </a:r>
             <a:endParaRPr/>
           </a:p>
           <a:p>
             <a:pPr indent="-342900" lvl="0" marL="457200" rtl="0" algn="l">
               <a:spcBef>
-                <a:spcPts val="1200"/>
+                <a:spcPts val="0"/>
               </a:spcBef>
               <a:spcAft>
                 <a:spcPts val="0"/>
@@ -29872,126 +30068,7 @@
             </a:pPr>
             <a:r>
               <a:rPr lang="en-US"/>
-              <a:t>How to run FileCheck tool:</a:t>
-            </a:r>
-            <a:endParaRPr/>
-          </a:p>
-          <a:p>
-            <a:pPr indent="-342900" lvl="1" marL="914400" rtl="0" algn="l">
-              <a:spcBef>
-                <a:spcPts val="0"/>
-              </a:spcBef>
-              <a:spcAft>
-                <a:spcPts val="0"/>
-              </a:spcAft>
-              <a:buSzPts val="1800"/>
-              <a:buChar char="•"/>
-            </a:pPr>
-            <a:r>
-              <a:rPr lang="en-US"/>
-              <a:t>FileCheck %s - </a:t>
-            </a:r>
-            <a:r>
-              <a:rPr lang="en-US" sz="2800"/>
-              <a:t>compare stdin with file %s</a:t>
-            </a:r>
-            <a:endParaRPr/>
-          </a:p>
-          <a:p>
-            <a:pPr indent="-342900" lvl="0" marL="457200" rtl="0" algn="l">
-              <a:spcBef>
-                <a:spcPts val="0"/>
-              </a:spcBef>
-              <a:spcAft>
-                <a:spcPts val="0"/>
-              </a:spcAft>
-              <a:buSzPts val="1800"/>
-              <a:buChar char="▪"/>
-            </a:pPr>
-            <a:r>
-              <a:rPr lang="en-US"/>
-              <a:t>string to be verified:</a:t>
-            </a:r>
-            <a:endParaRPr/>
-          </a:p>
-          <a:p>
-            <a:pPr indent="-342900" lvl="1" marL="914400" rtl="0" algn="l">
-              <a:spcBef>
-                <a:spcPts val="0"/>
-              </a:spcBef>
-              <a:spcAft>
-                <a:spcPts val="0"/>
-              </a:spcAft>
-              <a:buSzPts val="1800"/>
-              <a:buChar char="•"/>
-            </a:pPr>
-            <a:r>
-              <a:rPr lang="en-US"/>
-              <a:t>CHECK: content</a:t>
-            </a:r>
-            <a:endParaRPr/>
-          </a:p>
-          <a:p>
-            <a:pPr indent="-342900" lvl="0" marL="457200" rtl="0" algn="l">
-              <a:spcBef>
-                <a:spcPts val="0"/>
-              </a:spcBef>
-              <a:spcAft>
-                <a:spcPts val="0"/>
-              </a:spcAft>
-              <a:buSzPts val="1800"/>
-              <a:buChar char="▪"/>
-            </a:pPr>
-            <a:r>
-              <a:rPr lang="en-US"/>
-              <a:t>Manual: </a:t>
-            </a:r>
-            <a:r>
-              <a:rPr lang="en-US" u="sng">
-                <a:solidFill>
-                  <a:schemeClr val="hlink"/>
-                </a:solidFill>
-                <a:hlinkClick r:id="rId3"/>
-              </a:rPr>
-              <a:t>https://llvm.org/docs/CommandGuide/FileCheck.html</a:t>
-            </a:r>
-            <a:r>
-              <a:rPr lang="en-US"/>
-              <a:t> </a:t>
-            </a:r>
-            <a:endParaRPr/>
-          </a:p>
-          <a:p>
-            <a:pPr indent="-342900" lvl="0" marL="457200" rtl="0" algn="l">
-              <a:spcBef>
-                <a:spcPts val="0"/>
-              </a:spcBef>
-              <a:spcAft>
-                <a:spcPts val="0"/>
-              </a:spcAft>
-              <a:buSzPts val="1800"/>
-              <a:buChar char="▪"/>
-            </a:pPr>
-            <a:r>
-              <a:rPr lang="en-US"/>
-              <a:t>Run LIT test:</a:t>
-            </a:r>
-            <a:endParaRPr/>
-          </a:p>
-          <a:p>
-            <a:pPr indent="-342900" lvl="1" marL="914400" rtl="0" algn="l">
-              <a:spcBef>
-                <a:spcPts val="0"/>
-              </a:spcBef>
-              <a:spcAft>
-                <a:spcPts val="0"/>
-              </a:spcAft>
-              <a:buSzPts val="1800"/>
-              <a:buChar char="•"/>
-            </a:pPr>
-            <a:r>
-              <a:rPr lang="en-US"/>
-              <a:t>llvm-lit path/to/test</a:t>
+              <a:t>LIT tests are added and passed on CI</a:t>
             </a:r>
             <a:endParaRPr/>
           </a:p>
@@ -30024,7 +30101,7 @@
       </p:grpSpPr>
       <p:sp>
         <p:nvSpPr>
-          <p:cNvPr id="401" name="Google Shape;401;g2bb3f83c6aa_0_39"/>
+          <p:cNvPr id="401" name="Google Shape;401;g2bb3f83c6aa_0_33"/>
           <p:cNvSpPr txBox="1"/>
           <p:nvPr>
             <p:ph type="title"/>
@@ -30056,7 +30133,7 @@
             </a:pPr>
             <a:r>
               <a:rPr lang="en-US"/>
-              <a:t>llvm-lit</a:t>
+              <a:t>FileCheck</a:t>
             </a:r>
             <a:endParaRPr/>
           </a:p>
@@ -30064,7 +30141,7 @@
       </p:sp>
       <p:sp>
         <p:nvSpPr>
-          <p:cNvPr id="402" name="Google Shape;402;g2bb3f83c6aa_0_39"/>
+          <p:cNvPr id="402" name="Google Shape;402;g2bb3f83c6aa_0_33"/>
           <p:cNvSpPr txBox="1"/>
           <p:nvPr>
             <p:ph idx="1" type="body"/>
@@ -30072,8 +30149,8 @@
         </p:nvSpPr>
         <p:spPr>
           <a:xfrm>
-            <a:off x="571370" y="1673454"/>
-            <a:ext cx="11010900" cy="4575000"/>
+            <a:off x="571375" y="1366075"/>
+            <a:ext cx="11010900" cy="4882500"/>
           </a:xfrm>
           <a:prstGeom prst="rect">
             <a:avLst/>
@@ -30085,18 +30162,36 @@
           </a:bodyPr>
           <a:lstStyle/>
           <a:p>
-            <a:pPr indent="0" lvl="0" marL="0" rtl="0" algn="l">
+            <a:pPr indent="-342900" lvl="0" marL="457200" rtl="0" algn="l">
               <a:spcBef>
                 <a:spcPts val="1200"/>
               </a:spcBef>
               <a:spcAft>
                 <a:spcPts val="0"/>
               </a:spcAft>
-              <a:buNone/>
+              <a:buSzPts val="1800"/>
+              <a:buChar char="▪"/>
             </a:pPr>
             <a:r>
               <a:rPr lang="en-US"/>
-              <a:t>lit is a portable tool for executing LLVM and Clang style test suites, summarizing their results, and providing indication of failures. lit is designed to be a lightweight testing tool with as simple a user interface as possible.</a:t>
+              <a:t>Tool from clang toolchain</a:t>
+            </a:r>
+            <a:endParaRPr/>
+          </a:p>
+          <a:p>
+            <a:pPr indent="-342900" lvl="0" marL="457200" rtl="0" algn="l">
+              <a:spcBef>
+                <a:spcPts val="0"/>
+              </a:spcBef>
+              <a:spcAft>
+                <a:spcPts val="0"/>
+              </a:spcAft>
+              <a:buSzPts val="1800"/>
+              <a:buChar char="▪"/>
+            </a:pPr>
+            <a:r>
+              <a:rPr lang="en-US"/>
+              <a:t>It is widely used for testing in LLVM framework</a:t>
             </a:r>
             <a:endParaRPr/>
           </a:p>
@@ -30116,14 +30211,87 @@
             <a:endParaRPr/>
           </a:p>
           <a:p>
-            <a:pPr indent="0" lvl="0" marL="0" rtl="0" algn="l">
+            <a:pPr indent="-342900" lvl="0" marL="457200" rtl="0" algn="l">
               <a:spcBef>
                 <a:spcPts val="1200"/>
               </a:spcBef>
               <a:spcAft>
                 <a:spcPts val="0"/>
               </a:spcAft>
-              <a:buNone/>
+              <a:buSzPts val="1800"/>
+              <a:buChar char="▪"/>
+            </a:pPr>
+            <a:r>
+              <a:rPr lang="en-US"/>
+              <a:t>How to run FileCheck tool:</a:t>
+            </a:r>
+            <a:endParaRPr/>
+          </a:p>
+          <a:p>
+            <a:pPr indent="-342900" lvl="1" marL="914400" rtl="0" algn="l">
+              <a:spcBef>
+                <a:spcPts val="0"/>
+              </a:spcBef>
+              <a:spcAft>
+                <a:spcPts val="0"/>
+              </a:spcAft>
+              <a:buSzPts val="1800"/>
+              <a:buChar char="•"/>
+            </a:pPr>
+            <a:r>
+              <a:rPr lang="en-US"/>
+              <a:t>FileCheck %s - </a:t>
+            </a:r>
+            <a:r>
+              <a:rPr lang="en-US" sz="2800"/>
+              <a:t>compare stdin with file %s</a:t>
+            </a:r>
+            <a:endParaRPr/>
+          </a:p>
+          <a:p>
+            <a:pPr indent="-342900" lvl="0" marL="457200" rtl="0" algn="l">
+              <a:spcBef>
+                <a:spcPts val="0"/>
+              </a:spcBef>
+              <a:spcAft>
+                <a:spcPts val="0"/>
+              </a:spcAft>
+              <a:buSzPts val="1800"/>
+              <a:buChar char="▪"/>
+            </a:pPr>
+            <a:r>
+              <a:rPr lang="en-US"/>
+              <a:t>string to be verified:</a:t>
+            </a:r>
+            <a:endParaRPr/>
+          </a:p>
+          <a:p>
+            <a:pPr indent="-342900" lvl="1" marL="914400" rtl="0" algn="l">
+              <a:spcBef>
+                <a:spcPts val="0"/>
+              </a:spcBef>
+              <a:spcAft>
+                <a:spcPts val="0"/>
+              </a:spcAft>
+              <a:buSzPts val="1800"/>
+              <a:buChar char="•"/>
+            </a:pPr>
+            <a:r>
+              <a:rPr lang="en-US"/>
+              <a:t>CHECK: content</a:t>
+            </a:r>
+            <a:endParaRPr/>
+          </a:p>
+          <a:p>
+            <a:pPr indent="-342900" lvl="0" marL="457200" rtl="0" algn="l">
+              <a:spcBef>
+                <a:spcPts val="0"/>
+              </a:spcBef>
+              <a:spcAft>
+                <a:spcPts val="0"/>
+              </a:spcAft>
+              <a:buSzPts val="1800"/>
+              <a:buChar char="▪"/>
             </a:pPr>
             <a:r>
               <a:rPr lang="en-US"/>
@@ -30136,11 +30304,45 @@
                 </a:solidFill>
                 <a:hlinkClick r:id="rId3"/>
               </a:rPr>
-              <a:t>https://llvm.org/docs/CommandGuide/lit.html</a:t>
+              <a:t>https://llvm.org/docs/CommandGuide/FileCheck.html</a:t>
             </a:r>
             <a:r>
               <a:rPr lang="en-US"/>
               <a:t> </a:t>
+            </a:r>
+            <a:endParaRPr/>
+          </a:p>
+          <a:p>
+            <a:pPr indent="-342900" lvl="0" marL="457200" rtl="0" algn="l">
+              <a:spcBef>
+                <a:spcPts val="0"/>
+              </a:spcBef>
+              <a:spcAft>
+                <a:spcPts val="0"/>
+              </a:spcAft>
+              <a:buSzPts val="1800"/>
+              <a:buChar char="▪"/>
+            </a:pPr>
+            <a:r>
+              <a:rPr lang="en-US"/>
+              <a:t>Run LIT test:</a:t>
+            </a:r>
+            <a:endParaRPr/>
+          </a:p>
+          <a:p>
+            <a:pPr indent="-342900" lvl="1" marL="914400" rtl="0" algn="l">
+              <a:spcBef>
+                <a:spcPts val="0"/>
+              </a:spcBef>
+              <a:spcAft>
+                <a:spcPts val="0"/>
+              </a:spcAft>
+              <a:buSzPts val="1800"/>
+              <a:buChar char="•"/>
+            </a:pPr>
+            <a:r>
+              <a:rPr lang="en-US"/>
+              <a:t>llvm-lit path/to/test</a:t>
             </a:r>
             <a:endParaRPr/>
           </a:p>
@@ -30173,7 +30375,156 @@
       </p:grpSpPr>
       <p:sp>
         <p:nvSpPr>
-          <p:cNvPr id="407" name="Google Shape;407;g26a25c02a4b_0_1"/>
+          <p:cNvPr id="407" name="Google Shape;407;g2bb3f83c6aa_0_39"/>
+          <p:cNvSpPr txBox="1"/>
+          <p:nvPr>
+            <p:ph type="title"/>
+          </p:nvPr>
+        </p:nvSpPr>
+        <p:spPr>
+          <a:xfrm>
+            <a:off x="571370" y="571500"/>
+            <a:ext cx="11010900" cy="952500"/>
+          </a:xfrm>
+          <a:prstGeom prst="rect">
+            <a:avLst/>
+          </a:prstGeom>
+        </p:spPr>
+        <p:txBody>
+          <a:bodyPr anchorCtr="0" anchor="t" bIns="0" lIns="0" spcFirstLastPara="1" rIns="0" wrap="square" tIns="0">
+            <a:noAutofit/>
+          </a:bodyPr>
+          <a:lstStyle/>
+          <a:p>
+            <a:pPr indent="0" lvl="0" marL="0" rtl="0" algn="l">
+              <a:spcBef>
+                <a:spcPts val="0"/>
+              </a:spcBef>
+              <a:spcAft>
+                <a:spcPts val="0"/>
+              </a:spcAft>
+              <a:buNone/>
+            </a:pPr>
+            <a:r>
+              <a:rPr lang="en-US"/>
+              <a:t>llvm-lit</a:t>
+            </a:r>
+            <a:endParaRPr/>
+          </a:p>
+        </p:txBody>
+      </p:sp>
+      <p:sp>
+        <p:nvSpPr>
+          <p:cNvPr id="408" name="Google Shape;408;g2bb3f83c6aa_0_39"/>
+          <p:cNvSpPr txBox="1"/>
+          <p:nvPr>
+            <p:ph idx="1" type="body"/>
+          </p:nvPr>
+        </p:nvSpPr>
+        <p:spPr>
+          <a:xfrm>
+            <a:off x="571370" y="1673454"/>
+            <a:ext cx="11010900" cy="4575000"/>
+          </a:xfrm>
+          <a:prstGeom prst="rect">
+            <a:avLst/>
+          </a:prstGeom>
+        </p:spPr>
+        <p:txBody>
+          <a:bodyPr anchorCtr="0" anchor="t" bIns="0" lIns="0" spcFirstLastPara="1" rIns="0" wrap="square" tIns="0">
+            <a:normAutofit/>
+          </a:bodyPr>
+          <a:lstStyle/>
+          <a:p>
+            <a:pPr indent="0" lvl="0" marL="0" rtl="0" algn="l">
+              <a:spcBef>
+                <a:spcPts val="1200"/>
+              </a:spcBef>
+              <a:spcAft>
+                <a:spcPts val="0"/>
+              </a:spcAft>
+              <a:buNone/>
+            </a:pPr>
+            <a:r>
+              <a:rPr lang="en-US"/>
+              <a:t>lit is a portable tool for executing LLVM and Clang style test suites, summarizing their results, and providing indication of failures. lit is designed to be a lightweight testing tool with as simple a user interface as possible.</a:t>
+            </a:r>
+            <a:endParaRPr/>
+          </a:p>
+          <a:p>
+            <a:pPr indent="0" lvl="0" marL="0" rtl="0" algn="l">
+              <a:spcBef>
+                <a:spcPts val="1200"/>
+              </a:spcBef>
+              <a:spcAft>
+                <a:spcPts val="0"/>
+              </a:spcAft>
+              <a:buNone/>
+            </a:pPr>
+            <a:r>
+              <a:t/>
+            </a:r>
+            <a:endParaRPr/>
+          </a:p>
+          <a:p>
+            <a:pPr indent="0" lvl="0" marL="0" rtl="0" algn="l">
+              <a:spcBef>
+                <a:spcPts val="1200"/>
+              </a:spcBef>
+              <a:spcAft>
+                <a:spcPts val="0"/>
+              </a:spcAft>
+              <a:buNone/>
+            </a:pPr>
+            <a:r>
+              <a:rPr lang="en-US"/>
+              <a:t>Manual: </a:t>
+            </a:r>
+            <a:r>
+              <a:rPr lang="en-US" u="sng">
+                <a:solidFill>
+                  <a:schemeClr val="hlink"/>
+                </a:solidFill>
+                <a:hlinkClick r:id="rId3"/>
+              </a:rPr>
+              <a:t>https://llvm.org/docs/CommandGuide/lit.html</a:t>
+            </a:r>
+            <a:r>
+              <a:rPr lang="en-US"/>
+              <a:t> </a:t>
+            </a:r>
+            <a:endParaRPr/>
+          </a:p>
+        </p:txBody>
+      </p:sp>
+    </p:spTree>
+  </p:cSld>
+  <p:clrMapOvr>
+    <a:masterClrMapping/>
+  </p:clrMapOvr>
+</p:sld>
+</file>
+
+<file path=ppt/slides/slide33.xml><?xml version="1.0" encoding="utf-8"?>
+<p:sld xmlns:a="http://schemas.openxmlformats.org/drawingml/2006/main" xmlns:r="http://schemas.openxmlformats.org/officeDocument/2006/relationships" xmlns:mc="http://schemas.openxmlformats.org/markup-compatibility/2006" xmlns:mv="urn:schemas-microsoft-com:mac:vml" xmlns:p="http://schemas.openxmlformats.org/presentationml/2006/main" xmlns:c="http://schemas.openxmlformats.org/drawingml/2006/chart" xmlns:dgm="http://schemas.openxmlformats.org/drawingml/2006/diagram" xmlns:o="urn:schemas-microsoft-com:office:office" xmlns:v="urn:schemas-microsoft-com:vml" xmlns:pvml="urn:schemas-microsoft-com:office:powerpoint" xmlns:com="http://schemas.openxmlformats.org/drawingml/2006/compatibility" xmlns:p14="http://schemas.microsoft.com/office/powerpoint/2010/main" xmlns:p15="http://schemas.microsoft.com/office/powerpoint/2012/main" xmlns:ahyp="http://schemas.microsoft.com/office/drawing/2018/hyperlinkcolor">
+  <p:cSld>
+    <p:spTree>
+      <p:nvGrpSpPr>
+        <p:cNvPr id="412" name="Shape 412"/>
+        <p:cNvGrpSpPr/>
+        <p:nvPr/>
+      </p:nvGrpSpPr>
+      <p:grpSpPr>
+        <a:xfrm>
+          <a:off x="0" y="0"/>
+          <a:ext cx="0" cy="0"/>
+          <a:chOff x="0" y="0"/>
+          <a:chExt cx="0" cy="0"/>
+        </a:xfrm>
+      </p:grpSpPr>
+      <p:sp>
+        <p:nvSpPr>
+          <p:cNvPr id="413" name="Google Shape;413;g26a25c02a4b_0_1"/>
           <p:cNvSpPr txBox="1"/>
           <p:nvPr>
             <p:ph type="title"/>
@@ -30213,7 +30564,7 @@
       </p:sp>
       <p:pic>
         <p:nvPicPr>
-          <p:cNvPr id="408" name="Google Shape;408;g26a25c02a4b_0_1"/>
+          <p:cNvPr id="414" name="Google Shape;414;g26a25c02a4b_0_1"/>
           <p:cNvPicPr preferRelativeResize="0"/>
           <p:nvPr/>
         </p:nvPicPr>
@@ -30241,7 +30592,7 @@
       </p:pic>
       <p:sp>
         <p:nvSpPr>
-          <p:cNvPr id="409" name="Google Shape;409;g26a25c02a4b_0_1"/>
+          <p:cNvPr id="415" name="Google Shape;415;g26a25c02a4b_0_1"/>
           <p:cNvSpPr txBox="1"/>
           <p:nvPr/>
         </p:nvSpPr>
@@ -30290,192 +30641,6 @@
   <p:clrMapOvr>
     <a:masterClrMapping/>
   </p:clrMapOvr>
-</p:sld>
-</file>
-
-<file path=ppt/slides/slide33.xml><?xml version="1.0" encoding="utf-8"?>
-<p:sld xmlns:a="http://schemas.openxmlformats.org/drawingml/2006/main" xmlns:r="http://schemas.openxmlformats.org/officeDocument/2006/relationships" xmlns:mc="http://schemas.openxmlformats.org/markup-compatibility/2006" xmlns:mv="urn:schemas-microsoft-com:mac:vml" xmlns:p="http://schemas.openxmlformats.org/presentationml/2006/main" xmlns:c="http://schemas.openxmlformats.org/drawingml/2006/chart" xmlns:dgm="http://schemas.openxmlformats.org/drawingml/2006/diagram" xmlns:o="urn:schemas-microsoft-com:office:office" xmlns:v="urn:schemas-microsoft-com:vml" xmlns:pvml="urn:schemas-microsoft-com:office:powerpoint" xmlns:com="http://schemas.openxmlformats.org/drawingml/2006/compatibility" xmlns:p14="http://schemas.microsoft.com/office/powerpoint/2010/main" xmlns:p15="http://schemas.microsoft.com/office/powerpoint/2012/main" xmlns:ahyp="http://schemas.microsoft.com/office/drawing/2018/hyperlinkcolor">
-  <p:cSld>
-    <p:spTree>
-      <p:nvGrpSpPr>
-        <p:cNvPr id="413" name="Shape 413"/>
-        <p:cNvGrpSpPr/>
-        <p:nvPr/>
-      </p:nvGrpSpPr>
-      <p:grpSpPr>
-        <a:xfrm>
-          <a:off x="0" y="0"/>
-          <a:ext cx="0" cy="0"/>
-          <a:chOff x="0" y="0"/>
-          <a:chExt cx="0" cy="0"/>
-        </a:xfrm>
-      </p:grpSpPr>
-      <p:sp>
-        <p:nvSpPr>
-          <p:cNvPr id="414" name="Google Shape;414;p27"/>
-          <p:cNvSpPr txBox="1"/>
-          <p:nvPr>
-            <p:ph type="title"/>
-          </p:nvPr>
-        </p:nvSpPr>
-        <p:spPr>
-          <a:xfrm>
-            <a:off x="571370" y="571500"/>
-            <a:ext cx="11010816" cy="952499"/>
-          </a:xfrm>
-          <a:prstGeom prst="rect">
-            <a:avLst/>
-          </a:prstGeom>
-          <a:noFill/>
-          <a:ln>
-            <a:noFill/>
-          </a:ln>
-        </p:spPr>
-        <p:txBody>
-          <a:bodyPr anchorCtr="0" anchor="t" bIns="0" lIns="0" spcFirstLastPara="1" rIns="0" wrap="square" tIns="0">
-            <a:noAutofit/>
-          </a:bodyPr>
-          <a:lstStyle/>
-          <a:p>
-            <a:pPr indent="0" lvl="0" marL="0" rtl="0" algn="l">
-              <a:lnSpc>
-                <a:spcPct val="90000"/>
-              </a:lnSpc>
-              <a:spcBef>
-                <a:spcPts val="0"/>
-              </a:spcBef>
-              <a:spcAft>
-                <a:spcPts val="0"/>
-              </a:spcAft>
-              <a:buClr>
-                <a:srgbClr val="525252"/>
-              </a:buClr>
-              <a:buSzPts val="4000"/>
-              <a:buFont typeface="Arial"/>
-              <a:buNone/>
-            </a:pPr>
-            <a:r>
-              <a:rPr lang="en-US"/>
-              <a:t>Next time…</a:t>
-            </a:r>
-            <a:endParaRPr/>
-          </a:p>
-        </p:txBody>
-      </p:sp>
-      <p:sp>
-        <p:nvSpPr>
-          <p:cNvPr id="415" name="Google Shape;415;p27"/>
-          <p:cNvSpPr txBox="1"/>
-          <p:nvPr>
-            <p:ph idx="1" type="body"/>
-          </p:nvPr>
-        </p:nvSpPr>
-        <p:spPr>
-          <a:xfrm>
-            <a:off x="571370" y="1673454"/>
-            <a:ext cx="11010900" cy="4574947"/>
-          </a:xfrm>
-          <a:prstGeom prst="rect">
-            <a:avLst/>
-          </a:prstGeom>
-          <a:noFill/>
-          <a:ln>
-            <a:noFill/>
-          </a:ln>
-        </p:spPr>
-        <p:txBody>
-          <a:bodyPr anchorCtr="0" anchor="t" bIns="0" lIns="0" spcFirstLastPara="1" rIns="0" wrap="square" tIns="0">
-            <a:normAutofit/>
-          </a:bodyPr>
-          <a:lstStyle/>
-          <a:p>
-            <a:pPr indent="-228600" lvl="0" marL="228600" rtl="0" algn="l">
-              <a:lnSpc>
-                <a:spcPct val="100000"/>
-              </a:lnSpc>
-              <a:spcBef>
-                <a:spcPts val="0"/>
-              </a:spcBef>
-              <a:spcAft>
-                <a:spcPts val="0"/>
-              </a:spcAft>
-              <a:buClr>
-                <a:schemeClr val="lt2"/>
-              </a:buClr>
-              <a:buSzPts val="2800"/>
-              <a:buChar char="▪"/>
-            </a:pPr>
-            <a:r>
-              <a:rPr lang="en-US"/>
-              <a:t>Intermediate representations</a:t>
-            </a:r>
-            <a:endParaRPr/>
-          </a:p>
-          <a:p>
-            <a:pPr indent="-228600" lvl="0" marL="228600" rtl="0" algn="l">
-              <a:lnSpc>
-                <a:spcPct val="100000"/>
-              </a:lnSpc>
-              <a:spcBef>
-                <a:spcPts val="1200"/>
-              </a:spcBef>
-              <a:spcAft>
-                <a:spcPts val="0"/>
-              </a:spcAft>
-              <a:buClr>
-                <a:schemeClr val="lt2"/>
-              </a:buClr>
-              <a:buSzPts val="2800"/>
-              <a:buChar char="▪"/>
-            </a:pPr>
-            <a:r>
-              <a:rPr lang="en-US"/>
-              <a:t>LLVM IR</a:t>
-            </a:r>
-            <a:endParaRPr/>
-          </a:p>
-          <a:p>
-            <a:pPr indent="-228600" lvl="0" marL="228600" rtl="0" algn="l">
-              <a:lnSpc>
-                <a:spcPct val="100000"/>
-              </a:lnSpc>
-              <a:spcBef>
-                <a:spcPts val="1200"/>
-              </a:spcBef>
-              <a:spcAft>
-                <a:spcPts val="0"/>
-              </a:spcAft>
-              <a:buClr>
-                <a:schemeClr val="lt2"/>
-              </a:buClr>
-              <a:buSzPts val="2800"/>
-              <a:buChar char="▪"/>
-            </a:pPr>
-            <a:r>
-              <a:rPr lang="en-US"/>
-              <a:t>IR generation</a:t>
-            </a:r>
-            <a:endParaRPr/>
-          </a:p>
-        </p:txBody>
-      </p:sp>
-    </p:spTree>
-  </p:cSld>
-  <p:clrMapOvr>
-    <a:masterClrMapping/>
-  </p:clrMapOvr>
-  <mc:AlternateContent>
-    <mc:Choice Requires="p14">
-      <p:transition spd="slow" p14:dur="700">
-        <p:fade/>
-      </p:transition>
-    </mc:Choice>
-    <mc:Fallback>
-      <p:transition spd="slow">
-        <p:fade/>
-      </p:transition>
-    </mc:Fallback>
-  </mc:AlternateContent>
 </p:sld>
 </file>
 
@@ -30498,7 +30663,7 @@
       </p:grpSpPr>
       <p:sp>
         <p:nvSpPr>
-          <p:cNvPr id="420" name="Google Shape;420;p28"/>
+          <p:cNvPr id="420" name="Google Shape;420;p27"/>
           <p:cNvSpPr txBox="1"/>
           <p:nvPr>
             <p:ph type="title"/>
@@ -30506,8 +30671,8 @@
         </p:nvSpPr>
         <p:spPr>
           <a:xfrm>
-            <a:off x="571500" y="571501"/>
-            <a:ext cx="11010901" cy="952500"/>
+            <a:off x="571370" y="571500"/>
+            <a:ext cx="11010816" cy="952499"/>
           </a:xfrm>
           <a:prstGeom prst="rect">
             <a:avLst/>
@@ -30542,7 +30707,7 @@
             </a:pPr>
             <a:r>
               <a:rPr lang="en-US"/>
-              <a:t>Extra materials</a:t>
+              <a:t>Next time…</a:t>
             </a:r>
             <a:endParaRPr/>
           </a:p>
@@ -30550,7 +30715,7 @@
       </p:sp>
       <p:sp>
         <p:nvSpPr>
-          <p:cNvPr id="421" name="Google Shape;421;p28"/>
+          <p:cNvPr id="421" name="Google Shape;421;p27"/>
           <p:cNvSpPr txBox="1"/>
           <p:nvPr>
             <p:ph idx="1" type="body"/>
@@ -30558,8 +30723,8 @@
         </p:nvSpPr>
         <p:spPr>
           <a:xfrm>
-            <a:off x="571500" y="1673402"/>
-            <a:ext cx="10837852" cy="4584830"/>
+            <a:off x="571370" y="1673454"/>
+            <a:ext cx="11010900" cy="4574947"/>
           </a:xfrm>
           <a:prstGeom prst="rect">
             <a:avLst/>
@@ -30588,27 +30753,14 @@
               <a:buClr>
                 <a:schemeClr val="lt2"/>
               </a:buClr>
-              <a:buSzPts val="1600"/>
+              <a:buSzPts val="2800"/>
               <a:buChar char="▪"/>
             </a:pPr>
             <a:r>
-              <a:rPr lang="en-US" sz="1600"/>
-              <a:t>Data flow analysis - </a:t>
+              <a:rPr lang="en-US"/>
+              <a:t>Intermediate representations</a:t>
             </a:r>
-            <a:r>
-              <a:rPr lang="en-US" sz="1600" u="sng">
-                <a:solidFill>
-                  <a:schemeClr val="hlink"/>
-                </a:solidFill>
-                <a:hlinkClick r:id="rId3"/>
-              </a:rPr>
-              <a:t>https://www.youtube.com/watch?v=OROXJ9-wUQE</a:t>
-            </a:r>
-            <a:r>
-              <a:rPr lang="en-US" sz="1600"/>
-              <a:t> </a:t>
-            </a:r>
-            <a:endParaRPr sz="1600"/>
+            <a:endParaRPr/>
           </a:p>
           <a:p>
             <a:pPr indent="-228600" lvl="0" marL="228600" rtl="0" algn="l">
@@ -30616,123 +30768,45 @@
                 <a:spcPct val="100000"/>
               </a:lnSpc>
               <a:spcBef>
-                <a:spcPts val="0"/>
-              </a:spcBef>
-              <a:spcAft>
-                <a:spcPts val="0"/>
-              </a:spcAft>
-              <a:buSzPts val="1600"/>
+                <a:spcPts val="1200"/>
+              </a:spcBef>
+              <a:spcAft>
+                <a:spcPts val="0"/>
+              </a:spcAft>
+              <a:buClr>
+                <a:schemeClr val="lt2"/>
+              </a:buClr>
+              <a:buSzPts val="2800"/>
               <a:buChar char="▪"/>
             </a:pPr>
             <a:r>
-              <a:rPr lang="en-US" sz="1600"/>
-              <a:t>AST Matchers:</a:t>
+              <a:rPr lang="en-US"/>
+              <a:t>LLVM IR</a:t>
             </a:r>
-            <a:endParaRPr sz="1600"/>
+            <a:endParaRPr/>
           </a:p>
           <a:p>
-            <a:pPr indent="-190500" lvl="1" marL="431800" rtl="0" algn="l">
-              <a:lnSpc>
-                <a:spcPct val="100000"/>
-              </a:lnSpc>
-              <a:spcBef>
-                <a:spcPts val="0"/>
-              </a:spcBef>
-              <a:spcAft>
-                <a:spcPts val="0"/>
-              </a:spcAft>
-              <a:buSzPts val="1600"/>
-              <a:buChar char="•"/>
-            </a:pPr>
-            <a:r>
-              <a:rPr lang="en-US" sz="1600" u="sng">
-                <a:solidFill>
-                  <a:schemeClr val="hlink"/>
-                </a:solidFill>
-                <a:hlinkClick r:id="rId4"/>
-              </a:rPr>
-              <a:t>https://github.com/lac-dcc/llvm-course/tree/master/ast-matcher</a:t>
-            </a:r>
-            <a:endParaRPr sz="1600"/>
-          </a:p>
-          <a:p>
-            <a:pPr indent="-190500" lvl="1" marL="431800" rtl="0" algn="l">
-              <a:lnSpc>
-                <a:spcPct val="100000"/>
-              </a:lnSpc>
-              <a:spcBef>
-                <a:spcPts val="0"/>
-              </a:spcBef>
-              <a:spcAft>
-                <a:spcPts val="0"/>
-              </a:spcAft>
-              <a:buSzPts val="1600"/>
-              <a:buChar char="•"/>
-            </a:pPr>
-            <a:r>
-              <a:rPr lang="en-US" sz="1600" u="sng">
-                <a:solidFill>
-                  <a:schemeClr val="hlink"/>
-                </a:solidFill>
-                <a:hlinkClick r:id="rId5"/>
-              </a:rPr>
-              <a:t>https://www.youtube.com/watch?v=mizS4KnfTtQ</a:t>
-            </a:r>
-            <a:endParaRPr sz="1600"/>
-          </a:p>
-          <a:p>
-            <a:pPr indent="-215900" lvl="0" marL="228600" rtl="0" algn="l">
+            <a:pPr indent="-228600" lvl="0" marL="228600" rtl="0" algn="l">
+              <a:lnSpc>
+                <a:spcPct val="100000"/>
+              </a:lnSpc>
               <a:spcBef>
                 <a:spcPts val="1200"/>
               </a:spcBef>
               <a:spcAft>
                 <a:spcPts val="0"/>
               </a:spcAft>
-              <a:buSzPts val="1600"/>
+              <a:buClr>
+                <a:schemeClr val="lt2"/>
+              </a:buClr>
+              <a:buSzPts val="2800"/>
               <a:buChar char="▪"/>
             </a:pPr>
             <a:r>
-              <a:rPr lang="en-US" sz="1600"/>
-              <a:t>A. Homescu “Mutating the clang AST from Plugins”: </a:t>
+              <a:rPr lang="en-US"/>
+              <a:t>IR generation</a:t>
             </a:r>
-            <a:r>
-              <a:rPr lang="en-US" sz="1600" u="sng">
-                <a:solidFill>
-                  <a:schemeClr val="accent1"/>
-                </a:solidFill>
-                <a:hlinkClick r:id="rId6">
-                  <a:extLst>
-                    <a:ext uri="{A12FA001-AC4F-418D-AE19-62706E023703}">
-                      <ahyp:hlinkClr val="tx"/>
-                    </a:ext>
-                  </a:extLst>
-                </a:hlinkClick>
-              </a:rPr>
-              <a:t>https://www.youtube.com/watch?v=_rUwW8Awc5s</a:t>
-            </a:r>
-            <a:r>
-              <a:rPr lang="en-US" sz="1600"/>
-              <a:t> </a:t>
-            </a:r>
-            <a:endParaRPr sz="1600"/>
-          </a:p>
-          <a:p>
-            <a:pPr indent="0" lvl="0" marL="0" rtl="0" algn="l">
-              <a:lnSpc>
-                <a:spcPct val="100000"/>
-              </a:lnSpc>
-              <a:spcBef>
-                <a:spcPts val="0"/>
-              </a:spcBef>
-              <a:spcAft>
-                <a:spcPts val="0"/>
-              </a:spcAft>
-              <a:buNone/>
-            </a:pPr>
-            <a:r>
-              <a:t/>
-            </a:r>
-            <a:endParaRPr sz="1600"/>
+            <a:endParaRPr/>
           </a:p>
         </p:txBody>
       </p:sp>
@@ -30773,6 +30847,526 @@
           <a:chExt cx="0" cy="0"/>
         </a:xfrm>
       </p:grpSpPr>
+      <p:sp>
+        <p:nvSpPr>
+          <p:cNvPr id="426" name="Google Shape;426;g32fabb4c2d1_0_0"/>
+          <p:cNvSpPr txBox="1"/>
+          <p:nvPr>
+            <p:ph type="title"/>
+          </p:nvPr>
+        </p:nvSpPr>
+        <p:spPr>
+          <a:xfrm>
+            <a:off x="571370" y="571500"/>
+            <a:ext cx="11010900" cy="952500"/>
+          </a:xfrm>
+          <a:prstGeom prst="rect">
+            <a:avLst/>
+          </a:prstGeom>
+        </p:spPr>
+        <p:txBody>
+          <a:bodyPr anchorCtr="0" anchor="t" bIns="0" lIns="0" spcFirstLastPara="1" rIns="0" wrap="square" tIns="0">
+            <a:noAutofit/>
+          </a:bodyPr>
+          <a:lstStyle/>
+          <a:p>
+            <a:pPr indent="0" lvl="0" marL="0" rtl="0" algn="l">
+              <a:spcBef>
+                <a:spcPts val="0"/>
+              </a:spcBef>
+              <a:spcAft>
+                <a:spcPts val="0"/>
+              </a:spcAft>
+              <a:buNone/>
+            </a:pPr>
+            <a:r>
+              <a:rPr lang="en-US"/>
+              <a:t>Test</a:t>
+            </a:r>
+            <a:endParaRPr/>
+          </a:p>
+        </p:txBody>
+      </p:sp>
+      <p:sp>
+        <p:nvSpPr>
+          <p:cNvPr id="427" name="Google Shape;427;g32fabb4c2d1_0_0"/>
+          <p:cNvSpPr txBox="1"/>
+          <p:nvPr>
+            <p:ph idx="1" type="body"/>
+          </p:nvPr>
+        </p:nvSpPr>
+        <p:spPr>
+          <a:xfrm>
+            <a:off x="590545" y="1206529"/>
+            <a:ext cx="11010900" cy="4575000"/>
+          </a:xfrm>
+          <a:prstGeom prst="rect">
+            <a:avLst/>
+          </a:prstGeom>
+        </p:spPr>
+        <p:txBody>
+          <a:bodyPr anchorCtr="0" anchor="t" bIns="0" lIns="0" spcFirstLastPara="1" rIns="0" wrap="square" tIns="0">
+            <a:normAutofit/>
+          </a:bodyPr>
+          <a:lstStyle/>
+          <a:p>
+            <a:pPr indent="0" lvl="0" marL="0" rtl="0" algn="l">
+              <a:spcBef>
+                <a:spcPts val="1200"/>
+              </a:spcBef>
+              <a:spcAft>
+                <a:spcPts val="0"/>
+              </a:spcAft>
+              <a:buNone/>
+            </a:pPr>
+            <a:r>
+              <a:rPr lang="en-US" u="sng">
+                <a:solidFill>
+                  <a:schemeClr val="hlink"/>
+                </a:solidFill>
+                <a:hlinkClick r:id="rId3"/>
+              </a:rPr>
+              <a:t>https://forms.gle/KedxuyGUAkYiMmYf6</a:t>
+            </a:r>
+            <a:r>
+              <a:rPr lang="en-US"/>
+              <a:t> </a:t>
+            </a:r>
+            <a:endParaRPr/>
+          </a:p>
+        </p:txBody>
+      </p:sp>
+      <p:sp>
+        <p:nvSpPr>
+          <p:cNvPr id="428" name="Google Shape;428;g32fabb4c2d1_0_0"/>
+          <p:cNvSpPr txBox="1"/>
+          <p:nvPr/>
+        </p:nvSpPr>
+        <p:spPr>
+          <a:xfrm>
+            <a:off x="8510750" y="6397900"/>
+            <a:ext cx="3356100" cy="492600"/>
+          </a:xfrm>
+          <a:prstGeom prst="rect">
+            <a:avLst/>
+          </a:prstGeom>
+          <a:noFill/>
+          <a:ln>
+            <a:noFill/>
+          </a:ln>
+        </p:spPr>
+        <p:txBody>
+          <a:bodyPr anchorCtr="0" anchor="t" bIns="91425" lIns="91425" spcFirstLastPara="1" rIns="91425" wrap="square" tIns="91425">
+            <a:spAutoFit/>
+          </a:bodyPr>
+          <a:lstStyle/>
+          <a:p>
+            <a:pPr indent="0" lvl="0" marL="0" rtl="0" algn="l">
+              <a:spcBef>
+                <a:spcPts val="0"/>
+              </a:spcBef>
+              <a:spcAft>
+                <a:spcPts val="0"/>
+              </a:spcAft>
+              <a:buNone/>
+            </a:pPr>
+            <a:r>
+              <a:rPr lang="en-US" sz="2000">
+                <a:solidFill>
+                  <a:srgbClr val="525252"/>
+                </a:solidFill>
+              </a:rPr>
+              <a:t>Backup: </a:t>
+            </a:r>
+            <a:r>
+              <a:rPr lang="en-US" sz="2000" u="sng">
+                <a:solidFill>
+                  <a:srgbClr val="0068B5"/>
+                </a:solidFill>
+                <a:hlinkClick r:id="rId4">
+                  <a:extLst>
+                    <a:ext uri="{A12FA001-AC4F-418D-AE19-62706E023703}">
+                      <ahyp:hlinkClr val="tx"/>
+                    </a:ext>
+                  </a:extLst>
+                </a:hlinkClick>
+              </a:rPr>
+              <a:t>me@gooddoog.ru</a:t>
+            </a:r>
+            <a:r>
+              <a:rPr lang="en-US" sz="2000">
+                <a:solidFill>
+                  <a:srgbClr val="525252"/>
+                </a:solidFill>
+              </a:rPr>
+              <a:t> </a:t>
+            </a:r>
+            <a:endParaRPr sz="2000">
+              <a:solidFill>
+                <a:srgbClr val="525252"/>
+              </a:solidFill>
+            </a:endParaRPr>
+          </a:p>
+        </p:txBody>
+      </p:sp>
+      <p:pic>
+        <p:nvPicPr>
+          <p:cNvPr id="429" name="Google Shape;429;g32fabb4c2d1_0_0"/>
+          <p:cNvPicPr preferRelativeResize="0"/>
+          <p:nvPr/>
+        </p:nvPicPr>
+        <p:blipFill>
+          <a:blip r:embed="rId5">
+            <a:alphaModFix/>
+          </a:blip>
+          <a:stretch>
+            <a:fillRect/>
+          </a:stretch>
+        </p:blipFill>
+        <p:spPr>
+          <a:xfrm>
+            <a:off x="8510750" y="1932550"/>
+            <a:ext cx="2933700" cy="2895600"/>
+          </a:xfrm>
+          <a:prstGeom prst="rect">
+            <a:avLst/>
+          </a:prstGeom>
+          <a:noFill/>
+          <a:ln>
+            <a:noFill/>
+          </a:ln>
+        </p:spPr>
+      </p:pic>
+      <p:pic>
+        <p:nvPicPr>
+          <p:cNvPr id="430" name="Google Shape;430;g32fabb4c2d1_0_0"/>
+          <p:cNvPicPr preferRelativeResize="0"/>
+          <p:nvPr/>
+        </p:nvPicPr>
+        <p:blipFill>
+          <a:blip r:embed="rId6">
+            <a:alphaModFix/>
+          </a:blip>
+          <a:stretch>
+            <a:fillRect/>
+          </a:stretch>
+        </p:blipFill>
+        <p:spPr>
+          <a:xfrm>
+            <a:off x="663701" y="1825800"/>
+            <a:ext cx="7066720" cy="5032200"/>
+          </a:xfrm>
+          <a:prstGeom prst="rect">
+            <a:avLst/>
+          </a:prstGeom>
+          <a:noFill/>
+          <a:ln>
+            <a:noFill/>
+          </a:ln>
+        </p:spPr>
+      </p:pic>
+    </p:spTree>
+  </p:cSld>
+  <p:clrMapOvr>
+    <a:masterClrMapping/>
+  </p:clrMapOvr>
+</p:sld>
+</file>
+
+<file path=ppt/slides/slide36.xml><?xml version="1.0" encoding="utf-8"?>
+<p:sld xmlns:a="http://schemas.openxmlformats.org/drawingml/2006/main" xmlns:r="http://schemas.openxmlformats.org/officeDocument/2006/relationships" xmlns:mc="http://schemas.openxmlformats.org/markup-compatibility/2006" xmlns:mv="urn:schemas-microsoft-com:mac:vml" xmlns:p="http://schemas.openxmlformats.org/presentationml/2006/main" xmlns:c="http://schemas.openxmlformats.org/drawingml/2006/chart" xmlns:dgm="http://schemas.openxmlformats.org/drawingml/2006/diagram" xmlns:o="urn:schemas-microsoft-com:office:office" xmlns:v="urn:schemas-microsoft-com:vml" xmlns:pvml="urn:schemas-microsoft-com:office:powerpoint" xmlns:com="http://schemas.openxmlformats.org/drawingml/2006/compatibility" xmlns:p14="http://schemas.microsoft.com/office/powerpoint/2010/main" xmlns:p15="http://schemas.microsoft.com/office/powerpoint/2012/main" xmlns:ahyp="http://schemas.microsoft.com/office/drawing/2018/hyperlinkcolor">
+  <p:cSld>
+    <p:spTree>
+      <p:nvGrpSpPr>
+        <p:cNvPr id="434" name="Shape 434"/>
+        <p:cNvGrpSpPr/>
+        <p:nvPr/>
+      </p:nvGrpSpPr>
+      <p:grpSpPr>
+        <a:xfrm>
+          <a:off x="0" y="0"/>
+          <a:ext cx="0" cy="0"/>
+          <a:chOff x="0" y="0"/>
+          <a:chExt cx="0" cy="0"/>
+        </a:xfrm>
+      </p:grpSpPr>
+      <p:sp>
+        <p:nvSpPr>
+          <p:cNvPr id="435" name="Google Shape;435;p28"/>
+          <p:cNvSpPr txBox="1"/>
+          <p:nvPr>
+            <p:ph type="title"/>
+          </p:nvPr>
+        </p:nvSpPr>
+        <p:spPr>
+          <a:xfrm>
+            <a:off x="571500" y="571501"/>
+            <a:ext cx="11010901" cy="952500"/>
+          </a:xfrm>
+          <a:prstGeom prst="rect">
+            <a:avLst/>
+          </a:prstGeom>
+          <a:noFill/>
+          <a:ln>
+            <a:noFill/>
+          </a:ln>
+        </p:spPr>
+        <p:txBody>
+          <a:bodyPr anchorCtr="0" anchor="t" bIns="0" lIns="0" spcFirstLastPara="1" rIns="0" wrap="square" tIns="0">
+            <a:noAutofit/>
+          </a:bodyPr>
+          <a:lstStyle/>
+          <a:p>
+            <a:pPr indent="0" lvl="0" marL="0" rtl="0" algn="l">
+              <a:lnSpc>
+                <a:spcPct val="90000"/>
+              </a:lnSpc>
+              <a:spcBef>
+                <a:spcPts val="0"/>
+              </a:spcBef>
+              <a:spcAft>
+                <a:spcPts val="0"/>
+              </a:spcAft>
+              <a:buClr>
+                <a:srgbClr val="525252"/>
+              </a:buClr>
+              <a:buSzPts val="4000"/>
+              <a:buFont typeface="Arial"/>
+              <a:buNone/>
+            </a:pPr>
+            <a:r>
+              <a:rPr lang="en-US"/>
+              <a:t>Extra materials</a:t>
+            </a:r>
+            <a:endParaRPr/>
+          </a:p>
+        </p:txBody>
+      </p:sp>
+      <p:sp>
+        <p:nvSpPr>
+          <p:cNvPr id="436" name="Google Shape;436;p28"/>
+          <p:cNvSpPr txBox="1"/>
+          <p:nvPr>
+            <p:ph idx="1" type="body"/>
+          </p:nvPr>
+        </p:nvSpPr>
+        <p:spPr>
+          <a:xfrm>
+            <a:off x="571500" y="1673402"/>
+            <a:ext cx="10837852" cy="4584830"/>
+          </a:xfrm>
+          <a:prstGeom prst="rect">
+            <a:avLst/>
+          </a:prstGeom>
+          <a:noFill/>
+          <a:ln>
+            <a:noFill/>
+          </a:ln>
+        </p:spPr>
+        <p:txBody>
+          <a:bodyPr anchorCtr="0" anchor="t" bIns="0" lIns="0" spcFirstLastPara="1" rIns="0" wrap="square" tIns="0">
+            <a:normAutofit/>
+          </a:bodyPr>
+          <a:lstStyle/>
+          <a:p>
+            <a:pPr indent="-228600" lvl="0" marL="228600" rtl="0" algn="l">
+              <a:lnSpc>
+                <a:spcPct val="100000"/>
+              </a:lnSpc>
+              <a:spcBef>
+                <a:spcPts val="0"/>
+              </a:spcBef>
+              <a:spcAft>
+                <a:spcPts val="0"/>
+              </a:spcAft>
+              <a:buClr>
+                <a:schemeClr val="lt2"/>
+              </a:buClr>
+              <a:buSzPts val="1600"/>
+              <a:buChar char="▪"/>
+            </a:pPr>
+            <a:r>
+              <a:rPr lang="en-US" sz="1600"/>
+              <a:t>Data flow analysis - </a:t>
+            </a:r>
+            <a:r>
+              <a:rPr lang="en-US" sz="1600" u="sng">
+                <a:solidFill>
+                  <a:schemeClr val="hlink"/>
+                </a:solidFill>
+                <a:hlinkClick r:id="rId3"/>
+              </a:rPr>
+              <a:t>https://www.youtube.com/watch?v=OROXJ9-wUQE</a:t>
+            </a:r>
+            <a:r>
+              <a:rPr lang="en-US" sz="1600"/>
+              <a:t> </a:t>
+            </a:r>
+            <a:endParaRPr sz="1600"/>
+          </a:p>
+          <a:p>
+            <a:pPr indent="-228600" lvl="0" marL="228600" rtl="0" algn="l">
+              <a:lnSpc>
+                <a:spcPct val="100000"/>
+              </a:lnSpc>
+              <a:spcBef>
+                <a:spcPts val="0"/>
+              </a:spcBef>
+              <a:spcAft>
+                <a:spcPts val="0"/>
+              </a:spcAft>
+              <a:buSzPts val="1600"/>
+              <a:buChar char="▪"/>
+            </a:pPr>
+            <a:r>
+              <a:rPr lang="en-US" sz="1600"/>
+              <a:t>AST Matchers:</a:t>
+            </a:r>
+            <a:endParaRPr sz="1600"/>
+          </a:p>
+          <a:p>
+            <a:pPr indent="-190500" lvl="1" marL="431800" rtl="0" algn="l">
+              <a:lnSpc>
+                <a:spcPct val="100000"/>
+              </a:lnSpc>
+              <a:spcBef>
+                <a:spcPts val="0"/>
+              </a:spcBef>
+              <a:spcAft>
+                <a:spcPts val="0"/>
+              </a:spcAft>
+              <a:buSzPts val="1600"/>
+              <a:buChar char="•"/>
+            </a:pPr>
+            <a:r>
+              <a:rPr lang="en-US" sz="1600" u="sng">
+                <a:solidFill>
+                  <a:schemeClr val="hlink"/>
+                </a:solidFill>
+                <a:hlinkClick r:id="rId4"/>
+              </a:rPr>
+              <a:t>https://github.com/lac-dcc/llvm-course/tree/master/ast-matcher</a:t>
+            </a:r>
+            <a:endParaRPr sz="1600"/>
+          </a:p>
+          <a:p>
+            <a:pPr indent="-190500" lvl="1" marL="431800" rtl="0" algn="l">
+              <a:lnSpc>
+                <a:spcPct val="100000"/>
+              </a:lnSpc>
+              <a:spcBef>
+                <a:spcPts val="0"/>
+              </a:spcBef>
+              <a:spcAft>
+                <a:spcPts val="0"/>
+              </a:spcAft>
+              <a:buSzPts val="1600"/>
+              <a:buChar char="•"/>
+            </a:pPr>
+            <a:r>
+              <a:rPr lang="en-US" sz="1600" u="sng">
+                <a:solidFill>
+                  <a:schemeClr val="hlink"/>
+                </a:solidFill>
+                <a:hlinkClick r:id="rId5"/>
+              </a:rPr>
+              <a:t>https://www.youtube.com/watch?v=mizS4KnfTtQ</a:t>
+            </a:r>
+            <a:endParaRPr sz="1600"/>
+          </a:p>
+          <a:p>
+            <a:pPr indent="-215900" lvl="0" marL="228600" rtl="0" algn="l">
+              <a:spcBef>
+                <a:spcPts val="1200"/>
+              </a:spcBef>
+              <a:spcAft>
+                <a:spcPts val="0"/>
+              </a:spcAft>
+              <a:buSzPts val="1600"/>
+              <a:buChar char="▪"/>
+            </a:pPr>
+            <a:r>
+              <a:rPr lang="en-US" sz="1600"/>
+              <a:t>A. Homescu “Mutating the clang AST from Plugins”: </a:t>
+            </a:r>
+            <a:r>
+              <a:rPr lang="en-US" sz="1600" u="sng">
+                <a:solidFill>
+                  <a:schemeClr val="accent1"/>
+                </a:solidFill>
+                <a:hlinkClick r:id="rId6">
+                  <a:extLst>
+                    <a:ext uri="{A12FA001-AC4F-418D-AE19-62706E023703}">
+                      <ahyp:hlinkClr val="tx"/>
+                    </a:ext>
+                  </a:extLst>
+                </a:hlinkClick>
+              </a:rPr>
+              <a:t>https://www.youtube.com/watch?v=_rUwW8Awc5s</a:t>
+            </a:r>
+            <a:r>
+              <a:rPr lang="en-US" sz="1600"/>
+              <a:t> </a:t>
+            </a:r>
+            <a:endParaRPr sz="1600"/>
+          </a:p>
+          <a:p>
+            <a:pPr indent="0" lvl="0" marL="0" rtl="0" algn="l">
+              <a:lnSpc>
+                <a:spcPct val="100000"/>
+              </a:lnSpc>
+              <a:spcBef>
+                <a:spcPts val="0"/>
+              </a:spcBef>
+              <a:spcAft>
+                <a:spcPts val="0"/>
+              </a:spcAft>
+              <a:buNone/>
+            </a:pPr>
+            <a:r>
+              <a:t/>
+            </a:r>
+            <a:endParaRPr sz="1600"/>
+          </a:p>
+        </p:txBody>
+      </p:sp>
+    </p:spTree>
+  </p:cSld>
+  <p:clrMapOvr>
+    <a:masterClrMapping/>
+  </p:clrMapOvr>
+  <mc:AlternateContent>
+    <mc:Choice Requires="p14">
+      <p:transition spd="slow" p14:dur="700">
+        <p:fade/>
+      </p:transition>
+    </mc:Choice>
+    <mc:Fallback>
+      <p:transition spd="slow">
+        <p:fade/>
+      </p:transition>
+    </mc:Fallback>
+  </mc:AlternateContent>
+</p:sld>
+</file>
+
+<file path=ppt/slides/slide37.xml><?xml version="1.0" encoding="utf-8"?>
+<p:sld xmlns:a="http://schemas.openxmlformats.org/drawingml/2006/main" xmlns:r="http://schemas.openxmlformats.org/officeDocument/2006/relationships" xmlns:mc="http://schemas.openxmlformats.org/markup-compatibility/2006" xmlns:mv="urn:schemas-microsoft-com:mac:vml" xmlns:p="http://schemas.openxmlformats.org/presentationml/2006/main" xmlns:c="http://schemas.openxmlformats.org/drawingml/2006/chart" xmlns:dgm="http://schemas.openxmlformats.org/drawingml/2006/diagram" xmlns:o="urn:schemas-microsoft-com:office:office" xmlns:v="urn:schemas-microsoft-com:vml" xmlns:pvml="urn:schemas-microsoft-com:office:powerpoint" xmlns:com="http://schemas.openxmlformats.org/drawingml/2006/compatibility" xmlns:p14="http://schemas.microsoft.com/office/powerpoint/2010/main" xmlns:p15="http://schemas.microsoft.com/office/powerpoint/2012/main" xmlns:ahyp="http://schemas.microsoft.com/office/drawing/2018/hyperlinkcolor">
+  <p:cSld>
+    <p:spTree>
+      <p:nvGrpSpPr>
+        <p:cNvPr id="440" name="Shape 440"/>
+        <p:cNvGrpSpPr/>
+        <p:nvPr/>
+      </p:nvGrpSpPr>
+      <p:grpSpPr>
+        <a:xfrm>
+          <a:off x="0" y="0"/>
+          <a:ext cx="0" cy="0"/>
+          <a:chOff x="0" y="0"/>
+          <a:chExt cx="0" cy="0"/>
+        </a:xfrm>
+      </p:grpSpPr>
     </p:spTree>
   </p:cSld>
   <p:clrMapOvr>
@@ -30798,7 +31392,7 @@
   <p:cSld>
     <p:spTree>
       <p:nvGrpSpPr>
-        <p:cNvPr id="223" name="Shape 223"/>
+        <p:cNvPr id="222" name="Shape 222"/>
         <p:cNvGrpSpPr/>
         <p:nvPr/>
       </p:nvGrpSpPr>
@@ -30812,7 +31406,7 @@
       </p:grpSpPr>
       <p:sp>
         <p:nvSpPr>
-          <p:cNvPr id="224" name="Google Shape;224;p4"/>
+          <p:cNvPr id="223" name="Google Shape;223;p4"/>
           <p:cNvSpPr txBox="1"/>
           <p:nvPr>
             <p:ph type="title"/>
@@ -30864,7 +31458,7 @@
       </p:sp>
       <p:sp>
         <p:nvSpPr>
-          <p:cNvPr id="225" name="Google Shape;225;p4"/>
+          <p:cNvPr id="224" name="Google Shape;224;p4"/>
           <p:cNvSpPr txBox="1"/>
           <p:nvPr>
             <p:ph idx="1" type="body"/>
@@ -30938,7 +31532,7 @@
   <p:cSld>
     <p:spTree>
       <p:nvGrpSpPr>
-        <p:cNvPr id="229" name="Shape 229"/>
+        <p:cNvPr id="228" name="Shape 228"/>
         <p:cNvGrpSpPr/>
         <p:nvPr/>
       </p:nvGrpSpPr>
@@ -30952,7 +31546,7 @@
       </p:grpSpPr>
       <p:sp>
         <p:nvSpPr>
-          <p:cNvPr id="230" name="Google Shape;230;p5"/>
+          <p:cNvPr id="229" name="Google Shape;229;p5"/>
           <p:cNvSpPr txBox="1"/>
           <p:nvPr>
             <p:ph type="title"/>
@@ -31004,7 +31598,7 @@
       </p:sp>
       <p:sp>
         <p:nvSpPr>
-          <p:cNvPr id="231" name="Google Shape;231;p5"/>
+          <p:cNvPr id="230" name="Google Shape;230;p5"/>
           <p:cNvSpPr txBox="1"/>
           <p:nvPr>
             <p:ph idx="1" type="body"/>
@@ -31210,7 +31804,7 @@
   <p:cSld>
     <p:spTree>
       <p:nvGrpSpPr>
-        <p:cNvPr id="235" name="Shape 235"/>
+        <p:cNvPr id="234" name="Shape 234"/>
         <p:cNvGrpSpPr/>
         <p:nvPr/>
       </p:nvGrpSpPr>
@@ -31224,7 +31818,7 @@
       </p:grpSpPr>
       <p:sp>
         <p:nvSpPr>
-          <p:cNvPr id="236" name="Google Shape;236;p6"/>
+          <p:cNvPr id="235" name="Google Shape;235;p6"/>
           <p:cNvSpPr txBox="1"/>
           <p:nvPr>
             <p:ph type="title"/>
@@ -31276,7 +31870,7 @@
       </p:sp>
       <p:sp>
         <p:nvSpPr>
-          <p:cNvPr id="237" name="Google Shape;237;p6"/>
+          <p:cNvPr id="236" name="Google Shape;236;p6"/>
           <p:cNvSpPr txBox="1"/>
           <p:nvPr>
             <p:ph idx="1" type="body"/>
@@ -31388,7 +31982,20 @@
             </a:pPr>
             <a:r>
               <a:rPr lang="en-US"/>
-              <a:t>BKM: always enable –Wall –Werror (or analogs) for your project</a:t>
+              <a:t>BKM: always enable </a:t>
+            </a:r>
+            <a:r>
+              <a:rPr lang="en-US">
+                <a:latin typeface="Consolas"/>
+                <a:ea typeface="Consolas"/>
+                <a:cs typeface="Consolas"/>
+                <a:sym typeface="Consolas"/>
+              </a:rPr>
+              <a:t>-Wall (-Wextra) -Werror</a:t>
+            </a:r>
+            <a:r>
+              <a:rPr lang="en-US"/>
+              <a:t> flags (or analogs) for your project</a:t>
             </a:r>
             <a:endParaRPr/>
           </a:p>
@@ -31419,7 +32026,7 @@
   <p:cSld>
     <p:spTree>
       <p:nvGrpSpPr>
-        <p:cNvPr id="241" name="Shape 241"/>
+        <p:cNvPr id="240" name="Shape 240"/>
         <p:cNvGrpSpPr/>
         <p:nvPr/>
       </p:nvGrpSpPr>
@@ -31433,7 +32040,7 @@
       </p:grpSpPr>
       <p:sp>
         <p:nvSpPr>
-          <p:cNvPr id="242" name="Google Shape;242;p7"/>
+          <p:cNvPr id="241" name="Google Shape;241;p7"/>
           <p:cNvSpPr txBox="1"/>
           <p:nvPr>
             <p:ph type="title"/>
@@ -31485,7 +32092,7 @@
       </p:sp>
       <p:sp>
         <p:nvSpPr>
-          <p:cNvPr id="243" name="Google Shape;243;p7"/>
+          <p:cNvPr id="242" name="Google Shape;242;p7"/>
           <p:cNvSpPr txBox="1"/>
           <p:nvPr>
             <p:ph idx="1" type="body"/>
@@ -31651,7 +32258,7 @@
   <p:cSld>
     <p:spTree>
       <p:nvGrpSpPr>
-        <p:cNvPr id="247" name="Shape 247"/>
+        <p:cNvPr id="246" name="Shape 246"/>
         <p:cNvGrpSpPr/>
         <p:nvPr/>
       </p:nvGrpSpPr>
@@ -31665,7 +32272,7 @@
       </p:grpSpPr>
       <p:sp>
         <p:nvSpPr>
-          <p:cNvPr id="248" name="Google Shape;248;p8"/>
+          <p:cNvPr id="247" name="Google Shape;247;p8"/>
           <p:cNvSpPr txBox="1"/>
           <p:nvPr>
             <p:ph type="title"/>
@@ -31717,7 +32324,7 @@
       </p:sp>
       <p:sp>
         <p:nvSpPr>
-          <p:cNvPr id="249" name="Google Shape;249;p8"/>
+          <p:cNvPr id="248" name="Google Shape;248;p8"/>
           <p:cNvSpPr txBox="1"/>
           <p:nvPr>
             <p:ph idx="1" type="body"/>
@@ -31883,7 +32490,7 @@
   <p:cSld>
     <p:spTree>
       <p:nvGrpSpPr>
-        <p:cNvPr id="253" name="Shape 253"/>
+        <p:cNvPr id="252" name="Shape 252"/>
         <p:cNvGrpSpPr/>
         <p:nvPr/>
       </p:nvGrpSpPr>
@@ -31897,7 +32504,7 @@
       </p:grpSpPr>
       <p:sp>
         <p:nvSpPr>
-          <p:cNvPr id="254" name="Google Shape;254;p9"/>
+          <p:cNvPr id="253" name="Google Shape;253;p9"/>
           <p:cNvSpPr txBox="1"/>
           <p:nvPr>
             <p:ph type="title"/>
@@ -31949,7 +32556,7 @@
       </p:sp>
       <p:sp>
         <p:nvSpPr>
-          <p:cNvPr id="255" name="Google Shape;255;p9"/>
+          <p:cNvPr id="254" name="Google Shape;254;p9"/>
           <p:cNvSpPr txBox="1"/>
           <p:nvPr>
             <p:ph idx="1" type="body"/>
@@ -32080,7 +32687,7 @@
       </p:sp>
       <p:pic>
         <p:nvPicPr>
-          <p:cNvPr id="256" name="Google Shape;256;p9"/>
+          <p:cNvPr id="255" name="Google Shape;255;p9"/>
           <p:cNvPicPr preferRelativeResize="0"/>
           <p:nvPr/>
         </p:nvPicPr>
@@ -32126,6 +32733,285 @@
 </file>
 
 <file path=ppt/theme/theme1.xml><?xml version="1.0" encoding="utf-8"?>
+<a:theme xmlns:a="http://schemas.openxmlformats.org/drawingml/2006/main" xmlns:r="http://schemas.openxmlformats.org/officeDocument/2006/relationships" name="21_BasicWhite">
+  <a:themeElements>
+    <a:clrScheme name="Intel2020">
+      <a:dk1>
+        <a:srgbClr val="000000"/>
+      </a:dk1>
+      <a:lt1>
+        <a:srgbClr val="FFFFFF"/>
+      </a:lt1>
+      <a:dk2>
+        <a:srgbClr val="004A86"/>
+      </a:dk2>
+      <a:lt2>
+        <a:srgbClr val="525252"/>
+      </a:lt2>
+      <a:accent1>
+        <a:srgbClr val="0068B5"/>
+      </a:accent1>
+      <a:accent2>
+        <a:srgbClr val="00C7FD"/>
+      </a:accent2>
+      <a:accent3>
+        <a:srgbClr val="F6CB4B"/>
+      </a:accent3>
+      <a:accent4>
+        <a:srgbClr val="D96930"/>
+      </a:accent4>
+      <a:accent5>
+        <a:srgbClr val="8F5DA2"/>
+      </a:accent5>
+      <a:accent6>
+        <a:srgbClr val="8BAE46"/>
+      </a:accent6>
+      <a:hlink>
+        <a:srgbClr val="0068B5"/>
+      </a:hlink>
+      <a:folHlink>
+        <a:srgbClr val="0068B5"/>
+      </a:folHlink>
+    </a:clrScheme>
+    <a:fontScheme name="Office">
+      <a:majorFont>
+        <a:latin typeface="Arial"/>
+        <a:ea typeface=""/>
+        <a:cs typeface=""/>
+        <a:font script="Jpan" typeface="ＭＳ Ｐゴシック"/>
+        <a:font script="Hang" typeface="맑은 고딕"/>
+        <a:font script="Hans" typeface="宋体"/>
+        <a:font script="Hant" typeface="新細明體"/>
+        <a:font script="Arab" typeface="Times New Roman"/>
+        <a:font script="Hebr" typeface="Times New Roman"/>
+        <a:font script="Thai" typeface="Angsana New"/>
+        <a:font script="Ethi" typeface="Nyala"/>
+        <a:font script="Beng" typeface="Vrinda"/>
+        <a:font script="Gujr" typeface="Shruti"/>
+        <a:font script="Khmr" typeface="MoolBoran"/>
+        <a:font script="Knda" typeface="Tunga"/>
+        <a:font script="Guru" typeface="Raavi"/>
+        <a:font script="Cans" typeface="Euphemia"/>
+        <a:font script="Cher" typeface="Plantagenet Cherokee"/>
+        <a:font script="Yiii" typeface="Microsoft Yi Baiti"/>
+        <a:font script="Tibt" typeface="Microsoft Himalaya"/>
+        <a:font script="Thaa" typeface="MV Boli"/>
+        <a:font script="Deva" typeface="Mangal"/>
+        <a:font script="Telu" typeface="Gautami"/>
+        <a:font script="Taml" typeface="Latha"/>
+        <a:font script="Syrc" typeface="Estrangelo Edessa"/>
+        <a:font script="Orya" typeface="Kalinga"/>
+        <a:font script="Mlym" typeface="Kartika"/>
+        <a:font script="Laoo" typeface="DokChampa"/>
+        <a:font script="Sinh" typeface="Iskoola Pota"/>
+        <a:font script="Mong" typeface="Mongolian Baiti"/>
+        <a:font script="Viet" typeface="Times New Roman"/>
+        <a:font script="Uigh" typeface="Microsoft Uighur"/>
+        <a:font script="Geor" typeface="Sylfaen"/>
+      </a:majorFont>
+      <a:minorFont>
+        <a:latin typeface="Arial"/>
+        <a:ea typeface=""/>
+        <a:cs typeface=""/>
+        <a:font script="Jpan" typeface="ＭＳ Ｐゴシック"/>
+        <a:font script="Hang" typeface="맑은 고딕"/>
+        <a:font script="Hans" typeface="宋体"/>
+        <a:font script="Hant" typeface="新細明體"/>
+        <a:font script="Arab" typeface="Arial"/>
+        <a:font script="Hebr" typeface="Arial"/>
+        <a:font script="Thai" typeface="Cordia New"/>
+        <a:font script="Ethi" typeface="Nyala"/>
+        <a:font script="Beng" typeface="Vrinda"/>
+        <a:font script="Gujr" typeface="Shruti"/>
+        <a:font script="Khmr" typeface="DaunPenh"/>
+        <a:font script="Knda" typeface="Tunga"/>
+        <a:font script="Guru" typeface="Raavi"/>
+        <a:font script="Cans" typeface="Euphemia"/>
+        <a:font script="Cher" typeface="Plantagenet Cherokee"/>
+        <a:font script="Yiii" typeface="Microsoft Yi Baiti"/>
+        <a:font script="Tibt" typeface="Microsoft Himalaya"/>
+        <a:font script="Thaa" typeface="MV Boli"/>
+        <a:font script="Deva" typeface="Mangal"/>
+        <a:font script="Telu" typeface="Gautami"/>
+        <a:font script="Taml" typeface="Latha"/>
+        <a:font script="Syrc" typeface="Estrangelo Edessa"/>
+        <a:font script="Orya" typeface="Kalinga"/>
+        <a:font script="Mlym" typeface="Kartika"/>
+        <a:font script="Laoo" typeface="DokChampa"/>
+        <a:font script="Sinh" typeface="Iskoola Pota"/>
+        <a:font script="Mong" typeface="Mongolian Baiti"/>
+        <a:font script="Viet" typeface="Arial"/>
+        <a:font script="Uigh" typeface="Microsoft Uighur"/>
+        <a:font script="Geor" typeface="Sylfaen"/>
+      </a:minorFont>
+    </a:fontScheme>
+    <a:fmtScheme name="Office">
+      <a:fillStyleLst>
+        <a:solidFill>
+          <a:schemeClr val="phClr"/>
+        </a:solidFill>
+        <a:gradFill rotWithShape="1">
+          <a:gsLst>
+            <a:gs pos="0">
+              <a:schemeClr val="phClr">
+                <a:tint val="50000"/>
+                <a:satMod val="300000"/>
+              </a:schemeClr>
+            </a:gs>
+            <a:gs pos="35000">
+              <a:schemeClr val="phClr">
+                <a:tint val="37000"/>
+                <a:satMod val="300000"/>
+              </a:schemeClr>
+            </a:gs>
+            <a:gs pos="100000">
+              <a:schemeClr val="phClr">
+                <a:tint val="15000"/>
+                <a:satMod val="350000"/>
+              </a:schemeClr>
+            </a:gs>
+          </a:gsLst>
+          <a:lin ang="16200000" scaled="1"/>
+        </a:gradFill>
+        <a:gradFill rotWithShape="1">
+          <a:gsLst>
+            <a:gs pos="0">
+              <a:schemeClr val="phClr">
+                <a:tint val="100000"/>
+                <a:shade val="100000"/>
+                <a:satMod val="130000"/>
+              </a:schemeClr>
+            </a:gs>
+            <a:gs pos="100000">
+              <a:schemeClr val="phClr">
+                <a:tint val="50000"/>
+                <a:shade val="100000"/>
+                <a:satMod val="350000"/>
+              </a:schemeClr>
+            </a:gs>
+          </a:gsLst>
+          <a:lin ang="16200000" scaled="0"/>
+        </a:gradFill>
+      </a:fillStyleLst>
+      <a:lnStyleLst>
+        <a:ln w="9525" cap="flat" cmpd="sng" algn="ctr">
+          <a:solidFill>
+            <a:schemeClr val="phClr">
+              <a:shade val="95000"/>
+              <a:satMod val="105000"/>
+            </a:schemeClr>
+          </a:solidFill>
+          <a:prstDash val="solid"/>
+        </a:ln>
+        <a:ln w="25400" cap="flat" cmpd="sng" algn="ctr">
+          <a:solidFill>
+            <a:schemeClr val="phClr"/>
+          </a:solidFill>
+          <a:prstDash val="solid"/>
+        </a:ln>
+        <a:ln w="38100" cap="flat" cmpd="sng" algn="ctr">
+          <a:solidFill>
+            <a:schemeClr val="phClr"/>
+          </a:solidFill>
+          <a:prstDash val="solid"/>
+        </a:ln>
+      </a:lnStyleLst>
+      <a:effectStyleLst>
+        <a:effectStyle>
+          <a:effectLst>
+            <a:outerShdw blurRad="40000" dist="20000" dir="5400000" rotWithShape="0">
+              <a:srgbClr val="000000">
+                <a:alpha val="38000"/>
+              </a:srgbClr>
+            </a:outerShdw>
+          </a:effectLst>
+        </a:effectStyle>
+        <a:effectStyle>
+          <a:effectLst>
+            <a:outerShdw blurRad="40000" dist="23000" dir="5400000" rotWithShape="0">
+              <a:srgbClr val="000000">
+                <a:alpha val="35000"/>
+              </a:srgbClr>
+            </a:outerShdw>
+          </a:effectLst>
+        </a:effectStyle>
+        <a:effectStyle>
+          <a:effectLst>
+            <a:outerShdw blurRad="40000" dist="23000" dir="5400000" rotWithShape="0">
+              <a:srgbClr val="000000">
+                <a:alpha val="35000"/>
+              </a:srgbClr>
+            </a:outerShdw>
+          </a:effectLst>
+          <a:scene3d>
+            <a:camera prst="orthographicFront">
+              <a:rot lat="0" lon="0" rev="0"/>
+            </a:camera>
+            <a:lightRig rig="threePt" dir="t">
+              <a:rot lat="0" lon="0" rev="1200000"/>
+            </a:lightRig>
+          </a:scene3d>
+          <a:sp3d>
+            <a:bevelT w="63500" h="25400"/>
+          </a:sp3d>
+        </a:effectStyle>
+      </a:effectStyleLst>
+      <a:bgFillStyleLst>
+        <a:solidFill>
+          <a:schemeClr val="phClr"/>
+        </a:solidFill>
+        <a:gradFill rotWithShape="1">
+          <a:gsLst>
+            <a:gs pos="0">
+              <a:schemeClr val="phClr">
+                <a:tint val="40000"/>
+                <a:satMod val="350000"/>
+              </a:schemeClr>
+            </a:gs>
+            <a:gs pos="40000">
+              <a:schemeClr val="phClr">
+                <a:tint val="45000"/>
+                <a:shade val="99000"/>
+                <a:satMod val="350000"/>
+              </a:schemeClr>
+            </a:gs>
+            <a:gs pos="100000">
+              <a:schemeClr val="phClr">
+                <a:shade val="20000"/>
+                <a:satMod val="255000"/>
+              </a:schemeClr>
+            </a:gs>
+          </a:gsLst>
+          <a:path path="circle">
+            <a:fillToRect l="50000" t="-80000" r="50000" b="180000"/>
+          </a:path>
+        </a:gradFill>
+        <a:gradFill rotWithShape="1">
+          <a:gsLst>
+            <a:gs pos="0">
+              <a:schemeClr val="phClr">
+                <a:tint val="80000"/>
+                <a:satMod val="300000"/>
+              </a:schemeClr>
+            </a:gs>
+            <a:gs pos="100000">
+              <a:schemeClr val="phClr">
+                <a:shade val="30000"/>
+                <a:satMod val="200000"/>
+              </a:schemeClr>
+            </a:gs>
+          </a:gsLst>
+          <a:path path="circle">
+            <a:fillToRect l="50000" t="50000" r="50000" b="50000"/>
+          </a:path>
+        </a:gradFill>
+      </a:bgFillStyleLst>
+    </a:fmtScheme>
+  </a:themeElements>
+</a:theme>
+</file>
+
+<file path=ppt/theme/theme2.xml><?xml version="1.0" encoding="utf-8"?>
 <a:theme xmlns:a="http://schemas.openxmlformats.org/drawingml/2006/main" xmlns:r="http://schemas.openxmlformats.org/officeDocument/2006/relationships" name="21_BasicWhite">
   <a:themeElements>
     <a:clrScheme name="21_BasicWhite">
@@ -32402,283 +33288,4 @@
     </a:fmtScheme>
   </a:themeElements>
 </a:theme>
-</file>
-
-<file path=ppt/theme/theme2.xml><?xml version="1.0" encoding="utf-8"?>
-<a:theme xmlns:a="http://schemas.openxmlformats.org/drawingml/2006/main" xmlns:r="http://schemas.openxmlformats.org/officeDocument/2006/relationships" name="21_BasicWhite">
-  <a:themeElements>
-    <a:clrScheme name="Intel2020">
-      <a:dk1>
-        <a:srgbClr val="000000"/>
-      </a:dk1>
-      <a:lt1>
-        <a:srgbClr val="FFFFFF"/>
-      </a:lt1>
-      <a:dk2>
-        <a:srgbClr val="004A86"/>
-      </a:dk2>
-      <a:lt2>
-        <a:srgbClr val="525252"/>
-      </a:lt2>
-      <a:accent1>
-        <a:srgbClr val="0068B5"/>
-      </a:accent1>
-      <a:accent2>
-        <a:srgbClr val="00C7FD"/>
-      </a:accent2>
-      <a:accent3>
-        <a:srgbClr val="F6CB4B"/>
-      </a:accent3>
-      <a:accent4>
-        <a:srgbClr val="D96930"/>
-      </a:accent4>
-      <a:accent5>
-        <a:srgbClr val="8F5DA2"/>
-      </a:accent5>
-      <a:accent6>
-        <a:srgbClr val="8BAE46"/>
-      </a:accent6>
-      <a:hlink>
-        <a:srgbClr val="0068B5"/>
-      </a:hlink>
-      <a:folHlink>
-        <a:srgbClr val="0068B5"/>
-      </a:folHlink>
-    </a:clrScheme>
-    <a:fontScheme name="Office">
-      <a:majorFont>
-        <a:latin typeface="Arial"/>
-        <a:ea typeface=""/>
-        <a:cs typeface=""/>
-        <a:font script="Jpan" typeface="ＭＳ Ｐゴシック"/>
-        <a:font script="Hang" typeface="맑은 고딕"/>
-        <a:font script="Hans" typeface="宋体"/>
-        <a:font script="Hant" typeface="新細明體"/>
-        <a:font script="Arab" typeface="Times New Roman"/>
-        <a:font script="Hebr" typeface="Times New Roman"/>
-        <a:font script="Thai" typeface="Angsana New"/>
-        <a:font script="Ethi" typeface="Nyala"/>
-        <a:font script="Beng" typeface="Vrinda"/>
-        <a:font script="Gujr" typeface="Shruti"/>
-        <a:font script="Khmr" typeface="MoolBoran"/>
-        <a:font script="Knda" typeface="Tunga"/>
-        <a:font script="Guru" typeface="Raavi"/>
-        <a:font script="Cans" typeface="Euphemia"/>
-        <a:font script="Cher" typeface="Plantagenet Cherokee"/>
-        <a:font script="Yiii" typeface="Microsoft Yi Baiti"/>
-        <a:font script="Tibt" typeface="Microsoft Himalaya"/>
-        <a:font script="Thaa" typeface="MV Boli"/>
-        <a:font script="Deva" typeface="Mangal"/>
-        <a:font script="Telu" typeface="Gautami"/>
-        <a:font script="Taml" typeface="Latha"/>
-        <a:font script="Syrc" typeface="Estrangelo Edessa"/>
-        <a:font script="Orya" typeface="Kalinga"/>
-        <a:font script="Mlym" typeface="Kartika"/>
-        <a:font script="Laoo" typeface="DokChampa"/>
-        <a:font script="Sinh" typeface="Iskoola Pota"/>
-        <a:font script="Mong" typeface="Mongolian Baiti"/>
-        <a:font script="Viet" typeface="Times New Roman"/>
-        <a:font script="Uigh" typeface="Microsoft Uighur"/>
-        <a:font script="Geor" typeface="Sylfaen"/>
-      </a:majorFont>
-      <a:minorFont>
-        <a:latin typeface="Arial"/>
-        <a:ea typeface=""/>
-        <a:cs typeface=""/>
-        <a:font script="Jpan" typeface="ＭＳ Ｐゴシック"/>
-        <a:font script="Hang" typeface="맑은 고딕"/>
-        <a:font script="Hans" typeface="宋体"/>
-        <a:font script="Hant" typeface="新細明體"/>
-        <a:font script="Arab" typeface="Arial"/>
-        <a:font script="Hebr" typeface="Arial"/>
-        <a:font script="Thai" typeface="Cordia New"/>
-        <a:font script="Ethi" typeface="Nyala"/>
-        <a:font script="Beng" typeface="Vrinda"/>
-        <a:font script="Gujr" typeface="Shruti"/>
-        <a:font script="Khmr" typeface="DaunPenh"/>
-        <a:font script="Knda" typeface="Tunga"/>
-        <a:font script="Guru" typeface="Raavi"/>
-        <a:font script="Cans" typeface="Euphemia"/>
-        <a:font script="Cher" typeface="Plantagenet Cherokee"/>
-        <a:font script="Yiii" typeface="Microsoft Yi Baiti"/>
-        <a:font script="Tibt" typeface="Microsoft Himalaya"/>
-        <a:font script="Thaa" typeface="MV Boli"/>
-        <a:font script="Deva" typeface="Mangal"/>
-        <a:font script="Telu" typeface="Gautami"/>
-        <a:font script="Taml" typeface="Latha"/>
-        <a:font script="Syrc" typeface="Estrangelo Edessa"/>
-        <a:font script="Orya" typeface="Kalinga"/>
-        <a:font script="Mlym" typeface="Kartika"/>
-        <a:font script="Laoo" typeface="DokChampa"/>
-        <a:font script="Sinh" typeface="Iskoola Pota"/>
-        <a:font script="Mong" typeface="Mongolian Baiti"/>
-        <a:font script="Viet" typeface="Arial"/>
-        <a:font script="Uigh" typeface="Microsoft Uighur"/>
-        <a:font script="Geor" typeface="Sylfaen"/>
-      </a:minorFont>
-    </a:fontScheme>
-    <a:fmtScheme name="Office">
-      <a:fillStyleLst>
-        <a:solidFill>
-          <a:schemeClr val="phClr"/>
-        </a:solidFill>
-        <a:gradFill rotWithShape="1">
-          <a:gsLst>
-            <a:gs pos="0">
-              <a:schemeClr val="phClr">
-                <a:tint val="50000"/>
-                <a:satMod val="300000"/>
-              </a:schemeClr>
-            </a:gs>
-            <a:gs pos="35000">
-              <a:schemeClr val="phClr">
-                <a:tint val="37000"/>
-                <a:satMod val="300000"/>
-              </a:schemeClr>
-            </a:gs>
-            <a:gs pos="100000">
-              <a:schemeClr val="phClr">
-                <a:tint val="15000"/>
-                <a:satMod val="350000"/>
-              </a:schemeClr>
-            </a:gs>
-          </a:gsLst>
-          <a:lin ang="16200000" scaled="1"/>
-        </a:gradFill>
-        <a:gradFill rotWithShape="1">
-          <a:gsLst>
-            <a:gs pos="0">
-              <a:schemeClr val="phClr">
-                <a:tint val="100000"/>
-                <a:shade val="100000"/>
-                <a:satMod val="130000"/>
-              </a:schemeClr>
-            </a:gs>
-            <a:gs pos="100000">
-              <a:schemeClr val="phClr">
-                <a:tint val="50000"/>
-                <a:shade val="100000"/>
-                <a:satMod val="350000"/>
-              </a:schemeClr>
-            </a:gs>
-          </a:gsLst>
-          <a:lin ang="16200000" scaled="0"/>
-        </a:gradFill>
-      </a:fillStyleLst>
-      <a:lnStyleLst>
-        <a:ln w="9525" cap="flat" cmpd="sng" algn="ctr">
-          <a:solidFill>
-            <a:schemeClr val="phClr">
-              <a:shade val="95000"/>
-              <a:satMod val="105000"/>
-            </a:schemeClr>
-          </a:solidFill>
-          <a:prstDash val="solid"/>
-        </a:ln>
-        <a:ln w="25400" cap="flat" cmpd="sng" algn="ctr">
-          <a:solidFill>
-            <a:schemeClr val="phClr"/>
-          </a:solidFill>
-          <a:prstDash val="solid"/>
-        </a:ln>
-        <a:ln w="38100" cap="flat" cmpd="sng" algn="ctr">
-          <a:solidFill>
-            <a:schemeClr val="phClr"/>
-          </a:solidFill>
-          <a:prstDash val="solid"/>
-        </a:ln>
-      </a:lnStyleLst>
-      <a:effectStyleLst>
-        <a:effectStyle>
-          <a:effectLst>
-            <a:outerShdw blurRad="40000" dist="20000" dir="5400000" rotWithShape="0">
-              <a:srgbClr val="000000">
-                <a:alpha val="38000"/>
-              </a:srgbClr>
-            </a:outerShdw>
-          </a:effectLst>
-        </a:effectStyle>
-        <a:effectStyle>
-          <a:effectLst>
-            <a:outerShdw blurRad="40000" dist="23000" dir="5400000" rotWithShape="0">
-              <a:srgbClr val="000000">
-                <a:alpha val="35000"/>
-              </a:srgbClr>
-            </a:outerShdw>
-          </a:effectLst>
-        </a:effectStyle>
-        <a:effectStyle>
-          <a:effectLst>
-            <a:outerShdw blurRad="40000" dist="23000" dir="5400000" rotWithShape="0">
-              <a:srgbClr val="000000">
-                <a:alpha val="35000"/>
-              </a:srgbClr>
-            </a:outerShdw>
-          </a:effectLst>
-          <a:scene3d>
-            <a:camera prst="orthographicFront">
-              <a:rot lat="0" lon="0" rev="0"/>
-            </a:camera>
-            <a:lightRig rig="threePt" dir="t">
-              <a:rot lat="0" lon="0" rev="1200000"/>
-            </a:lightRig>
-          </a:scene3d>
-          <a:sp3d>
-            <a:bevelT w="63500" h="25400"/>
-          </a:sp3d>
-        </a:effectStyle>
-      </a:effectStyleLst>
-      <a:bgFillStyleLst>
-        <a:solidFill>
-          <a:schemeClr val="phClr"/>
-        </a:solidFill>
-        <a:gradFill rotWithShape="1">
-          <a:gsLst>
-            <a:gs pos="0">
-              <a:schemeClr val="phClr">
-                <a:tint val="40000"/>
-                <a:satMod val="350000"/>
-              </a:schemeClr>
-            </a:gs>
-            <a:gs pos="40000">
-              <a:schemeClr val="phClr">
-                <a:tint val="45000"/>
-                <a:shade val="99000"/>
-                <a:satMod val="350000"/>
-              </a:schemeClr>
-            </a:gs>
-            <a:gs pos="100000">
-              <a:schemeClr val="phClr">
-                <a:shade val="20000"/>
-                <a:satMod val="255000"/>
-              </a:schemeClr>
-            </a:gs>
-          </a:gsLst>
-          <a:path path="circle">
-            <a:fillToRect l="50000" t="-80000" r="50000" b="180000"/>
-          </a:path>
-        </a:gradFill>
-        <a:gradFill rotWithShape="1">
-          <a:gsLst>
-            <a:gs pos="0">
-              <a:schemeClr val="phClr">
-                <a:tint val="80000"/>
-                <a:satMod val="300000"/>
-              </a:schemeClr>
-            </a:gs>
-            <a:gs pos="100000">
-              <a:schemeClr val="phClr">
-                <a:shade val="30000"/>
-                <a:satMod val="200000"/>
-              </a:schemeClr>
-            </a:gs>
-          </a:gsLst>
-          <a:path path="circle">
-            <a:fillToRect l="50000" t="50000" r="50000" b="50000"/>
-          </a:path>
-        </a:gradFill>
-      </a:bgFillStyleLst>
-    </a:fmtScheme>
-  </a:themeElements>
-</a:theme>
 </file>